--- a/20220115_ScienceBehindVizualization/diagrams.pptx
+++ b/20220115_ScienceBehindVizualization/diagrams.pptx
@@ -9,6 +9,8 @@
     <p:sldId id="257" r:id="rId3"/>
     <p:sldId id="258" r:id="rId4"/>
     <p:sldId id="259" r:id="rId5"/>
+    <p:sldId id="260" r:id="rId6"/>
+    <p:sldId id="261" r:id="rId7"/>
   </p:sldIdLst>
   <p:sldSz cx="12192000" cy="6858000"/>
   <p:notesSz cx="6858000" cy="9144000"/>
@@ -107,6 +109,11 @@
       </a:defRPr>
     </a:lvl9pPr>
   </p:defaultTextStyle>
+  <p:extLst>
+    <p:ext uri="{EFAFB233-063F-42B5-8137-9DF3F51BA10A}">
+      <p15:sldGuideLst xmlns:p15="http://schemas.microsoft.com/office/powerpoint/2012/main"/>
+    </p:ext>
+  </p:extLst>
 </p:presentation>
 </file>
 
@@ -3476,7 +3483,7 @@
           <a:p>
             <a:fld id="{97C80B76-AC77-49E8-96DC-DC0BBE7757B8}" type="datetimeFigureOut">
               <a:rPr lang="en-IN" smtClean="0"/>
-              <a:t>15-01-2022</a:t>
+              <a:t>17-01-2022</a:t>
             </a:fld>
             <a:endParaRPr lang="en-IN"/>
           </a:p>
@@ -3676,7 +3683,7 @@
           <a:p>
             <a:fld id="{97C80B76-AC77-49E8-96DC-DC0BBE7757B8}" type="datetimeFigureOut">
               <a:rPr lang="en-IN" smtClean="0"/>
-              <a:t>15-01-2022</a:t>
+              <a:t>17-01-2022</a:t>
             </a:fld>
             <a:endParaRPr lang="en-IN"/>
           </a:p>
@@ -3886,7 +3893,7 @@
           <a:p>
             <a:fld id="{97C80B76-AC77-49E8-96DC-DC0BBE7757B8}" type="datetimeFigureOut">
               <a:rPr lang="en-IN" smtClean="0"/>
-              <a:t>15-01-2022</a:t>
+              <a:t>17-01-2022</a:t>
             </a:fld>
             <a:endParaRPr lang="en-IN"/>
           </a:p>
@@ -4086,7 +4093,7 @@
           <a:p>
             <a:fld id="{97C80B76-AC77-49E8-96DC-DC0BBE7757B8}" type="datetimeFigureOut">
               <a:rPr lang="en-IN" smtClean="0"/>
-              <a:t>15-01-2022</a:t>
+              <a:t>17-01-2022</a:t>
             </a:fld>
             <a:endParaRPr lang="en-IN"/>
           </a:p>
@@ -4362,7 +4369,7 @@
           <a:p>
             <a:fld id="{97C80B76-AC77-49E8-96DC-DC0BBE7757B8}" type="datetimeFigureOut">
               <a:rPr lang="en-IN" smtClean="0"/>
-              <a:t>15-01-2022</a:t>
+              <a:t>17-01-2022</a:t>
             </a:fld>
             <a:endParaRPr lang="en-IN"/>
           </a:p>
@@ -4630,7 +4637,7 @@
           <a:p>
             <a:fld id="{97C80B76-AC77-49E8-96DC-DC0BBE7757B8}" type="datetimeFigureOut">
               <a:rPr lang="en-IN" smtClean="0"/>
-              <a:t>15-01-2022</a:t>
+              <a:t>17-01-2022</a:t>
             </a:fld>
             <a:endParaRPr lang="en-IN"/>
           </a:p>
@@ -5045,7 +5052,7 @@
           <a:p>
             <a:fld id="{97C80B76-AC77-49E8-96DC-DC0BBE7757B8}" type="datetimeFigureOut">
               <a:rPr lang="en-IN" smtClean="0"/>
-              <a:t>15-01-2022</a:t>
+              <a:t>17-01-2022</a:t>
             </a:fld>
             <a:endParaRPr lang="en-IN"/>
           </a:p>
@@ -5187,7 +5194,7 @@
           <a:p>
             <a:fld id="{97C80B76-AC77-49E8-96DC-DC0BBE7757B8}" type="datetimeFigureOut">
               <a:rPr lang="en-IN" smtClean="0"/>
-              <a:t>15-01-2022</a:t>
+              <a:t>17-01-2022</a:t>
             </a:fld>
             <a:endParaRPr lang="en-IN"/>
           </a:p>
@@ -5300,7 +5307,7 @@
           <a:p>
             <a:fld id="{97C80B76-AC77-49E8-96DC-DC0BBE7757B8}" type="datetimeFigureOut">
               <a:rPr lang="en-IN" smtClean="0"/>
-              <a:t>15-01-2022</a:t>
+              <a:t>17-01-2022</a:t>
             </a:fld>
             <a:endParaRPr lang="en-IN"/>
           </a:p>
@@ -5613,7 +5620,7 @@
           <a:p>
             <a:fld id="{97C80B76-AC77-49E8-96DC-DC0BBE7757B8}" type="datetimeFigureOut">
               <a:rPr lang="en-IN" smtClean="0"/>
-              <a:t>15-01-2022</a:t>
+              <a:t>17-01-2022</a:t>
             </a:fld>
             <a:endParaRPr lang="en-IN"/>
           </a:p>
@@ -5902,7 +5909,7 @@
           <a:p>
             <a:fld id="{97C80B76-AC77-49E8-96DC-DC0BBE7757B8}" type="datetimeFigureOut">
               <a:rPr lang="en-IN" smtClean="0"/>
-              <a:t>15-01-2022</a:t>
+              <a:t>17-01-2022</a:t>
             </a:fld>
             <a:endParaRPr lang="en-IN"/>
           </a:p>
@@ -6145,7 +6152,7 @@
           <a:p>
             <a:fld id="{97C80B76-AC77-49E8-96DC-DC0BBE7757B8}" type="datetimeFigureOut">
               <a:rPr lang="en-IN" smtClean="0"/>
-              <a:t>15-01-2022</a:t>
+              <a:t>17-01-2022</a:t>
             </a:fld>
             <a:endParaRPr lang="en-IN"/>
           </a:p>
@@ -6986,14 +6993,14 @@
           <p:nvPr>
             <p:extLst>
               <p:ext uri="{D42A27DB-BD31-4B8C-83A1-F6EECF244321}">
-                <p14:modId xmlns:p14="http://schemas.microsoft.com/office/powerpoint/2010/main" val="2947140133"/>
+                <p14:modId xmlns:p14="http://schemas.microsoft.com/office/powerpoint/2010/main" val="3919930850"/>
               </p:ext>
             </p:extLst>
           </p:nvPr>
         </p:nvGraphicFramePr>
         <p:xfrm>
-          <a:off x="345058" y="719666"/>
-          <a:ext cx="8675999" cy="4320003"/>
+          <a:off x="1893448" y="719666"/>
+          <a:ext cx="7148945" cy="4320003"/>
         </p:xfrm>
         <a:graphic>
           <a:graphicData uri="http://schemas.openxmlformats.org/drawingml/2006/table">
@@ -7002,21 +7009,21 @@
                 <a:tableStyleId>{69012ECD-51FC-41F1-AA8D-1B2483CD663E}</a:tableStyleId>
               </a:tblPr>
               <a:tblGrid>
-                <a:gridCol w="4543581">
+                <a:gridCol w="4830619">
                   <a:extLst>
                     <a:ext uri="{9D8B030D-6E8A-4147-A177-3AD203B41FA5}">
                       <a16:colId xmlns:a16="http://schemas.microsoft.com/office/drawing/2014/main" val="3221655686"/>
                     </a:ext>
                   </a:extLst>
                 </a:gridCol>
-                <a:gridCol w="1900842">
+                <a:gridCol w="692727">
                   <a:extLst>
                     <a:ext uri="{9D8B030D-6E8A-4147-A177-3AD203B41FA5}">
                       <a16:colId xmlns:a16="http://schemas.microsoft.com/office/drawing/2014/main" val="790968682"/>
                     </a:ext>
                   </a:extLst>
                 </a:gridCol>
-                <a:gridCol w="2231576">
+                <a:gridCol w="1625599">
                   <a:extLst>
                     <a:ext uri="{9D8B030D-6E8A-4147-A177-3AD203B41FA5}">
                       <a16:colId xmlns:a16="http://schemas.microsoft.com/office/drawing/2014/main" val="447486931"/>
@@ -7045,7 +7052,7 @@
                     <a:p>
                       <a:r>
                         <a:rPr lang="en-IN" dirty="0"/>
-                        <a:t>Rank (smaller is better)</a:t>
+                        <a:t>Rank</a:t>
                       </a:r>
                     </a:p>
                   </a:txBody>
@@ -7393,7 +7400,7 @@
         </p:nvSpPr>
         <p:spPr>
           <a:xfrm>
-            <a:off x="790292" y="5346692"/>
+            <a:off x="1630795" y="5346692"/>
             <a:ext cx="7785529" cy="369332"/>
           </a:xfrm>
           <a:prstGeom prst="rect">
@@ -7416,536 +7423,6 @@
       </p:sp>
       <p:grpSp>
         <p:nvGrpSpPr>
-          <p:cNvPr id="22" name="Group 21">
-            <a:extLst>
-              <a:ext uri="{FF2B5EF4-FFF2-40B4-BE49-F238E27FC236}">
-                <a16:creationId xmlns:a16="http://schemas.microsoft.com/office/drawing/2014/main" id="{6F274C21-52AD-4465-9EE6-7C280FF2D50C}"/>
-              </a:ext>
-            </a:extLst>
-          </p:cNvPr>
-          <p:cNvGrpSpPr/>
-          <p:nvPr/>
-        </p:nvGrpSpPr>
-        <p:grpSpPr>
-          <a:xfrm>
-            <a:off x="6823495" y="1640641"/>
-            <a:ext cx="534830" cy="353684"/>
-            <a:chOff x="2130725" y="4942936"/>
-            <a:chExt cx="474452" cy="353683"/>
-          </a:xfrm>
-        </p:grpSpPr>
-        <p:cxnSp>
-          <p:nvCxnSpPr>
-            <p:cNvPr id="10" name="Straight Connector 9">
-              <a:extLst>
-                <a:ext uri="{FF2B5EF4-FFF2-40B4-BE49-F238E27FC236}">
-                  <a16:creationId xmlns:a16="http://schemas.microsoft.com/office/drawing/2014/main" id="{50F9D7AB-0755-422F-819C-2AA6554E9BBC}"/>
-                </a:ext>
-              </a:extLst>
-            </p:cNvPr>
-            <p:cNvCxnSpPr/>
-            <p:nvPr/>
-          </p:nvCxnSpPr>
-          <p:spPr>
-            <a:xfrm>
-              <a:off x="2130725" y="4942936"/>
-              <a:ext cx="0" cy="353683"/>
-            </a:xfrm>
-            <a:prstGeom prst="line">
-              <a:avLst/>
-            </a:prstGeom>
-          </p:spPr>
-          <p:style>
-            <a:lnRef idx="1">
-              <a:schemeClr val="accent1"/>
-            </a:lnRef>
-            <a:fillRef idx="0">
-              <a:schemeClr val="accent1"/>
-            </a:fillRef>
-            <a:effectRef idx="0">
-              <a:schemeClr val="accent1"/>
-            </a:effectRef>
-            <a:fontRef idx="minor">
-              <a:schemeClr val="tx1"/>
-            </a:fontRef>
-          </p:style>
-        </p:cxnSp>
-        <p:cxnSp>
-          <p:nvCxnSpPr>
-            <p:cNvPr id="11" name="Straight Connector 10">
-              <a:extLst>
-                <a:ext uri="{FF2B5EF4-FFF2-40B4-BE49-F238E27FC236}">
-                  <a16:creationId xmlns:a16="http://schemas.microsoft.com/office/drawing/2014/main" id="{833F664A-BE86-469C-87C9-58FCB23660B1}"/>
-                </a:ext>
-              </a:extLst>
-            </p:cNvPr>
-            <p:cNvCxnSpPr>
-              <a:cxnSpLocks/>
-            </p:cNvCxnSpPr>
-            <p:nvPr/>
-          </p:nvCxnSpPr>
-          <p:spPr>
-            <a:xfrm flipH="1">
-              <a:off x="2130726" y="5296619"/>
-              <a:ext cx="474451" cy="0"/>
-            </a:xfrm>
-            <a:prstGeom prst="line">
-              <a:avLst/>
-            </a:prstGeom>
-          </p:spPr>
-          <p:style>
-            <a:lnRef idx="1">
-              <a:schemeClr val="accent1"/>
-            </a:lnRef>
-            <a:fillRef idx="0">
-              <a:schemeClr val="accent1"/>
-            </a:fillRef>
-            <a:effectRef idx="0">
-              <a:schemeClr val="accent1"/>
-            </a:effectRef>
-            <a:fontRef idx="minor">
-              <a:schemeClr val="tx1"/>
-            </a:fontRef>
-          </p:style>
-        </p:cxnSp>
-        <p:cxnSp>
-          <p:nvCxnSpPr>
-            <p:cNvPr id="14" name="Straight Connector 13">
-              <a:extLst>
-                <a:ext uri="{FF2B5EF4-FFF2-40B4-BE49-F238E27FC236}">
-                  <a16:creationId xmlns:a16="http://schemas.microsoft.com/office/drawing/2014/main" id="{A080EEA6-E7C9-4771-B053-57C232BAEBF9}"/>
-                </a:ext>
-              </a:extLst>
-            </p:cNvPr>
-            <p:cNvCxnSpPr>
-              <a:cxnSpLocks/>
-            </p:cNvCxnSpPr>
-            <p:nvPr/>
-          </p:nvCxnSpPr>
-          <p:spPr>
-            <a:xfrm flipH="1">
-              <a:off x="2222745" y="5034951"/>
-              <a:ext cx="84824" cy="0"/>
-            </a:xfrm>
-            <a:prstGeom prst="line">
-              <a:avLst/>
-            </a:prstGeom>
-          </p:spPr>
-          <p:style>
-            <a:lnRef idx="1">
-              <a:schemeClr val="accent1"/>
-            </a:lnRef>
-            <a:fillRef idx="0">
-              <a:schemeClr val="accent1"/>
-            </a:fillRef>
-            <a:effectRef idx="0">
-              <a:schemeClr val="accent1"/>
-            </a:effectRef>
-            <a:fontRef idx="minor">
-              <a:schemeClr val="tx1"/>
-            </a:fontRef>
-          </p:style>
-        </p:cxnSp>
-        <p:cxnSp>
-          <p:nvCxnSpPr>
-            <p:cNvPr id="17" name="Straight Connector 16">
-              <a:extLst>
-                <a:ext uri="{FF2B5EF4-FFF2-40B4-BE49-F238E27FC236}">
-                  <a16:creationId xmlns:a16="http://schemas.microsoft.com/office/drawing/2014/main" id="{0E2F8967-AA2A-4B29-9402-BBA19957617F}"/>
-                </a:ext>
-              </a:extLst>
-            </p:cNvPr>
-            <p:cNvCxnSpPr>
-              <a:cxnSpLocks/>
-            </p:cNvCxnSpPr>
-            <p:nvPr/>
-          </p:nvCxnSpPr>
-          <p:spPr>
-            <a:xfrm flipH="1">
-              <a:off x="2375145" y="5187351"/>
-              <a:ext cx="84824" cy="0"/>
-            </a:xfrm>
-            <a:prstGeom prst="line">
-              <a:avLst/>
-            </a:prstGeom>
-          </p:spPr>
-          <p:style>
-            <a:lnRef idx="1">
-              <a:schemeClr val="accent1"/>
-            </a:lnRef>
-            <a:fillRef idx="0">
-              <a:schemeClr val="accent1"/>
-            </a:fillRef>
-            <a:effectRef idx="0">
-              <a:schemeClr val="accent1"/>
-            </a:effectRef>
-            <a:fontRef idx="minor">
-              <a:schemeClr val="tx1"/>
-            </a:fontRef>
-          </p:style>
-        </p:cxnSp>
-      </p:grpSp>
-      <p:grpSp>
-        <p:nvGrpSpPr>
-          <p:cNvPr id="32" name="Group 31">
-            <a:extLst>
-              <a:ext uri="{FF2B5EF4-FFF2-40B4-BE49-F238E27FC236}">
-                <a16:creationId xmlns:a16="http://schemas.microsoft.com/office/drawing/2014/main" id="{14F94709-F326-4014-A8D3-218250533DF7}"/>
-              </a:ext>
-            </a:extLst>
-          </p:cNvPr>
-          <p:cNvGrpSpPr/>
-          <p:nvPr/>
-        </p:nvGrpSpPr>
-        <p:grpSpPr>
-          <a:xfrm>
-            <a:off x="6832128" y="2052667"/>
-            <a:ext cx="1178940" cy="485953"/>
-            <a:chOff x="2283125" y="5394384"/>
-            <a:chExt cx="1178940" cy="485953"/>
-          </a:xfrm>
-        </p:grpSpPr>
-        <p:cxnSp>
-          <p:nvCxnSpPr>
-            <p:cNvPr id="18" name="Straight Connector 17">
-              <a:extLst>
-                <a:ext uri="{FF2B5EF4-FFF2-40B4-BE49-F238E27FC236}">
-                  <a16:creationId xmlns:a16="http://schemas.microsoft.com/office/drawing/2014/main" id="{258D3F4E-36D9-4580-8B48-4D74DBD69036}"/>
-                </a:ext>
-              </a:extLst>
-            </p:cNvPr>
-            <p:cNvCxnSpPr/>
-            <p:nvPr/>
-          </p:nvCxnSpPr>
-          <p:spPr>
-            <a:xfrm>
-              <a:off x="2283125" y="5526654"/>
-              <a:ext cx="0" cy="353683"/>
-            </a:xfrm>
-            <a:prstGeom prst="line">
-              <a:avLst/>
-            </a:prstGeom>
-          </p:spPr>
-          <p:style>
-            <a:lnRef idx="1">
-              <a:schemeClr val="accent1"/>
-            </a:lnRef>
-            <a:fillRef idx="0">
-              <a:schemeClr val="accent1"/>
-            </a:fillRef>
-            <a:effectRef idx="0">
-              <a:schemeClr val="accent1"/>
-            </a:effectRef>
-            <a:fontRef idx="minor">
-              <a:schemeClr val="tx1"/>
-            </a:fontRef>
-          </p:style>
-        </p:cxnSp>
-        <p:cxnSp>
-          <p:nvCxnSpPr>
-            <p:cNvPr id="19" name="Straight Connector 18">
-              <a:extLst>
-                <a:ext uri="{FF2B5EF4-FFF2-40B4-BE49-F238E27FC236}">
-                  <a16:creationId xmlns:a16="http://schemas.microsoft.com/office/drawing/2014/main" id="{890F468A-460E-4A4B-A06F-0B8A2AAE2C85}"/>
-                </a:ext>
-              </a:extLst>
-            </p:cNvPr>
-            <p:cNvCxnSpPr>
-              <a:cxnSpLocks/>
-            </p:cNvCxnSpPr>
-            <p:nvPr/>
-          </p:nvCxnSpPr>
-          <p:spPr>
-            <a:xfrm flipH="1">
-              <a:off x="2283126" y="5880337"/>
-              <a:ext cx="474451" cy="0"/>
-            </a:xfrm>
-            <a:prstGeom prst="line">
-              <a:avLst/>
-            </a:prstGeom>
-          </p:spPr>
-          <p:style>
-            <a:lnRef idx="1">
-              <a:schemeClr val="accent1"/>
-            </a:lnRef>
-            <a:fillRef idx="0">
-              <a:schemeClr val="accent1"/>
-            </a:fillRef>
-            <a:effectRef idx="0">
-              <a:schemeClr val="accent1"/>
-            </a:effectRef>
-            <a:fontRef idx="minor">
-              <a:schemeClr val="tx1"/>
-            </a:fontRef>
-          </p:style>
-        </p:cxnSp>
-        <p:cxnSp>
-          <p:nvCxnSpPr>
-            <p:cNvPr id="20" name="Straight Connector 19">
-              <a:extLst>
-                <a:ext uri="{FF2B5EF4-FFF2-40B4-BE49-F238E27FC236}">
-                  <a16:creationId xmlns:a16="http://schemas.microsoft.com/office/drawing/2014/main" id="{753874E0-7C57-4285-993C-B804B125CB67}"/>
-                </a:ext>
-              </a:extLst>
-            </p:cNvPr>
-            <p:cNvCxnSpPr>
-              <a:cxnSpLocks/>
-            </p:cNvCxnSpPr>
-            <p:nvPr/>
-          </p:nvCxnSpPr>
-          <p:spPr>
-            <a:xfrm flipH="1">
-              <a:off x="2383777" y="5773941"/>
-              <a:ext cx="84824" cy="0"/>
-            </a:xfrm>
-            <a:prstGeom prst="line">
-              <a:avLst/>
-            </a:prstGeom>
-          </p:spPr>
-          <p:style>
-            <a:lnRef idx="1">
-              <a:schemeClr val="accent1"/>
-            </a:lnRef>
-            <a:fillRef idx="0">
-              <a:schemeClr val="accent1"/>
-            </a:fillRef>
-            <a:effectRef idx="0">
-              <a:schemeClr val="accent1"/>
-            </a:effectRef>
-            <a:fontRef idx="minor">
-              <a:schemeClr val="tx1"/>
-            </a:fontRef>
-          </p:style>
-        </p:cxnSp>
-        <p:cxnSp>
-          <p:nvCxnSpPr>
-            <p:cNvPr id="21" name="Straight Connector 20">
-              <a:extLst>
-                <a:ext uri="{FF2B5EF4-FFF2-40B4-BE49-F238E27FC236}">
-                  <a16:creationId xmlns:a16="http://schemas.microsoft.com/office/drawing/2014/main" id="{25E3BD8D-A0CC-4113-A096-74AB3C4B5E11}"/>
-                </a:ext>
-              </a:extLst>
-            </p:cNvPr>
-            <p:cNvCxnSpPr>
-              <a:cxnSpLocks/>
-            </p:cNvCxnSpPr>
-            <p:nvPr/>
-          </p:nvCxnSpPr>
-          <p:spPr>
-            <a:xfrm flipH="1">
-              <a:off x="3079633" y="5486399"/>
-              <a:ext cx="84824" cy="0"/>
-            </a:xfrm>
-            <a:prstGeom prst="line">
-              <a:avLst/>
-            </a:prstGeom>
-          </p:spPr>
-          <p:style>
-            <a:lnRef idx="1">
-              <a:schemeClr val="accent1"/>
-            </a:lnRef>
-            <a:fillRef idx="0">
-              <a:schemeClr val="accent1"/>
-            </a:fillRef>
-            <a:effectRef idx="0">
-              <a:schemeClr val="accent1"/>
-            </a:effectRef>
-            <a:fontRef idx="minor">
-              <a:schemeClr val="tx1"/>
-            </a:fontRef>
-          </p:style>
-        </p:cxnSp>
-        <p:cxnSp>
-          <p:nvCxnSpPr>
-            <p:cNvPr id="27" name="Straight Connector 26">
-              <a:extLst>
-                <a:ext uri="{FF2B5EF4-FFF2-40B4-BE49-F238E27FC236}">
-                  <a16:creationId xmlns:a16="http://schemas.microsoft.com/office/drawing/2014/main" id="{D70C2F6D-3221-4C79-9C6C-C594BEB750D0}"/>
-                </a:ext>
-              </a:extLst>
-            </p:cNvPr>
-            <p:cNvCxnSpPr/>
-            <p:nvPr/>
-          </p:nvCxnSpPr>
-          <p:spPr>
-            <a:xfrm>
-              <a:off x="2987613" y="5394384"/>
-              <a:ext cx="0" cy="353683"/>
-            </a:xfrm>
-            <a:prstGeom prst="line">
-              <a:avLst/>
-            </a:prstGeom>
-          </p:spPr>
-          <p:style>
-            <a:lnRef idx="1">
-              <a:schemeClr val="accent1"/>
-            </a:lnRef>
-            <a:fillRef idx="0">
-              <a:schemeClr val="accent1"/>
-            </a:fillRef>
-            <a:effectRef idx="0">
-              <a:schemeClr val="accent1"/>
-            </a:effectRef>
-            <a:fontRef idx="minor">
-              <a:schemeClr val="tx1"/>
-            </a:fontRef>
-          </p:style>
-        </p:cxnSp>
-        <p:cxnSp>
-          <p:nvCxnSpPr>
-            <p:cNvPr id="28" name="Straight Connector 27">
-              <a:extLst>
-                <a:ext uri="{FF2B5EF4-FFF2-40B4-BE49-F238E27FC236}">
-                  <a16:creationId xmlns:a16="http://schemas.microsoft.com/office/drawing/2014/main" id="{4C07B776-1E83-43AA-984E-E38B1EE92863}"/>
-                </a:ext>
-              </a:extLst>
-            </p:cNvPr>
-            <p:cNvCxnSpPr>
-              <a:cxnSpLocks/>
-            </p:cNvCxnSpPr>
-            <p:nvPr/>
-          </p:nvCxnSpPr>
-          <p:spPr>
-            <a:xfrm flipH="1">
-              <a:off x="2987614" y="5748067"/>
-              <a:ext cx="474451" cy="0"/>
-            </a:xfrm>
-            <a:prstGeom prst="line">
-              <a:avLst/>
-            </a:prstGeom>
-          </p:spPr>
-          <p:style>
-            <a:lnRef idx="1">
-              <a:schemeClr val="accent1"/>
-            </a:lnRef>
-            <a:fillRef idx="0">
-              <a:schemeClr val="accent1"/>
-            </a:fillRef>
-            <a:effectRef idx="0">
-              <a:schemeClr val="accent1"/>
-            </a:effectRef>
-            <a:fontRef idx="minor">
-              <a:schemeClr val="tx1"/>
-            </a:fontRef>
-          </p:style>
-        </p:cxnSp>
-        <p:cxnSp>
-          <p:nvCxnSpPr>
-            <p:cNvPr id="29" name="Straight Connector 28">
-              <a:extLst>
-                <a:ext uri="{FF2B5EF4-FFF2-40B4-BE49-F238E27FC236}">
-                  <a16:creationId xmlns:a16="http://schemas.microsoft.com/office/drawing/2014/main" id="{24DD2CA2-00A7-4C20-B13F-B792D8186239}"/>
-                </a:ext>
-              </a:extLst>
-            </p:cNvPr>
-            <p:cNvCxnSpPr>
-              <a:cxnSpLocks/>
-            </p:cNvCxnSpPr>
-            <p:nvPr/>
-          </p:nvCxnSpPr>
-          <p:spPr>
-            <a:xfrm flipH="1">
-              <a:off x="3079633" y="5486399"/>
-              <a:ext cx="84824" cy="0"/>
-            </a:xfrm>
-            <a:prstGeom prst="line">
-              <a:avLst/>
-            </a:prstGeom>
-          </p:spPr>
-          <p:style>
-            <a:lnRef idx="1">
-              <a:schemeClr val="accent1"/>
-            </a:lnRef>
-            <a:fillRef idx="0">
-              <a:schemeClr val="accent1"/>
-            </a:fillRef>
-            <a:effectRef idx="0">
-              <a:schemeClr val="accent1"/>
-            </a:effectRef>
-            <a:fontRef idx="minor">
-              <a:schemeClr val="tx1"/>
-            </a:fontRef>
-          </p:style>
-        </p:cxnSp>
-        <p:cxnSp>
-          <p:nvCxnSpPr>
-            <p:cNvPr id="30" name="Straight Connector 29">
-              <a:extLst>
-                <a:ext uri="{FF2B5EF4-FFF2-40B4-BE49-F238E27FC236}">
-                  <a16:creationId xmlns:a16="http://schemas.microsoft.com/office/drawing/2014/main" id="{BA1DD7D9-0FB1-47A8-B39F-6A4E36A8092D}"/>
-                </a:ext>
-              </a:extLst>
-            </p:cNvPr>
-            <p:cNvCxnSpPr>
-              <a:cxnSpLocks/>
-            </p:cNvCxnSpPr>
-            <p:nvPr/>
-          </p:nvCxnSpPr>
-          <p:spPr>
-            <a:xfrm flipH="1">
-              <a:off x="3232033" y="5638799"/>
-              <a:ext cx="84824" cy="0"/>
-            </a:xfrm>
-            <a:prstGeom prst="line">
-              <a:avLst/>
-            </a:prstGeom>
-          </p:spPr>
-          <p:style>
-            <a:lnRef idx="1">
-              <a:schemeClr val="accent1"/>
-            </a:lnRef>
-            <a:fillRef idx="0">
-              <a:schemeClr val="accent1"/>
-            </a:fillRef>
-            <a:effectRef idx="0">
-              <a:schemeClr val="accent1"/>
-            </a:effectRef>
-            <a:fontRef idx="minor">
-              <a:schemeClr val="tx1"/>
-            </a:fontRef>
-          </p:style>
-        </p:cxnSp>
-        <p:cxnSp>
-          <p:nvCxnSpPr>
-            <p:cNvPr id="31" name="Straight Connector 30">
-              <a:extLst>
-                <a:ext uri="{FF2B5EF4-FFF2-40B4-BE49-F238E27FC236}">
-                  <a16:creationId xmlns:a16="http://schemas.microsoft.com/office/drawing/2014/main" id="{9EF4E1C1-0F75-44CF-8BEA-D4CB718BDC94}"/>
-                </a:ext>
-              </a:extLst>
-            </p:cNvPr>
-            <p:cNvCxnSpPr>
-              <a:cxnSpLocks/>
-            </p:cNvCxnSpPr>
-            <p:nvPr/>
-          </p:nvCxnSpPr>
-          <p:spPr>
-            <a:xfrm flipH="1">
-              <a:off x="2501673" y="5693431"/>
-              <a:ext cx="84824" cy="0"/>
-            </a:xfrm>
-            <a:prstGeom prst="line">
-              <a:avLst/>
-            </a:prstGeom>
-          </p:spPr>
-          <p:style>
-            <a:lnRef idx="1">
-              <a:schemeClr val="accent1"/>
-            </a:lnRef>
-            <a:fillRef idx="0">
-              <a:schemeClr val="accent1"/>
-            </a:fillRef>
-            <a:effectRef idx="0">
-              <a:schemeClr val="accent1"/>
-            </a:effectRef>
-            <a:fontRef idx="minor">
-              <a:schemeClr val="tx1"/>
-            </a:fontRef>
-          </p:style>
-        </p:cxnSp>
-      </p:grpSp>
-      <p:grpSp>
-        <p:nvGrpSpPr>
           <p:cNvPr id="41" name="Group 40">
             <a:extLst>
               <a:ext uri="{FF2B5EF4-FFF2-40B4-BE49-F238E27FC236}">
@@ -7958,7 +7435,7 @@
         </p:nvGrpSpPr>
         <p:grpSpPr>
           <a:xfrm>
-            <a:off x="6849376" y="2674482"/>
+            <a:off x="7689879" y="2665251"/>
             <a:ext cx="534830" cy="353684"/>
             <a:chOff x="9822611" y="2727150"/>
             <a:chExt cx="534830" cy="353684"/>
@@ -8129,7 +7606,7 @@
         </p:nvGrpSpPr>
         <p:grpSpPr>
           <a:xfrm>
-            <a:off x="6849377" y="3168646"/>
+            <a:off x="7689880" y="3214828"/>
             <a:ext cx="997787" cy="247287"/>
             <a:chOff x="9825487" y="2340213"/>
             <a:chExt cx="997787" cy="247287"/>
@@ -8300,7 +7777,7 @@
         </p:nvGrpSpPr>
         <p:grpSpPr>
           <a:xfrm>
-            <a:off x="6855139" y="3589833"/>
+            <a:off x="7695642" y="3599070"/>
             <a:ext cx="848256" cy="395559"/>
             <a:chOff x="7622886" y="4055657"/>
             <a:chExt cx="848256" cy="395559"/>
@@ -8399,12 +7876,497 @@
           </p:txBody>
         </p:sp>
       </p:grpSp>
+      <p:pic>
+        <p:nvPicPr>
+          <p:cNvPr id="63" name="Picture 62" descr="Background pattern&#10;&#10;Description automatically generated">
+            <a:extLst>
+              <a:ext uri="{FF2B5EF4-FFF2-40B4-BE49-F238E27FC236}">
+                <a16:creationId xmlns:a16="http://schemas.microsoft.com/office/drawing/2014/main" id="{B5E8ACC7-A6DE-446B-A2B0-F817F69E4E60}"/>
+              </a:ext>
+            </a:extLst>
+          </p:cNvPr>
+          <p:cNvPicPr>
+            <a:picLocks noChangeAspect="1"/>
+          </p:cNvPicPr>
+          <p:nvPr/>
+        </p:nvPicPr>
+        <p:blipFill>
+          <a:blip r:embed="rId2">
+            <a:extLst>
+              <a:ext uri="{28A0092B-C50C-407E-A947-70E740481C1C}">
+                <a14:useLocalDpi xmlns:a14="http://schemas.microsoft.com/office/drawing/2010/main" val="0"/>
+              </a:ext>
+            </a:extLst>
+          </a:blip>
+          <a:stretch>
+            <a:fillRect/>
+          </a:stretch>
+        </p:blipFill>
+        <p:spPr>
+          <a:xfrm>
+            <a:off x="7748920" y="4612308"/>
+            <a:ext cx="569640" cy="390610"/>
+          </a:xfrm>
+          <a:prstGeom prst="rect">
+            <a:avLst/>
+          </a:prstGeom>
+        </p:spPr>
+      </p:pic>
+      <p:sp>
+        <p:nvSpPr>
+          <p:cNvPr id="68" name="Callout: Line 67">
+            <a:extLst>
+              <a:ext uri="{FF2B5EF4-FFF2-40B4-BE49-F238E27FC236}">
+                <a16:creationId xmlns:a16="http://schemas.microsoft.com/office/drawing/2014/main" id="{EE824ABA-3E75-421A-8676-6F1C912E04C8}"/>
+              </a:ext>
+            </a:extLst>
+          </p:cNvPr>
+          <p:cNvSpPr/>
+          <p:nvPr/>
+        </p:nvSpPr>
+        <p:spPr>
+          <a:xfrm>
+            <a:off x="9367540" y="3028166"/>
+            <a:ext cx="1138686" cy="424863"/>
+          </a:xfrm>
+          <a:prstGeom prst="borderCallout1">
+            <a:avLst>
+              <a:gd name="adj1" fmla="val 18750"/>
+              <a:gd name="adj2" fmla="val -8333"/>
+              <a:gd name="adj3" fmla="val 56116"/>
+              <a:gd name="adj4" fmla="val -29242"/>
+            </a:avLst>
+          </a:prstGeom>
+        </p:spPr>
+        <p:style>
+          <a:lnRef idx="2">
+            <a:schemeClr val="accent1">
+              <a:shade val="50000"/>
+            </a:schemeClr>
+          </a:lnRef>
+          <a:fillRef idx="1">
+            <a:schemeClr val="accent1"/>
+          </a:fillRef>
+          <a:effectRef idx="0">
+            <a:schemeClr val="accent1"/>
+          </a:effectRef>
+          <a:fontRef idx="minor">
+            <a:schemeClr val="lt1"/>
+          </a:fontRef>
+        </p:style>
+        <p:txBody>
+          <a:bodyPr rtlCol="0" anchor="ctr"/>
+          <a:lstStyle/>
+          <a:p>
+            <a:pPr algn="ctr"/>
+            <a:r>
+              <a:rPr lang="en-IN" sz="1200" dirty="0"/>
+              <a:t>Elements of a pie chart</a:t>
+            </a:r>
+          </a:p>
+        </p:txBody>
+      </p:sp>
+      <p:sp>
+        <p:nvSpPr>
+          <p:cNvPr id="2" name="Right Brace 1">
+            <a:extLst>
+              <a:ext uri="{FF2B5EF4-FFF2-40B4-BE49-F238E27FC236}">
+                <a16:creationId xmlns:a16="http://schemas.microsoft.com/office/drawing/2014/main" id="{18379308-CF18-40D8-AA8C-9D55A9D73527}"/>
+              </a:ext>
+            </a:extLst>
+          </p:cNvPr>
+          <p:cNvSpPr/>
+          <p:nvPr/>
+        </p:nvSpPr>
+        <p:spPr>
+          <a:xfrm>
+            <a:off x="10765766" y="1593633"/>
+            <a:ext cx="180000" cy="1949192"/>
+          </a:xfrm>
+          <a:prstGeom prst="rightBrace">
+            <a:avLst/>
+          </a:prstGeom>
+          <a:ln w="15875">
+            <a:solidFill>
+              <a:schemeClr val="accent2">
+                <a:lumMod val="50000"/>
+              </a:schemeClr>
+            </a:solidFill>
+          </a:ln>
+        </p:spPr>
+        <p:style>
+          <a:lnRef idx="1">
+            <a:schemeClr val="accent1"/>
+          </a:lnRef>
+          <a:fillRef idx="0">
+            <a:schemeClr val="accent1"/>
+          </a:fillRef>
+          <a:effectRef idx="0">
+            <a:schemeClr val="accent1"/>
+          </a:effectRef>
+          <a:fontRef idx="minor">
+            <a:schemeClr val="tx1"/>
+          </a:fontRef>
+        </p:style>
+        <p:txBody>
+          <a:bodyPr rtlCol="0" anchor="ctr"/>
+          <a:lstStyle/>
+          <a:p>
+            <a:pPr algn="ctr"/>
+            <a:endParaRPr lang="en-IN" dirty="0"/>
+          </a:p>
+        </p:txBody>
+      </p:sp>
+      <p:sp>
+        <p:nvSpPr>
+          <p:cNvPr id="40" name="Right Brace 39">
+            <a:extLst>
+              <a:ext uri="{FF2B5EF4-FFF2-40B4-BE49-F238E27FC236}">
+                <a16:creationId xmlns:a16="http://schemas.microsoft.com/office/drawing/2014/main" id="{9767BD20-84C8-46CC-BC7F-A09E4A9AF950}"/>
+              </a:ext>
+            </a:extLst>
+          </p:cNvPr>
+          <p:cNvSpPr/>
+          <p:nvPr/>
+        </p:nvSpPr>
+        <p:spPr>
+          <a:xfrm>
+            <a:off x="10765766" y="3584183"/>
+            <a:ext cx="180000" cy="507526"/>
+          </a:xfrm>
+          <a:prstGeom prst="rightBrace">
+            <a:avLst/>
+          </a:prstGeom>
+          <a:ln w="15875">
+            <a:solidFill>
+              <a:schemeClr val="accent2">
+                <a:lumMod val="50000"/>
+              </a:schemeClr>
+            </a:solidFill>
+          </a:ln>
+        </p:spPr>
+        <p:style>
+          <a:lnRef idx="1">
+            <a:schemeClr val="accent1"/>
+          </a:lnRef>
+          <a:fillRef idx="0">
+            <a:schemeClr val="accent1"/>
+          </a:fillRef>
+          <a:effectRef idx="0">
+            <a:schemeClr val="accent1"/>
+          </a:effectRef>
+          <a:fontRef idx="minor">
+            <a:schemeClr val="tx1"/>
+          </a:fontRef>
+        </p:style>
+        <p:txBody>
+          <a:bodyPr rtlCol="0" anchor="ctr"/>
+          <a:lstStyle/>
+          <a:p>
+            <a:pPr algn="ctr"/>
+            <a:endParaRPr lang="en-IN" dirty="0"/>
+          </a:p>
+        </p:txBody>
+      </p:sp>
+      <p:sp>
+        <p:nvSpPr>
+          <p:cNvPr id="42" name="Right Brace 41">
+            <a:extLst>
+              <a:ext uri="{FF2B5EF4-FFF2-40B4-BE49-F238E27FC236}">
+                <a16:creationId xmlns:a16="http://schemas.microsoft.com/office/drawing/2014/main" id="{457AD85A-1E97-4AF7-B691-BE6729A0C46F}"/>
+              </a:ext>
+            </a:extLst>
+          </p:cNvPr>
+          <p:cNvSpPr/>
+          <p:nvPr/>
+        </p:nvSpPr>
+        <p:spPr>
+          <a:xfrm>
+            <a:off x="10765766" y="4104785"/>
+            <a:ext cx="180000" cy="507526"/>
+          </a:xfrm>
+          <a:prstGeom prst="rightBrace">
+            <a:avLst/>
+          </a:prstGeom>
+          <a:ln w="15875">
+            <a:solidFill>
+              <a:schemeClr val="accent2">
+                <a:lumMod val="50000"/>
+              </a:schemeClr>
+            </a:solidFill>
+          </a:ln>
+        </p:spPr>
+        <p:style>
+          <a:lnRef idx="1">
+            <a:schemeClr val="accent1"/>
+          </a:lnRef>
+          <a:fillRef idx="0">
+            <a:schemeClr val="accent1"/>
+          </a:fillRef>
+          <a:effectRef idx="0">
+            <a:schemeClr val="accent1"/>
+          </a:effectRef>
+          <a:fontRef idx="minor">
+            <a:schemeClr val="tx1"/>
+          </a:fontRef>
+        </p:style>
+        <p:txBody>
+          <a:bodyPr rtlCol="0" anchor="ctr"/>
+          <a:lstStyle/>
+          <a:p>
+            <a:pPr algn="ctr"/>
+            <a:endParaRPr lang="en-IN" dirty="0"/>
+          </a:p>
+        </p:txBody>
+      </p:sp>
+      <p:sp>
+        <p:nvSpPr>
+          <p:cNvPr id="3" name="Flowchart: Alternate Process 2">
+            <a:extLst>
+              <a:ext uri="{FF2B5EF4-FFF2-40B4-BE49-F238E27FC236}">
+                <a16:creationId xmlns:a16="http://schemas.microsoft.com/office/drawing/2014/main" id="{3F3BBA50-0079-48D6-A4D4-14540DD52C33}"/>
+              </a:ext>
+            </a:extLst>
+          </p:cNvPr>
+          <p:cNvSpPr/>
+          <p:nvPr/>
+        </p:nvSpPr>
+        <p:spPr>
+          <a:xfrm>
+            <a:off x="11020055" y="2345659"/>
+            <a:ext cx="646545" cy="308268"/>
+          </a:xfrm>
+          <a:prstGeom prst="flowChartAlternateProcess">
+            <a:avLst/>
+          </a:prstGeom>
+        </p:spPr>
+        <p:style>
+          <a:lnRef idx="2">
+            <a:schemeClr val="accent1">
+              <a:shade val="50000"/>
+            </a:schemeClr>
+          </a:lnRef>
+          <a:fillRef idx="1">
+            <a:schemeClr val="accent1"/>
+          </a:fillRef>
+          <a:effectRef idx="0">
+            <a:schemeClr val="accent1"/>
+          </a:effectRef>
+          <a:fontRef idx="minor">
+            <a:schemeClr val="lt1"/>
+          </a:fontRef>
+        </p:style>
+        <p:txBody>
+          <a:bodyPr rtlCol="0" anchor="ctr"/>
+          <a:lstStyle/>
+          <a:p>
+            <a:pPr algn="ctr"/>
+            <a:r>
+              <a:rPr lang="en-IN" dirty="0"/>
+              <a:t>1 D</a:t>
+            </a:r>
+          </a:p>
+        </p:txBody>
+      </p:sp>
+      <p:sp>
+        <p:nvSpPr>
+          <p:cNvPr id="45" name="Flowchart: Alternate Process 44">
+            <a:extLst>
+              <a:ext uri="{FF2B5EF4-FFF2-40B4-BE49-F238E27FC236}">
+                <a16:creationId xmlns:a16="http://schemas.microsoft.com/office/drawing/2014/main" id="{6BD68034-EBD4-44C8-8389-1D1FEA7EDEA0}"/>
+              </a:ext>
+            </a:extLst>
+          </p:cNvPr>
+          <p:cNvSpPr/>
+          <p:nvPr/>
+        </p:nvSpPr>
+        <p:spPr>
+          <a:xfrm>
+            <a:off x="11020055" y="3654425"/>
+            <a:ext cx="646545" cy="308268"/>
+          </a:xfrm>
+          <a:prstGeom prst="flowChartAlternateProcess">
+            <a:avLst/>
+          </a:prstGeom>
+        </p:spPr>
+        <p:style>
+          <a:lnRef idx="2">
+            <a:schemeClr val="accent1">
+              <a:shade val="50000"/>
+            </a:schemeClr>
+          </a:lnRef>
+          <a:fillRef idx="1">
+            <a:schemeClr val="accent1"/>
+          </a:fillRef>
+          <a:effectRef idx="0">
+            <a:schemeClr val="accent1"/>
+          </a:effectRef>
+          <a:fontRef idx="minor">
+            <a:schemeClr val="lt1"/>
+          </a:fontRef>
+        </p:style>
+        <p:txBody>
+          <a:bodyPr rtlCol="0" anchor="ctr"/>
+          <a:lstStyle/>
+          <a:p>
+            <a:pPr algn="ctr"/>
+            <a:r>
+              <a:rPr lang="en-IN" dirty="0"/>
+              <a:t>2 D</a:t>
+            </a:r>
+          </a:p>
+        </p:txBody>
+      </p:sp>
+      <p:sp>
+        <p:nvSpPr>
+          <p:cNvPr id="46" name="Flowchart: Alternate Process 45">
+            <a:extLst>
+              <a:ext uri="{FF2B5EF4-FFF2-40B4-BE49-F238E27FC236}">
+                <a16:creationId xmlns:a16="http://schemas.microsoft.com/office/drawing/2014/main" id="{72FCF3FE-B390-43D0-ADF6-E5AA9FE76A56}"/>
+              </a:ext>
+            </a:extLst>
+          </p:cNvPr>
+          <p:cNvSpPr/>
+          <p:nvPr/>
+        </p:nvSpPr>
+        <p:spPr>
+          <a:xfrm>
+            <a:off x="11030762" y="4204074"/>
+            <a:ext cx="646545" cy="308268"/>
+          </a:xfrm>
+          <a:prstGeom prst="flowChartAlternateProcess">
+            <a:avLst/>
+          </a:prstGeom>
+        </p:spPr>
+        <p:style>
+          <a:lnRef idx="2">
+            <a:schemeClr val="accent1">
+              <a:shade val="50000"/>
+            </a:schemeClr>
+          </a:lnRef>
+          <a:fillRef idx="1">
+            <a:schemeClr val="accent1"/>
+          </a:fillRef>
+          <a:effectRef idx="0">
+            <a:schemeClr val="accent1"/>
+          </a:effectRef>
+          <a:fontRef idx="minor">
+            <a:schemeClr val="lt1"/>
+          </a:fontRef>
+        </p:style>
+        <p:txBody>
+          <a:bodyPr rtlCol="0" anchor="ctr"/>
+          <a:lstStyle/>
+          <a:p>
+            <a:pPr algn="ctr"/>
+            <a:r>
+              <a:rPr lang="en-IN" dirty="0"/>
+              <a:t>3 D</a:t>
+            </a:r>
+          </a:p>
+        </p:txBody>
+      </p:sp>
+      <p:sp>
+        <p:nvSpPr>
+          <p:cNvPr id="49" name="Flowchart: Alternate Process 48">
+            <a:extLst>
+              <a:ext uri="{FF2B5EF4-FFF2-40B4-BE49-F238E27FC236}">
+                <a16:creationId xmlns:a16="http://schemas.microsoft.com/office/drawing/2014/main" id="{FA90A6E2-E21E-4FDD-AFBF-3B16BC39EFCC}"/>
+              </a:ext>
+            </a:extLst>
+          </p:cNvPr>
+          <p:cNvSpPr/>
+          <p:nvPr/>
+        </p:nvSpPr>
+        <p:spPr>
+          <a:xfrm>
+            <a:off x="81888" y="2842093"/>
+            <a:ext cx="1164346" cy="700732"/>
+          </a:xfrm>
+          <a:prstGeom prst="flowChartAlternateProcess">
+            <a:avLst/>
+          </a:prstGeom>
+        </p:spPr>
+        <p:style>
+          <a:lnRef idx="2">
+            <a:schemeClr val="accent1">
+              <a:shade val="50000"/>
+            </a:schemeClr>
+          </a:lnRef>
+          <a:fillRef idx="1">
+            <a:schemeClr val="accent1"/>
+          </a:fillRef>
+          <a:effectRef idx="0">
+            <a:schemeClr val="accent1"/>
+          </a:effectRef>
+          <a:fontRef idx="minor">
+            <a:schemeClr val="lt1"/>
+          </a:fontRef>
+        </p:style>
+        <p:txBody>
+          <a:bodyPr rtlCol="0" anchor="ctr"/>
+          <a:lstStyle/>
+          <a:p>
+            <a:pPr algn="ctr"/>
+            <a:r>
+              <a:rPr lang="en-IN" sz="1400" dirty="0"/>
+              <a:t>Decreasing Accuracy of Perception</a:t>
+            </a:r>
+          </a:p>
+        </p:txBody>
+      </p:sp>
+      <p:sp>
+        <p:nvSpPr>
+          <p:cNvPr id="4" name="Arrow: Down 3">
+            <a:extLst>
+              <a:ext uri="{FF2B5EF4-FFF2-40B4-BE49-F238E27FC236}">
+                <a16:creationId xmlns:a16="http://schemas.microsoft.com/office/drawing/2014/main" id="{59DC0365-DD32-4B44-87C0-E8774AC96350}"/>
+              </a:ext>
+            </a:extLst>
+          </p:cNvPr>
+          <p:cNvSpPr/>
+          <p:nvPr/>
+        </p:nvSpPr>
+        <p:spPr>
+          <a:xfrm>
+            <a:off x="1394691" y="1732656"/>
+            <a:ext cx="307935" cy="3046495"/>
+          </a:xfrm>
+          <a:prstGeom prst="downArrow">
+            <a:avLst/>
+          </a:prstGeom>
+        </p:spPr>
+        <p:style>
+          <a:lnRef idx="2">
+            <a:schemeClr val="accent1">
+              <a:shade val="50000"/>
+            </a:schemeClr>
+          </a:lnRef>
+          <a:fillRef idx="1">
+            <a:schemeClr val="accent1"/>
+          </a:fillRef>
+          <a:effectRef idx="0">
+            <a:schemeClr val="accent1"/>
+          </a:effectRef>
+          <a:fontRef idx="minor">
+            <a:schemeClr val="lt1"/>
+          </a:fontRef>
+        </p:style>
+        <p:txBody>
+          <a:bodyPr rtlCol="0" anchor="ctr"/>
+          <a:lstStyle/>
+          <a:p>
+            <a:pPr algn="ctr"/>
+            <a:endParaRPr lang="en-IN"/>
+          </a:p>
+        </p:txBody>
+      </p:sp>
       <p:grpSp>
         <p:nvGrpSpPr>
-          <p:cNvPr id="65" name="Group 64">
+          <p:cNvPr id="8" name="Group 7">
             <a:extLst>
               <a:ext uri="{FF2B5EF4-FFF2-40B4-BE49-F238E27FC236}">
-                <a16:creationId xmlns:a16="http://schemas.microsoft.com/office/drawing/2014/main" id="{64BE101F-78FA-4487-8A13-0680FE750BC1}"/>
+                <a16:creationId xmlns:a16="http://schemas.microsoft.com/office/drawing/2014/main" id="{C2916077-BF3E-4BD9-89BC-FC2FED07F9F9}"/>
               </a:ext>
             </a:extLst>
           </p:cNvPr>
@@ -8413,69 +8375,1046 @@
         </p:nvGrpSpPr>
         <p:grpSpPr>
           <a:xfrm>
-            <a:off x="6863763" y="3826453"/>
-            <a:ext cx="928767" cy="989292"/>
-            <a:chOff x="7622887" y="4378541"/>
-            <a:chExt cx="928767" cy="989292"/>
+            <a:off x="7663998" y="1640641"/>
+            <a:ext cx="534830" cy="353684"/>
+            <a:chOff x="7663998" y="1640641"/>
+            <a:chExt cx="534830" cy="353684"/>
+          </a:xfrm>
+        </p:grpSpPr>
+        <p:cxnSp>
+          <p:nvCxnSpPr>
+            <p:cNvPr id="10" name="Straight Connector 9">
+              <a:extLst>
+                <a:ext uri="{FF2B5EF4-FFF2-40B4-BE49-F238E27FC236}">
+                  <a16:creationId xmlns:a16="http://schemas.microsoft.com/office/drawing/2014/main" id="{50F9D7AB-0755-422F-819C-2AA6554E9BBC}"/>
+                </a:ext>
+              </a:extLst>
+            </p:cNvPr>
+            <p:cNvCxnSpPr/>
+            <p:nvPr/>
+          </p:nvCxnSpPr>
+          <p:spPr>
+            <a:xfrm>
+              <a:off x="7663998" y="1640641"/>
+              <a:ext cx="0" cy="353684"/>
+            </a:xfrm>
+            <a:prstGeom prst="line">
+              <a:avLst/>
+            </a:prstGeom>
+          </p:spPr>
+          <p:style>
+            <a:lnRef idx="1">
+              <a:schemeClr val="accent1"/>
+            </a:lnRef>
+            <a:fillRef idx="0">
+              <a:schemeClr val="accent1"/>
+            </a:fillRef>
+            <a:effectRef idx="0">
+              <a:schemeClr val="accent1"/>
+            </a:effectRef>
+            <a:fontRef idx="minor">
+              <a:schemeClr val="tx1"/>
+            </a:fontRef>
+          </p:style>
+        </p:cxnSp>
+        <p:cxnSp>
+          <p:nvCxnSpPr>
+            <p:cNvPr id="11" name="Straight Connector 10">
+              <a:extLst>
+                <a:ext uri="{FF2B5EF4-FFF2-40B4-BE49-F238E27FC236}">
+                  <a16:creationId xmlns:a16="http://schemas.microsoft.com/office/drawing/2014/main" id="{833F664A-BE86-469C-87C9-58FCB23660B1}"/>
+                </a:ext>
+              </a:extLst>
+            </p:cNvPr>
+            <p:cNvCxnSpPr>
+              <a:cxnSpLocks/>
+            </p:cNvCxnSpPr>
+            <p:nvPr/>
+          </p:nvCxnSpPr>
+          <p:spPr>
+            <a:xfrm flipH="1">
+              <a:off x="7663999" y="1994325"/>
+              <a:ext cx="534829" cy="0"/>
+            </a:xfrm>
+            <a:prstGeom prst="line">
+              <a:avLst/>
+            </a:prstGeom>
+          </p:spPr>
+          <p:style>
+            <a:lnRef idx="1">
+              <a:schemeClr val="accent1"/>
+            </a:lnRef>
+            <a:fillRef idx="0">
+              <a:schemeClr val="accent1"/>
+            </a:fillRef>
+            <a:effectRef idx="0">
+              <a:schemeClr val="accent1"/>
+            </a:effectRef>
+            <a:fontRef idx="minor">
+              <a:schemeClr val="tx1"/>
+            </a:fontRef>
+          </p:style>
+        </p:cxnSp>
+        <p:sp>
+          <p:nvSpPr>
+            <p:cNvPr id="7" name="Oval 6">
+              <a:extLst>
+                <a:ext uri="{FF2B5EF4-FFF2-40B4-BE49-F238E27FC236}">
+                  <a16:creationId xmlns:a16="http://schemas.microsoft.com/office/drawing/2014/main" id="{89C66488-1CAB-491F-82CF-EEBF7553B552}"/>
+                </a:ext>
+              </a:extLst>
+            </p:cNvPr>
+            <p:cNvSpPr/>
+            <p:nvPr/>
+          </p:nvSpPr>
+          <p:spPr>
+            <a:xfrm>
+              <a:off x="7703201" y="1732656"/>
+              <a:ext cx="45719" cy="45719"/>
+            </a:xfrm>
+            <a:prstGeom prst="ellipse">
+              <a:avLst/>
+            </a:prstGeom>
+          </p:spPr>
+          <p:style>
+            <a:lnRef idx="2">
+              <a:schemeClr val="accent1">
+                <a:shade val="50000"/>
+              </a:schemeClr>
+            </a:lnRef>
+            <a:fillRef idx="1">
+              <a:schemeClr val="accent1"/>
+            </a:fillRef>
+            <a:effectRef idx="0">
+              <a:schemeClr val="accent1"/>
+            </a:effectRef>
+            <a:fontRef idx="minor">
+              <a:schemeClr val="lt1"/>
+            </a:fontRef>
+          </p:style>
+          <p:txBody>
+            <a:bodyPr rtlCol="0" anchor="ctr"/>
+            <a:lstStyle/>
+            <a:p>
+              <a:pPr algn="ctr"/>
+              <a:endParaRPr lang="en-IN"/>
+            </a:p>
+          </p:txBody>
+        </p:sp>
+        <p:sp>
+          <p:nvSpPr>
+            <p:cNvPr id="60" name="Oval 59">
+              <a:extLst>
+                <a:ext uri="{FF2B5EF4-FFF2-40B4-BE49-F238E27FC236}">
+                  <a16:creationId xmlns:a16="http://schemas.microsoft.com/office/drawing/2014/main" id="{8103FA81-A248-47A7-A6C6-812C5E62C0ED}"/>
+                </a:ext>
+              </a:extLst>
+            </p:cNvPr>
+            <p:cNvSpPr/>
+            <p:nvPr/>
+          </p:nvSpPr>
+          <p:spPr>
+            <a:xfrm flipH="1" flipV="1">
+              <a:off x="7809882" y="1836315"/>
+              <a:ext cx="45719" cy="48742"/>
+            </a:xfrm>
+            <a:prstGeom prst="ellipse">
+              <a:avLst/>
+            </a:prstGeom>
+          </p:spPr>
+          <p:style>
+            <a:lnRef idx="2">
+              <a:schemeClr val="accent1">
+                <a:shade val="50000"/>
+              </a:schemeClr>
+            </a:lnRef>
+            <a:fillRef idx="1">
+              <a:schemeClr val="accent1"/>
+            </a:fillRef>
+            <a:effectRef idx="0">
+              <a:schemeClr val="accent1"/>
+            </a:effectRef>
+            <a:fontRef idx="minor">
+              <a:schemeClr val="lt1"/>
+            </a:fontRef>
+          </p:style>
+          <p:txBody>
+            <a:bodyPr rtlCol="0" anchor="ctr"/>
+            <a:lstStyle/>
+            <a:p>
+              <a:pPr algn="ctr"/>
+              <a:endParaRPr lang="en-IN"/>
+            </a:p>
+          </p:txBody>
+        </p:sp>
+        <p:sp>
+          <p:nvSpPr>
+            <p:cNvPr id="61" name="Oval 60">
+              <a:extLst>
+                <a:ext uri="{FF2B5EF4-FFF2-40B4-BE49-F238E27FC236}">
+                  <a16:creationId xmlns:a16="http://schemas.microsoft.com/office/drawing/2014/main" id="{80C2587E-EC86-4684-A1C2-0107EFD13BD3}"/>
+                </a:ext>
+              </a:extLst>
+            </p:cNvPr>
+            <p:cNvSpPr/>
+            <p:nvPr/>
+          </p:nvSpPr>
+          <p:spPr>
+            <a:xfrm>
+              <a:off x="8008001" y="1806549"/>
+              <a:ext cx="45719" cy="45719"/>
+            </a:xfrm>
+            <a:prstGeom prst="ellipse">
+              <a:avLst/>
+            </a:prstGeom>
+          </p:spPr>
+          <p:style>
+            <a:lnRef idx="2">
+              <a:schemeClr val="accent1">
+                <a:shade val="50000"/>
+              </a:schemeClr>
+            </a:lnRef>
+            <a:fillRef idx="1">
+              <a:schemeClr val="accent1"/>
+            </a:fillRef>
+            <a:effectRef idx="0">
+              <a:schemeClr val="accent1"/>
+            </a:effectRef>
+            <a:fontRef idx="minor">
+              <a:schemeClr val="lt1"/>
+            </a:fontRef>
+          </p:style>
+          <p:txBody>
+            <a:bodyPr rtlCol="0" anchor="ctr"/>
+            <a:lstStyle/>
+            <a:p>
+              <a:pPr algn="ctr"/>
+              <a:endParaRPr lang="en-IN"/>
+            </a:p>
+          </p:txBody>
+        </p:sp>
+        <p:sp>
+          <p:nvSpPr>
+            <p:cNvPr id="62" name="Oval 61">
+              <a:extLst>
+                <a:ext uri="{FF2B5EF4-FFF2-40B4-BE49-F238E27FC236}">
+                  <a16:creationId xmlns:a16="http://schemas.microsoft.com/office/drawing/2014/main" id="{95CEB630-F71F-44F3-800C-AF7E365BB9C7}"/>
+                </a:ext>
+              </a:extLst>
+            </p:cNvPr>
+            <p:cNvSpPr/>
+            <p:nvPr/>
+          </p:nvSpPr>
+          <p:spPr>
+            <a:xfrm>
+              <a:off x="7938730" y="1903528"/>
+              <a:ext cx="45719" cy="45719"/>
+            </a:xfrm>
+            <a:prstGeom prst="ellipse">
+              <a:avLst/>
+            </a:prstGeom>
+          </p:spPr>
+          <p:style>
+            <a:lnRef idx="2">
+              <a:schemeClr val="accent1">
+                <a:shade val="50000"/>
+              </a:schemeClr>
+            </a:lnRef>
+            <a:fillRef idx="1">
+              <a:schemeClr val="accent1"/>
+            </a:fillRef>
+            <a:effectRef idx="0">
+              <a:schemeClr val="accent1"/>
+            </a:effectRef>
+            <a:fontRef idx="minor">
+              <a:schemeClr val="lt1"/>
+            </a:fontRef>
+          </p:style>
+          <p:txBody>
+            <a:bodyPr rtlCol="0" anchor="ctr"/>
+            <a:lstStyle/>
+            <a:p>
+              <a:pPr algn="ctr"/>
+              <a:endParaRPr lang="en-IN"/>
+            </a:p>
+          </p:txBody>
+        </p:sp>
+        <p:sp>
+          <p:nvSpPr>
+            <p:cNvPr id="69" name="Oval 68">
+              <a:extLst>
+                <a:ext uri="{FF2B5EF4-FFF2-40B4-BE49-F238E27FC236}">
+                  <a16:creationId xmlns:a16="http://schemas.microsoft.com/office/drawing/2014/main" id="{8340950D-467E-494D-B3BD-2C8B69DA8EA4}"/>
+                </a:ext>
+              </a:extLst>
+            </p:cNvPr>
+            <p:cNvSpPr/>
+            <p:nvPr/>
+          </p:nvSpPr>
+          <p:spPr>
+            <a:xfrm>
+              <a:off x="8100366" y="1732656"/>
+              <a:ext cx="45719" cy="45719"/>
+            </a:xfrm>
+            <a:prstGeom prst="ellipse">
+              <a:avLst/>
+            </a:prstGeom>
+          </p:spPr>
+          <p:style>
+            <a:lnRef idx="2">
+              <a:schemeClr val="accent1">
+                <a:shade val="50000"/>
+              </a:schemeClr>
+            </a:lnRef>
+            <a:fillRef idx="1">
+              <a:schemeClr val="accent1"/>
+            </a:fillRef>
+            <a:effectRef idx="0">
+              <a:schemeClr val="accent1"/>
+            </a:effectRef>
+            <a:fontRef idx="minor">
+              <a:schemeClr val="lt1"/>
+            </a:fontRef>
+          </p:style>
+          <p:txBody>
+            <a:bodyPr rtlCol="0" anchor="ctr"/>
+            <a:lstStyle/>
+            <a:p>
+              <a:pPr algn="ctr"/>
+              <a:endParaRPr lang="en-IN"/>
+            </a:p>
+          </p:txBody>
+        </p:sp>
+      </p:grpSp>
+      <p:grpSp>
+        <p:nvGrpSpPr>
+          <p:cNvPr id="70" name="Group 69">
+            <a:extLst>
+              <a:ext uri="{FF2B5EF4-FFF2-40B4-BE49-F238E27FC236}">
+                <a16:creationId xmlns:a16="http://schemas.microsoft.com/office/drawing/2014/main" id="{FEE92250-A13A-4EA2-9198-5164F5A9E19D}"/>
+              </a:ext>
+            </a:extLst>
+          </p:cNvPr>
+          <p:cNvGrpSpPr/>
+          <p:nvPr/>
+        </p:nvGrpSpPr>
+        <p:grpSpPr>
+          <a:xfrm>
+            <a:off x="7687092" y="2180966"/>
+            <a:ext cx="534830" cy="353684"/>
+            <a:chOff x="7663998" y="1640641"/>
+            <a:chExt cx="534830" cy="353684"/>
+          </a:xfrm>
+        </p:grpSpPr>
+        <p:cxnSp>
+          <p:nvCxnSpPr>
+            <p:cNvPr id="71" name="Straight Connector 70">
+              <a:extLst>
+                <a:ext uri="{FF2B5EF4-FFF2-40B4-BE49-F238E27FC236}">
+                  <a16:creationId xmlns:a16="http://schemas.microsoft.com/office/drawing/2014/main" id="{DD9DED11-6CD8-4E51-BF1F-407B60B94A34}"/>
+                </a:ext>
+              </a:extLst>
+            </p:cNvPr>
+            <p:cNvCxnSpPr/>
+            <p:nvPr/>
+          </p:nvCxnSpPr>
+          <p:spPr>
+            <a:xfrm>
+              <a:off x="7663998" y="1640641"/>
+              <a:ext cx="0" cy="353684"/>
+            </a:xfrm>
+            <a:prstGeom prst="line">
+              <a:avLst/>
+            </a:prstGeom>
+          </p:spPr>
+          <p:style>
+            <a:lnRef idx="1">
+              <a:schemeClr val="accent1"/>
+            </a:lnRef>
+            <a:fillRef idx="0">
+              <a:schemeClr val="accent1"/>
+            </a:fillRef>
+            <a:effectRef idx="0">
+              <a:schemeClr val="accent1"/>
+            </a:effectRef>
+            <a:fontRef idx="minor">
+              <a:schemeClr val="tx1"/>
+            </a:fontRef>
+          </p:style>
+        </p:cxnSp>
+        <p:cxnSp>
+          <p:nvCxnSpPr>
+            <p:cNvPr id="72" name="Straight Connector 71">
+              <a:extLst>
+                <a:ext uri="{FF2B5EF4-FFF2-40B4-BE49-F238E27FC236}">
+                  <a16:creationId xmlns:a16="http://schemas.microsoft.com/office/drawing/2014/main" id="{5D29AE13-97A1-41F3-B590-F58BD548DDF5}"/>
+                </a:ext>
+              </a:extLst>
+            </p:cNvPr>
+            <p:cNvCxnSpPr>
+              <a:cxnSpLocks/>
+            </p:cNvCxnSpPr>
+            <p:nvPr/>
+          </p:nvCxnSpPr>
+          <p:spPr>
+            <a:xfrm flipH="1">
+              <a:off x="7663999" y="1994325"/>
+              <a:ext cx="534829" cy="0"/>
+            </a:xfrm>
+            <a:prstGeom prst="line">
+              <a:avLst/>
+            </a:prstGeom>
+          </p:spPr>
+          <p:style>
+            <a:lnRef idx="1">
+              <a:schemeClr val="accent1"/>
+            </a:lnRef>
+            <a:fillRef idx="0">
+              <a:schemeClr val="accent1"/>
+            </a:fillRef>
+            <a:effectRef idx="0">
+              <a:schemeClr val="accent1"/>
+            </a:effectRef>
+            <a:fontRef idx="minor">
+              <a:schemeClr val="tx1"/>
+            </a:fontRef>
+          </p:style>
+        </p:cxnSp>
+        <p:sp>
+          <p:nvSpPr>
+            <p:cNvPr id="73" name="Oval 72">
+              <a:extLst>
+                <a:ext uri="{FF2B5EF4-FFF2-40B4-BE49-F238E27FC236}">
+                  <a16:creationId xmlns:a16="http://schemas.microsoft.com/office/drawing/2014/main" id="{705FB245-B7DC-4796-9DC5-981A304DBECE}"/>
+                </a:ext>
+              </a:extLst>
+            </p:cNvPr>
+            <p:cNvSpPr/>
+            <p:nvPr/>
+          </p:nvSpPr>
+          <p:spPr>
+            <a:xfrm>
+              <a:off x="7703201" y="1732656"/>
+              <a:ext cx="45719" cy="45719"/>
+            </a:xfrm>
+            <a:prstGeom prst="ellipse">
+              <a:avLst/>
+            </a:prstGeom>
+          </p:spPr>
+          <p:style>
+            <a:lnRef idx="2">
+              <a:schemeClr val="accent1">
+                <a:shade val="50000"/>
+              </a:schemeClr>
+            </a:lnRef>
+            <a:fillRef idx="1">
+              <a:schemeClr val="accent1"/>
+            </a:fillRef>
+            <a:effectRef idx="0">
+              <a:schemeClr val="accent1"/>
+            </a:effectRef>
+            <a:fontRef idx="minor">
+              <a:schemeClr val="lt1"/>
+            </a:fontRef>
+          </p:style>
+          <p:txBody>
+            <a:bodyPr rtlCol="0" anchor="ctr"/>
+            <a:lstStyle/>
+            <a:p>
+              <a:pPr algn="ctr"/>
+              <a:endParaRPr lang="en-IN"/>
+            </a:p>
+          </p:txBody>
+        </p:sp>
+        <p:sp>
+          <p:nvSpPr>
+            <p:cNvPr id="74" name="Oval 73">
+              <a:extLst>
+                <a:ext uri="{FF2B5EF4-FFF2-40B4-BE49-F238E27FC236}">
+                  <a16:creationId xmlns:a16="http://schemas.microsoft.com/office/drawing/2014/main" id="{C36FF57E-5C50-438F-8052-31B53EA9F707}"/>
+                </a:ext>
+              </a:extLst>
+            </p:cNvPr>
+            <p:cNvSpPr/>
+            <p:nvPr/>
+          </p:nvSpPr>
+          <p:spPr>
+            <a:xfrm flipH="1" flipV="1">
+              <a:off x="7809882" y="1836315"/>
+              <a:ext cx="45719" cy="48742"/>
+            </a:xfrm>
+            <a:prstGeom prst="ellipse">
+              <a:avLst/>
+            </a:prstGeom>
+          </p:spPr>
+          <p:style>
+            <a:lnRef idx="2">
+              <a:schemeClr val="accent1">
+                <a:shade val="50000"/>
+              </a:schemeClr>
+            </a:lnRef>
+            <a:fillRef idx="1">
+              <a:schemeClr val="accent1"/>
+            </a:fillRef>
+            <a:effectRef idx="0">
+              <a:schemeClr val="accent1"/>
+            </a:effectRef>
+            <a:fontRef idx="minor">
+              <a:schemeClr val="lt1"/>
+            </a:fontRef>
+          </p:style>
+          <p:txBody>
+            <a:bodyPr rtlCol="0" anchor="ctr"/>
+            <a:lstStyle/>
+            <a:p>
+              <a:pPr algn="ctr"/>
+              <a:endParaRPr lang="en-IN"/>
+            </a:p>
+          </p:txBody>
+        </p:sp>
+        <p:sp>
+          <p:nvSpPr>
+            <p:cNvPr id="75" name="Oval 74">
+              <a:extLst>
+                <a:ext uri="{FF2B5EF4-FFF2-40B4-BE49-F238E27FC236}">
+                  <a16:creationId xmlns:a16="http://schemas.microsoft.com/office/drawing/2014/main" id="{3DEA68B5-995B-4C66-B6DA-2158BB98E9CB}"/>
+                </a:ext>
+              </a:extLst>
+            </p:cNvPr>
+            <p:cNvSpPr/>
+            <p:nvPr/>
+          </p:nvSpPr>
+          <p:spPr>
+            <a:xfrm>
+              <a:off x="8008001" y="1806549"/>
+              <a:ext cx="45719" cy="45719"/>
+            </a:xfrm>
+            <a:prstGeom prst="ellipse">
+              <a:avLst/>
+            </a:prstGeom>
+          </p:spPr>
+          <p:style>
+            <a:lnRef idx="2">
+              <a:schemeClr val="accent1">
+                <a:shade val="50000"/>
+              </a:schemeClr>
+            </a:lnRef>
+            <a:fillRef idx="1">
+              <a:schemeClr val="accent1"/>
+            </a:fillRef>
+            <a:effectRef idx="0">
+              <a:schemeClr val="accent1"/>
+            </a:effectRef>
+            <a:fontRef idx="minor">
+              <a:schemeClr val="lt1"/>
+            </a:fontRef>
+          </p:style>
+          <p:txBody>
+            <a:bodyPr rtlCol="0" anchor="ctr"/>
+            <a:lstStyle/>
+            <a:p>
+              <a:pPr algn="ctr"/>
+              <a:endParaRPr lang="en-IN"/>
+            </a:p>
+          </p:txBody>
+        </p:sp>
+        <p:sp>
+          <p:nvSpPr>
+            <p:cNvPr id="76" name="Oval 75">
+              <a:extLst>
+                <a:ext uri="{FF2B5EF4-FFF2-40B4-BE49-F238E27FC236}">
+                  <a16:creationId xmlns:a16="http://schemas.microsoft.com/office/drawing/2014/main" id="{F487F113-5D9D-48EA-A41D-33BBCFE0B3D0}"/>
+                </a:ext>
+              </a:extLst>
+            </p:cNvPr>
+            <p:cNvSpPr/>
+            <p:nvPr/>
+          </p:nvSpPr>
+          <p:spPr>
+            <a:xfrm>
+              <a:off x="7938730" y="1903528"/>
+              <a:ext cx="45719" cy="45719"/>
+            </a:xfrm>
+            <a:prstGeom prst="ellipse">
+              <a:avLst/>
+            </a:prstGeom>
+          </p:spPr>
+          <p:style>
+            <a:lnRef idx="2">
+              <a:schemeClr val="accent1">
+                <a:shade val="50000"/>
+              </a:schemeClr>
+            </a:lnRef>
+            <a:fillRef idx="1">
+              <a:schemeClr val="accent1"/>
+            </a:fillRef>
+            <a:effectRef idx="0">
+              <a:schemeClr val="accent1"/>
+            </a:effectRef>
+            <a:fontRef idx="minor">
+              <a:schemeClr val="lt1"/>
+            </a:fontRef>
+          </p:style>
+          <p:txBody>
+            <a:bodyPr rtlCol="0" anchor="ctr"/>
+            <a:lstStyle/>
+            <a:p>
+              <a:pPr algn="ctr"/>
+              <a:endParaRPr lang="en-IN"/>
+            </a:p>
+          </p:txBody>
+        </p:sp>
+        <p:sp>
+          <p:nvSpPr>
+            <p:cNvPr id="77" name="Oval 76">
+              <a:extLst>
+                <a:ext uri="{FF2B5EF4-FFF2-40B4-BE49-F238E27FC236}">
+                  <a16:creationId xmlns:a16="http://schemas.microsoft.com/office/drawing/2014/main" id="{C6F8A00F-1BED-4676-A457-5BFFFAEB7664}"/>
+                </a:ext>
+              </a:extLst>
+            </p:cNvPr>
+            <p:cNvSpPr/>
+            <p:nvPr/>
+          </p:nvSpPr>
+          <p:spPr>
+            <a:xfrm>
+              <a:off x="8100366" y="1732656"/>
+              <a:ext cx="45719" cy="45719"/>
+            </a:xfrm>
+            <a:prstGeom prst="ellipse">
+              <a:avLst/>
+            </a:prstGeom>
+          </p:spPr>
+          <p:style>
+            <a:lnRef idx="2">
+              <a:schemeClr val="accent1">
+                <a:shade val="50000"/>
+              </a:schemeClr>
+            </a:lnRef>
+            <a:fillRef idx="1">
+              <a:schemeClr val="accent1"/>
+            </a:fillRef>
+            <a:effectRef idx="0">
+              <a:schemeClr val="accent1"/>
+            </a:effectRef>
+            <a:fontRef idx="minor">
+              <a:schemeClr val="lt1"/>
+            </a:fontRef>
+          </p:style>
+          <p:txBody>
+            <a:bodyPr rtlCol="0" anchor="ctr"/>
+            <a:lstStyle/>
+            <a:p>
+              <a:pPr algn="ctr"/>
+              <a:endParaRPr lang="en-IN"/>
+            </a:p>
+          </p:txBody>
+        </p:sp>
+      </p:grpSp>
+      <p:grpSp>
+        <p:nvGrpSpPr>
+          <p:cNvPr id="78" name="Group 77">
+            <a:extLst>
+              <a:ext uri="{FF2B5EF4-FFF2-40B4-BE49-F238E27FC236}">
+                <a16:creationId xmlns:a16="http://schemas.microsoft.com/office/drawing/2014/main" id="{EE6C3B43-124F-46BB-877B-716C4326E0F6}"/>
+              </a:ext>
+            </a:extLst>
+          </p:cNvPr>
+          <p:cNvGrpSpPr/>
+          <p:nvPr/>
+        </p:nvGrpSpPr>
+        <p:grpSpPr>
+          <a:xfrm>
+            <a:off x="8456089" y="2046231"/>
+            <a:ext cx="534830" cy="353684"/>
+            <a:chOff x="7663998" y="1640641"/>
+            <a:chExt cx="534830" cy="353684"/>
+          </a:xfrm>
+        </p:grpSpPr>
+        <p:cxnSp>
+          <p:nvCxnSpPr>
+            <p:cNvPr id="79" name="Straight Connector 78">
+              <a:extLst>
+                <a:ext uri="{FF2B5EF4-FFF2-40B4-BE49-F238E27FC236}">
+                  <a16:creationId xmlns:a16="http://schemas.microsoft.com/office/drawing/2014/main" id="{970F9B58-92DE-4881-AF3A-13930444153E}"/>
+                </a:ext>
+              </a:extLst>
+            </p:cNvPr>
+            <p:cNvCxnSpPr/>
+            <p:nvPr/>
+          </p:nvCxnSpPr>
+          <p:spPr>
+            <a:xfrm>
+              <a:off x="7663998" y="1640641"/>
+              <a:ext cx="0" cy="353684"/>
+            </a:xfrm>
+            <a:prstGeom prst="line">
+              <a:avLst/>
+            </a:prstGeom>
+          </p:spPr>
+          <p:style>
+            <a:lnRef idx="1">
+              <a:schemeClr val="accent1"/>
+            </a:lnRef>
+            <a:fillRef idx="0">
+              <a:schemeClr val="accent1"/>
+            </a:fillRef>
+            <a:effectRef idx="0">
+              <a:schemeClr val="accent1"/>
+            </a:effectRef>
+            <a:fontRef idx="minor">
+              <a:schemeClr val="tx1"/>
+            </a:fontRef>
+          </p:style>
+        </p:cxnSp>
+        <p:cxnSp>
+          <p:nvCxnSpPr>
+            <p:cNvPr id="80" name="Straight Connector 79">
+              <a:extLst>
+                <a:ext uri="{FF2B5EF4-FFF2-40B4-BE49-F238E27FC236}">
+                  <a16:creationId xmlns:a16="http://schemas.microsoft.com/office/drawing/2014/main" id="{06B71DF0-023D-4671-9844-A586BEBCFE3F}"/>
+                </a:ext>
+              </a:extLst>
+            </p:cNvPr>
+            <p:cNvCxnSpPr>
+              <a:cxnSpLocks/>
+            </p:cNvCxnSpPr>
+            <p:nvPr/>
+          </p:nvCxnSpPr>
+          <p:spPr>
+            <a:xfrm flipH="1">
+              <a:off x="7663999" y="1994325"/>
+              <a:ext cx="534829" cy="0"/>
+            </a:xfrm>
+            <a:prstGeom prst="line">
+              <a:avLst/>
+            </a:prstGeom>
+          </p:spPr>
+          <p:style>
+            <a:lnRef idx="1">
+              <a:schemeClr val="accent1"/>
+            </a:lnRef>
+            <a:fillRef idx="0">
+              <a:schemeClr val="accent1"/>
+            </a:fillRef>
+            <a:effectRef idx="0">
+              <a:schemeClr val="accent1"/>
+            </a:effectRef>
+            <a:fontRef idx="minor">
+              <a:schemeClr val="tx1"/>
+            </a:fontRef>
+          </p:style>
+        </p:cxnSp>
+        <p:sp>
+          <p:nvSpPr>
+            <p:cNvPr id="81" name="Oval 80">
+              <a:extLst>
+                <a:ext uri="{FF2B5EF4-FFF2-40B4-BE49-F238E27FC236}">
+                  <a16:creationId xmlns:a16="http://schemas.microsoft.com/office/drawing/2014/main" id="{3B7316D4-C643-4A1D-A6C7-F634D1B82D7D}"/>
+                </a:ext>
+              </a:extLst>
+            </p:cNvPr>
+            <p:cNvSpPr/>
+            <p:nvPr/>
+          </p:nvSpPr>
+          <p:spPr>
+            <a:xfrm>
+              <a:off x="7703201" y="1732656"/>
+              <a:ext cx="45719" cy="45719"/>
+            </a:xfrm>
+            <a:prstGeom prst="ellipse">
+              <a:avLst/>
+            </a:prstGeom>
+          </p:spPr>
+          <p:style>
+            <a:lnRef idx="2">
+              <a:schemeClr val="accent1">
+                <a:shade val="50000"/>
+              </a:schemeClr>
+            </a:lnRef>
+            <a:fillRef idx="1">
+              <a:schemeClr val="accent1"/>
+            </a:fillRef>
+            <a:effectRef idx="0">
+              <a:schemeClr val="accent1"/>
+            </a:effectRef>
+            <a:fontRef idx="minor">
+              <a:schemeClr val="lt1"/>
+            </a:fontRef>
+          </p:style>
+          <p:txBody>
+            <a:bodyPr rtlCol="0" anchor="ctr"/>
+            <a:lstStyle/>
+            <a:p>
+              <a:pPr algn="ctr"/>
+              <a:endParaRPr lang="en-IN"/>
+            </a:p>
+          </p:txBody>
+        </p:sp>
+        <p:sp>
+          <p:nvSpPr>
+            <p:cNvPr id="82" name="Oval 81">
+              <a:extLst>
+                <a:ext uri="{FF2B5EF4-FFF2-40B4-BE49-F238E27FC236}">
+                  <a16:creationId xmlns:a16="http://schemas.microsoft.com/office/drawing/2014/main" id="{9C306D4F-63BD-4188-9104-272FC453B139}"/>
+                </a:ext>
+              </a:extLst>
+            </p:cNvPr>
+            <p:cNvSpPr/>
+            <p:nvPr/>
+          </p:nvSpPr>
+          <p:spPr>
+            <a:xfrm flipH="1" flipV="1">
+              <a:off x="7809882" y="1836315"/>
+              <a:ext cx="45719" cy="48742"/>
+            </a:xfrm>
+            <a:prstGeom prst="ellipse">
+              <a:avLst/>
+            </a:prstGeom>
+          </p:spPr>
+          <p:style>
+            <a:lnRef idx="2">
+              <a:schemeClr val="accent1">
+                <a:shade val="50000"/>
+              </a:schemeClr>
+            </a:lnRef>
+            <a:fillRef idx="1">
+              <a:schemeClr val="accent1"/>
+            </a:fillRef>
+            <a:effectRef idx="0">
+              <a:schemeClr val="accent1"/>
+            </a:effectRef>
+            <a:fontRef idx="minor">
+              <a:schemeClr val="lt1"/>
+            </a:fontRef>
+          </p:style>
+          <p:txBody>
+            <a:bodyPr rtlCol="0" anchor="ctr"/>
+            <a:lstStyle/>
+            <a:p>
+              <a:pPr algn="ctr"/>
+              <a:endParaRPr lang="en-IN"/>
+            </a:p>
+          </p:txBody>
+        </p:sp>
+        <p:sp>
+          <p:nvSpPr>
+            <p:cNvPr id="83" name="Oval 82">
+              <a:extLst>
+                <a:ext uri="{FF2B5EF4-FFF2-40B4-BE49-F238E27FC236}">
+                  <a16:creationId xmlns:a16="http://schemas.microsoft.com/office/drawing/2014/main" id="{4EF26E69-2B56-44F3-B9DF-7EF54E97D44C}"/>
+                </a:ext>
+              </a:extLst>
+            </p:cNvPr>
+            <p:cNvSpPr/>
+            <p:nvPr/>
+          </p:nvSpPr>
+          <p:spPr>
+            <a:xfrm>
+              <a:off x="8008001" y="1806549"/>
+              <a:ext cx="45719" cy="45719"/>
+            </a:xfrm>
+            <a:prstGeom prst="ellipse">
+              <a:avLst/>
+            </a:prstGeom>
+          </p:spPr>
+          <p:style>
+            <a:lnRef idx="2">
+              <a:schemeClr val="accent1">
+                <a:shade val="50000"/>
+              </a:schemeClr>
+            </a:lnRef>
+            <a:fillRef idx="1">
+              <a:schemeClr val="accent1"/>
+            </a:fillRef>
+            <a:effectRef idx="0">
+              <a:schemeClr val="accent1"/>
+            </a:effectRef>
+            <a:fontRef idx="minor">
+              <a:schemeClr val="lt1"/>
+            </a:fontRef>
+          </p:style>
+          <p:txBody>
+            <a:bodyPr rtlCol="0" anchor="ctr"/>
+            <a:lstStyle/>
+            <a:p>
+              <a:pPr algn="ctr"/>
+              <a:endParaRPr lang="en-IN"/>
+            </a:p>
+          </p:txBody>
+        </p:sp>
+        <p:sp>
+          <p:nvSpPr>
+            <p:cNvPr id="84" name="Oval 83">
+              <a:extLst>
+                <a:ext uri="{FF2B5EF4-FFF2-40B4-BE49-F238E27FC236}">
+                  <a16:creationId xmlns:a16="http://schemas.microsoft.com/office/drawing/2014/main" id="{187FE27C-EF55-47D9-A796-D738B557BC9B}"/>
+                </a:ext>
+              </a:extLst>
+            </p:cNvPr>
+            <p:cNvSpPr/>
+            <p:nvPr/>
+          </p:nvSpPr>
+          <p:spPr>
+            <a:xfrm>
+              <a:off x="7938730" y="1903528"/>
+              <a:ext cx="45719" cy="45719"/>
+            </a:xfrm>
+            <a:prstGeom prst="ellipse">
+              <a:avLst/>
+            </a:prstGeom>
+          </p:spPr>
+          <p:style>
+            <a:lnRef idx="2">
+              <a:schemeClr val="accent1">
+                <a:shade val="50000"/>
+              </a:schemeClr>
+            </a:lnRef>
+            <a:fillRef idx="1">
+              <a:schemeClr val="accent1"/>
+            </a:fillRef>
+            <a:effectRef idx="0">
+              <a:schemeClr val="accent1"/>
+            </a:effectRef>
+            <a:fontRef idx="minor">
+              <a:schemeClr val="lt1"/>
+            </a:fontRef>
+          </p:style>
+          <p:txBody>
+            <a:bodyPr rtlCol="0" anchor="ctr"/>
+            <a:lstStyle/>
+            <a:p>
+              <a:pPr algn="ctr"/>
+              <a:endParaRPr lang="en-IN"/>
+            </a:p>
+          </p:txBody>
+        </p:sp>
+        <p:sp>
+          <p:nvSpPr>
+            <p:cNvPr id="85" name="Oval 84">
+              <a:extLst>
+                <a:ext uri="{FF2B5EF4-FFF2-40B4-BE49-F238E27FC236}">
+                  <a16:creationId xmlns:a16="http://schemas.microsoft.com/office/drawing/2014/main" id="{03C4B0E3-EA29-461E-BAD6-0A7A2B0BD5B6}"/>
+                </a:ext>
+              </a:extLst>
+            </p:cNvPr>
+            <p:cNvSpPr/>
+            <p:nvPr/>
+          </p:nvSpPr>
+          <p:spPr>
+            <a:xfrm>
+              <a:off x="8100366" y="1732656"/>
+              <a:ext cx="45719" cy="45719"/>
+            </a:xfrm>
+            <a:prstGeom prst="ellipse">
+              <a:avLst/>
+            </a:prstGeom>
+          </p:spPr>
+          <p:style>
+            <a:lnRef idx="2">
+              <a:schemeClr val="accent1">
+                <a:shade val="50000"/>
+              </a:schemeClr>
+            </a:lnRef>
+            <a:fillRef idx="1">
+              <a:schemeClr val="accent1"/>
+            </a:fillRef>
+            <a:effectRef idx="0">
+              <a:schemeClr val="accent1"/>
+            </a:effectRef>
+            <a:fontRef idx="minor">
+              <a:schemeClr val="lt1"/>
+            </a:fontRef>
+          </p:style>
+          <p:txBody>
+            <a:bodyPr rtlCol="0" anchor="ctr"/>
+            <a:lstStyle/>
+            <a:p>
+              <a:pPr algn="ctr"/>
+              <a:endParaRPr lang="en-IN"/>
+            </a:p>
+          </p:txBody>
+        </p:sp>
+      </p:grpSp>
+      <p:grpSp>
+        <p:nvGrpSpPr>
+          <p:cNvPr id="86" name="Group 85">
+            <a:extLst>
+              <a:ext uri="{FF2B5EF4-FFF2-40B4-BE49-F238E27FC236}">
+                <a16:creationId xmlns:a16="http://schemas.microsoft.com/office/drawing/2014/main" id="{AE6CF364-9496-4B38-8ED6-066F0BAAE992}"/>
+              </a:ext>
+            </a:extLst>
+          </p:cNvPr>
+          <p:cNvGrpSpPr/>
+          <p:nvPr/>
+        </p:nvGrpSpPr>
+        <p:grpSpPr>
+          <a:xfrm>
+            <a:off x="7524777" y="3948209"/>
+            <a:ext cx="1367680" cy="625107"/>
+            <a:chOff x="3445229" y="3994733"/>
+            <a:chExt cx="1532834" cy="651162"/>
           </a:xfrm>
         </p:grpSpPr>
         <mc:AlternateContent xmlns:mc="http://schemas.openxmlformats.org/markup-compatibility/2006">
           <mc:Choice xmlns:am3d="http://schemas.microsoft.com/office/drawing/2017/model3d" Requires="am3d">
             <p:graphicFrame>
               <p:nvGraphicFramePr>
-                <p:cNvPr id="58" name="3D Model 57" descr="Sphere">
+                <p:cNvPr id="87" name="3D Model 86" descr="Domes And Pinacoid Blue">
                   <a:extLst>
                     <a:ext uri="{FF2B5EF4-FFF2-40B4-BE49-F238E27FC236}">
-                      <a16:creationId xmlns:a16="http://schemas.microsoft.com/office/drawing/2014/main" id="{69670A19-EFB2-4C23-999A-70A056886557}"/>
+                      <a16:creationId xmlns:a16="http://schemas.microsoft.com/office/drawing/2014/main" id="{62D1A080-8012-432E-A95A-70447C997778}"/>
                     </a:ext>
                   </a:extLst>
                 </p:cNvPr>
-                <p:cNvGraphicFramePr/>
+                <p:cNvGraphicFramePr>
+                  <a:graphicFrameLocks noChangeAspect="1"/>
+                </p:cNvGraphicFramePr>
                 <p:nvPr>
                   <p:extLst>
                     <p:ext uri="{D42A27DB-BD31-4B8C-83A1-F6EECF244321}">
-                      <p14:modId xmlns:p14="http://schemas.microsoft.com/office/powerpoint/2010/main" val="3037716560"/>
+                      <p14:modId xmlns:p14="http://schemas.microsoft.com/office/powerpoint/2010/main" val="58568033"/>
                     </p:ext>
                   </p:extLst>
                 </p:nvPr>
               </p:nvGraphicFramePr>
               <p:xfrm>
-                <a:off x="7622887" y="4470942"/>
-                <a:ext cx="373799" cy="845135"/>
+                <a:off x="3445229" y="4119421"/>
+                <a:ext cx="673259" cy="498762"/>
               </p:xfrm>
               <a:graphic>
                 <a:graphicData uri="http://schemas.microsoft.com/office/drawing/2017/model3d">
-                  <am3d:model3d r:embed="rId2">
+                  <am3d:model3d r:embed="rId3">
                     <am3d:spPr>
                       <a:xfrm>
                         <a:off x="0" y="0"/>
-                        <a:ext cx="373799" cy="845135"/>
+                        <a:ext cx="673259" cy="498762"/>
                       </a:xfrm>
                       <a:prstGeom prst="rect">
                         <a:avLst/>
                       </a:prstGeom>
                     </am3d:spPr>
                     <am3d:camera>
-                      <am3d:pos x="0" y="0" z="81469184"/>
+                      <am3d:pos x="0" y="0" z="61634510"/>
                       <am3d:up dx="0" dy="36000000" dz="0"/>
                       <am3d:lookAt x="0" y="0" z="0"/>
                       <am3d:perspective fov="2700000"/>
                     </am3d:camera>
                     <am3d:trans>
-                      <am3d:meterPerModelUnit n="7143146" d="1000000"/>
-                      <am3d:preTrans dx="-2" dy="-18000000" dz="3"/>
+                      <am3d:meterPerModelUnit n="105404" d="1000000"/>
+                      <am3d:preTrans dx="-38771" dy="-6202928" dz="0"/>
                       <am3d:scale>
                         <am3d:sx n="1000000" d="1000000"/>
                         <am3d:sy n="1000000" d="1000000"/>
                         <am3d:sz n="1000000" d="1000000"/>
                       </am3d:scale>
-                      <am3d:rot/>
+                      <am3d:rot ax="2325492" ay="-3612203" az="-2091857"/>
                       <am3d:postTrans dx="0" dy="0" dz="0"/>
                     </am3d:trans>
                     <am3d:raster rName="Office3DRenderer" rVer="16.0.8326">
-                      <am3d:blip r:embed="rId3"/>
+                      <am3d:blip r:embed="rId4"/>
                     </am3d:raster>
-                    <am3d:objViewport viewportSz="660235"/>
+                    <am3d:objViewport viewportSz="613991"/>
                     <am3d:ambientLight>
                       <am3d:clr>
                         <a:scrgbClr r="50000" g="50000" b="50000"/>
@@ -8511,10 +9450,10 @@
           <mc:Fallback>
             <p:pic>
               <p:nvPicPr>
-                <p:cNvPr id="58" name="3D Model 57" descr="Sphere">
+                <p:cNvPr id="87" name="3D Model 86" descr="Domes And Pinacoid Blue">
                   <a:extLst>
                     <a:ext uri="{FF2B5EF4-FFF2-40B4-BE49-F238E27FC236}">
-                      <a16:creationId xmlns:a16="http://schemas.microsoft.com/office/drawing/2014/main" id="{69670A19-EFB2-4C23-999A-70A056886557}"/>
+                      <a16:creationId xmlns:a16="http://schemas.microsoft.com/office/drawing/2014/main" id="{62D1A080-8012-432E-A95A-70447C997778}"/>
                     </a:ext>
                   </a:extLst>
                 </p:cNvPr>
@@ -8524,15 +9463,15 @@
                 <p:nvPr/>
               </p:nvPicPr>
               <p:blipFill>
-                <a:blip r:embed="rId3"/>
+                <a:blip r:embed="rId4"/>
                 <a:stretch>
                   <a:fillRect/>
                 </a:stretch>
               </p:blipFill>
               <p:spPr>
                 <a:xfrm>
-                  <a:off x="6863763" y="3918854"/>
-                  <a:ext cx="373799" cy="845135"/>
+                  <a:off x="7524777" y="4067908"/>
+                  <a:ext cx="600719" cy="478805"/>
                 </a:xfrm>
                 <a:prstGeom prst="rect">
                   <a:avLst/>
@@ -8545,59 +9484,61 @@
           <mc:Choice xmlns:am3d="http://schemas.microsoft.com/office/drawing/2017/model3d" Requires="am3d">
             <p:graphicFrame>
               <p:nvGraphicFramePr>
-                <p:cNvPr id="59" name="3D Model 58" descr="Sphere">
+                <p:cNvPr id="88" name="3D Model 87" descr="Domes And Pinacoid Blue">
                   <a:extLst>
                     <a:ext uri="{FF2B5EF4-FFF2-40B4-BE49-F238E27FC236}">
-                      <a16:creationId xmlns:a16="http://schemas.microsoft.com/office/drawing/2014/main" id="{2EACC16D-10AF-499D-A58C-4960F3370A8A}"/>
+                      <a16:creationId xmlns:a16="http://schemas.microsoft.com/office/drawing/2014/main" id="{7AE646B1-C5A8-4754-91AC-0F1A61057490}"/>
                     </a:ext>
                   </a:extLst>
                 </p:cNvPr>
-                <p:cNvGraphicFramePr/>
+                <p:cNvGraphicFramePr>
+                  <a:graphicFrameLocks noChangeAspect="1"/>
+                </p:cNvGraphicFramePr>
                 <p:nvPr>
                   <p:extLst>
                     <p:ext uri="{D42A27DB-BD31-4B8C-83A1-F6EECF244321}">
-                      <p14:modId xmlns:p14="http://schemas.microsoft.com/office/powerpoint/2010/main" val="2022542690"/>
+                      <p14:modId xmlns:p14="http://schemas.microsoft.com/office/powerpoint/2010/main" val="1939707166"/>
                     </p:ext>
                   </p:extLst>
                 </p:nvPr>
               </p:nvGraphicFramePr>
               <p:xfrm>
-                <a:off x="8077203" y="4378541"/>
-                <a:ext cx="474451" cy="989292"/>
+                <a:off x="4099085" y="3994733"/>
+                <a:ext cx="878978" cy="651162"/>
               </p:xfrm>
               <a:graphic>
                 <a:graphicData uri="http://schemas.microsoft.com/office/drawing/2017/model3d">
-                  <am3d:model3d r:embed="rId2">
+                  <am3d:model3d r:embed="rId3">
                     <am3d:spPr>
                       <a:xfrm>
                         <a:off x="0" y="0"/>
-                        <a:ext cx="474451" cy="989292"/>
+                        <a:ext cx="878978" cy="651162"/>
                       </a:xfrm>
                       <a:prstGeom prst="rect">
                         <a:avLst/>
                       </a:prstGeom>
                     </am3d:spPr>
                     <am3d:camera>
-                      <am3d:pos x="0" y="0" z="81469184"/>
+                      <am3d:pos x="0" y="0" z="61634510"/>
                       <am3d:up dx="0" dy="36000000" dz="0"/>
                       <am3d:lookAt x="0" y="0" z="0"/>
                       <am3d:perspective fov="2700000"/>
                     </am3d:camera>
                     <am3d:trans>
-                      <am3d:meterPerModelUnit n="7143146" d="1000000"/>
-                      <am3d:preTrans dx="-2" dy="-18000000" dz="3"/>
+                      <am3d:meterPerModelUnit n="105404" d="1000000"/>
+                      <am3d:preTrans dx="-38771" dy="-6202928" dz="0"/>
                       <am3d:scale>
                         <am3d:sx n="1000000" d="1000000"/>
                         <am3d:sy n="1000000" d="1000000"/>
                         <am3d:sz n="1000000" d="1000000"/>
                       </am3d:scale>
-                      <am3d:rot/>
+                      <am3d:rot ax="2325492" ay="-3612203" az="-2091857"/>
                       <am3d:postTrans dx="0" dy="0" dz="0"/>
                     </am3d:trans>
                     <am3d:raster rName="Office3DRenderer" rVer="16.0.8326">
-                      <am3d:blip r:embed="rId4"/>
+                      <am3d:blip r:embed="rId5"/>
                     </am3d:raster>
-                    <am3d:objViewport viewportSz="838015"/>
+                    <am3d:objViewport viewportSz="801600"/>
                     <am3d:ambientLight>
                       <am3d:clr>
                         <a:scrgbClr r="50000" g="50000" b="50000"/>
@@ -8633,10 +9574,10 @@
           <mc:Fallback>
             <p:pic>
               <p:nvPicPr>
-                <p:cNvPr id="59" name="3D Model 58" descr="Sphere">
+                <p:cNvPr id="88" name="3D Model 87" descr="Domes And Pinacoid Blue">
                   <a:extLst>
                     <a:ext uri="{FF2B5EF4-FFF2-40B4-BE49-F238E27FC236}">
-                      <a16:creationId xmlns:a16="http://schemas.microsoft.com/office/drawing/2014/main" id="{2EACC16D-10AF-499D-A58C-4960F3370A8A}"/>
+                      <a16:creationId xmlns:a16="http://schemas.microsoft.com/office/drawing/2014/main" id="{7AE646B1-C5A8-4754-91AC-0F1A61057490}"/>
                     </a:ext>
                   </a:extLst>
                 </p:cNvPr>
@@ -8646,15 +9587,15 @@
                 <p:nvPr/>
               </p:nvPicPr>
               <p:blipFill>
-                <a:blip r:embed="rId4"/>
+                <a:blip r:embed="rId5"/>
                 <a:stretch>
                   <a:fillRect/>
                 </a:stretch>
               </p:blipFill>
               <p:spPr>
                 <a:xfrm>
-                  <a:off x="7318079" y="3826453"/>
-                  <a:ext cx="474451" cy="989292"/>
+                  <a:off x="8108184" y="3948209"/>
+                  <a:ext cx="784273" cy="625107"/>
                 </a:xfrm>
                 <a:prstGeom prst="rect">
                   <a:avLst/>
@@ -8664,201 +9605,6 @@
           </mc:Fallback>
         </mc:AlternateContent>
       </p:grpSp>
-      <p:pic>
-        <p:nvPicPr>
-          <p:cNvPr id="63" name="Picture 62" descr="Background pattern&#10;&#10;Description automatically generated">
-            <a:extLst>
-              <a:ext uri="{FF2B5EF4-FFF2-40B4-BE49-F238E27FC236}">
-                <a16:creationId xmlns:a16="http://schemas.microsoft.com/office/drawing/2014/main" id="{B5E8ACC7-A6DE-446B-A2B0-F817F69E4E60}"/>
-              </a:ext>
-            </a:extLst>
-          </p:cNvPr>
-          <p:cNvPicPr>
-            <a:picLocks noChangeAspect="1"/>
-          </p:cNvPicPr>
-          <p:nvPr/>
-        </p:nvPicPr>
-        <p:blipFill>
-          <a:blip r:embed="rId5">
-            <a:extLst>
-              <a:ext uri="{28A0092B-C50C-407E-A947-70E740481C1C}">
-                <a14:useLocalDpi xmlns:a14="http://schemas.microsoft.com/office/drawing/2010/main" val="0"/>
-              </a:ext>
-            </a:extLst>
-          </a:blip>
-          <a:stretch>
-            <a:fillRect/>
-          </a:stretch>
-        </p:blipFill>
-        <p:spPr>
-          <a:xfrm>
-            <a:off x="6880709" y="4612311"/>
-            <a:ext cx="569640" cy="390610"/>
-          </a:xfrm>
-          <a:prstGeom prst="rect">
-            <a:avLst/>
-          </a:prstGeom>
-        </p:spPr>
-      </p:pic>
-      <p:sp>
-        <p:nvSpPr>
-          <p:cNvPr id="66" name="Callout: Line 65">
-            <a:extLst>
-              <a:ext uri="{FF2B5EF4-FFF2-40B4-BE49-F238E27FC236}">
-                <a16:creationId xmlns:a16="http://schemas.microsoft.com/office/drawing/2014/main" id="{D6394F55-BC34-42DA-8DB7-DEE614822D47}"/>
-              </a:ext>
-            </a:extLst>
-          </p:cNvPr>
-          <p:cNvSpPr/>
-          <p:nvPr/>
-        </p:nvSpPr>
-        <p:spPr>
-          <a:xfrm>
-            <a:off x="9799608" y="2121859"/>
-            <a:ext cx="1061049" cy="499610"/>
-          </a:xfrm>
-          <a:prstGeom prst="borderCallout1">
-            <a:avLst>
-              <a:gd name="adj1" fmla="val 18750"/>
-              <a:gd name="adj2" fmla="val -8333"/>
-              <a:gd name="adj3" fmla="val -52088"/>
-              <a:gd name="adj4" fmla="val -70761"/>
-            </a:avLst>
-          </a:prstGeom>
-        </p:spPr>
-        <p:style>
-          <a:lnRef idx="2">
-            <a:schemeClr val="accent1">
-              <a:shade val="50000"/>
-            </a:schemeClr>
-          </a:lnRef>
-          <a:fillRef idx="1">
-            <a:schemeClr val="accent1"/>
-          </a:fillRef>
-          <a:effectRef idx="0">
-            <a:schemeClr val="accent1"/>
-          </a:effectRef>
-          <a:fontRef idx="minor">
-            <a:schemeClr val="lt1"/>
-          </a:fontRef>
-        </p:style>
-        <p:txBody>
-          <a:bodyPr rtlCol="0" anchor="ctr"/>
-          <a:lstStyle/>
-          <a:p>
-            <a:pPr algn="ctr"/>
-            <a:endParaRPr lang="en-IN"/>
-          </a:p>
-        </p:txBody>
-      </p:sp>
-      <p:sp>
-        <p:nvSpPr>
-          <p:cNvPr id="67" name="Callout: Line 66">
-            <a:extLst>
-              <a:ext uri="{FF2B5EF4-FFF2-40B4-BE49-F238E27FC236}">
-                <a16:creationId xmlns:a16="http://schemas.microsoft.com/office/drawing/2014/main" id="{C0A2C3A4-8224-4752-88EB-DC8FBE2ABDB2}"/>
-              </a:ext>
-            </a:extLst>
-          </p:cNvPr>
-          <p:cNvSpPr/>
-          <p:nvPr/>
-        </p:nvSpPr>
-        <p:spPr>
-          <a:xfrm>
-            <a:off x="9799608" y="2121859"/>
-            <a:ext cx="1000664" cy="479838"/>
-          </a:xfrm>
-          <a:prstGeom prst="borderCallout1">
-            <a:avLst>
-              <a:gd name="adj1" fmla="val 18750"/>
-              <a:gd name="adj2" fmla="val -8333"/>
-              <a:gd name="adj3" fmla="val 150942"/>
-              <a:gd name="adj4" fmla="val -76577"/>
-            </a:avLst>
-          </a:prstGeom>
-        </p:spPr>
-        <p:style>
-          <a:lnRef idx="2">
-            <a:schemeClr val="accent1">
-              <a:shade val="50000"/>
-            </a:schemeClr>
-          </a:lnRef>
-          <a:fillRef idx="1">
-            <a:schemeClr val="accent1"/>
-          </a:fillRef>
-          <a:effectRef idx="0">
-            <a:schemeClr val="accent1"/>
-          </a:effectRef>
-          <a:fontRef idx="minor">
-            <a:schemeClr val="lt1"/>
-          </a:fontRef>
-        </p:style>
-        <p:txBody>
-          <a:bodyPr rtlCol="0" anchor="ctr"/>
-          <a:lstStyle/>
-          <a:p>
-            <a:pPr algn="ctr"/>
-            <a:r>
-              <a:rPr lang="en-IN" sz="1200" dirty="0"/>
-              <a:t>Elements of a bar chart</a:t>
-            </a:r>
-          </a:p>
-        </p:txBody>
-      </p:sp>
-      <p:sp>
-        <p:nvSpPr>
-          <p:cNvPr id="68" name="Callout: Line 67">
-            <a:extLst>
-              <a:ext uri="{FF2B5EF4-FFF2-40B4-BE49-F238E27FC236}">
-                <a16:creationId xmlns:a16="http://schemas.microsoft.com/office/drawing/2014/main" id="{EE824ABA-3E75-421A-8676-6F1C912E04C8}"/>
-              </a:ext>
-            </a:extLst>
-          </p:cNvPr>
-          <p:cNvSpPr/>
-          <p:nvPr/>
-        </p:nvSpPr>
-        <p:spPr>
-          <a:xfrm>
-            <a:off x="10046898" y="3029109"/>
-            <a:ext cx="1138686" cy="424863"/>
-          </a:xfrm>
-          <a:prstGeom prst="borderCallout1">
-            <a:avLst>
-              <a:gd name="adj1" fmla="val 18750"/>
-              <a:gd name="adj2" fmla="val -8333"/>
-              <a:gd name="adj3" fmla="val 35812"/>
-              <a:gd name="adj4" fmla="val -87575"/>
-            </a:avLst>
-          </a:prstGeom>
-        </p:spPr>
-        <p:style>
-          <a:lnRef idx="2">
-            <a:schemeClr val="accent1">
-              <a:shade val="50000"/>
-            </a:schemeClr>
-          </a:lnRef>
-          <a:fillRef idx="1">
-            <a:schemeClr val="accent1"/>
-          </a:fillRef>
-          <a:effectRef idx="0">
-            <a:schemeClr val="accent1"/>
-          </a:effectRef>
-          <a:fontRef idx="minor">
-            <a:schemeClr val="lt1"/>
-          </a:fontRef>
-        </p:style>
-        <p:txBody>
-          <a:bodyPr rtlCol="0" anchor="ctr"/>
-          <a:lstStyle/>
-          <a:p>
-            <a:pPr algn="ctr"/>
-            <a:r>
-              <a:rPr lang="en-IN" sz="1200" dirty="0"/>
-              <a:t>Elements of a pie chart</a:t>
-            </a:r>
-          </a:p>
-        </p:txBody>
-      </p:sp>
     </p:spTree>
     <p:extLst>
       <p:ext uri="{BB962C8B-B14F-4D97-AF65-F5344CB8AC3E}">
@@ -8889,10 +9635,3005 @@
           <a:chExt cx="0" cy="0"/>
         </a:xfrm>
       </p:grpSpPr>
+      <p:sp>
+        <p:nvSpPr>
+          <p:cNvPr id="7" name="Flowchart: Alternate Process 6">
+            <a:extLst>
+              <a:ext uri="{FF2B5EF4-FFF2-40B4-BE49-F238E27FC236}">
+                <a16:creationId xmlns:a16="http://schemas.microsoft.com/office/drawing/2014/main" id="{6210EEA5-DA6B-47A1-9DDC-4F09F7468CEC}"/>
+              </a:ext>
+            </a:extLst>
+          </p:cNvPr>
+          <p:cNvSpPr/>
+          <p:nvPr/>
+        </p:nvSpPr>
+        <p:spPr>
+          <a:xfrm>
+            <a:off x="2215488" y="3288717"/>
+            <a:ext cx="1152492" cy="852075"/>
+          </a:xfrm>
+          <a:prstGeom prst="flowChartAlternateProcess">
+            <a:avLst/>
+          </a:prstGeom>
+        </p:spPr>
+        <p:style>
+          <a:lnRef idx="2">
+            <a:schemeClr val="accent1">
+              <a:shade val="50000"/>
+            </a:schemeClr>
+          </a:lnRef>
+          <a:fillRef idx="1">
+            <a:schemeClr val="accent1"/>
+          </a:fillRef>
+          <a:effectRef idx="0">
+            <a:schemeClr val="accent1"/>
+          </a:effectRef>
+          <a:fontRef idx="minor">
+            <a:schemeClr val="lt1"/>
+          </a:fontRef>
+        </p:style>
+        <p:txBody>
+          <a:bodyPr rtlCol="0" anchor="ctr"/>
+          <a:lstStyle/>
+          <a:p>
+            <a:pPr algn="ctr"/>
+            <a:r>
+              <a:rPr lang="en-IN" sz="1400" dirty="0"/>
+              <a:t>Decreasing Accuracy of Perception</a:t>
+            </a:r>
+          </a:p>
+        </p:txBody>
+      </p:sp>
+      <p:sp>
+        <p:nvSpPr>
+          <p:cNvPr id="8" name="Arrow: Down 7">
+            <a:extLst>
+              <a:ext uri="{FF2B5EF4-FFF2-40B4-BE49-F238E27FC236}">
+                <a16:creationId xmlns:a16="http://schemas.microsoft.com/office/drawing/2014/main" id="{D2D73417-205E-4EE1-A58E-6866F70E1427}"/>
+              </a:ext>
+            </a:extLst>
+          </p:cNvPr>
+          <p:cNvSpPr/>
+          <p:nvPr/>
+        </p:nvSpPr>
+        <p:spPr>
+          <a:xfrm>
+            <a:off x="3528292" y="1672647"/>
+            <a:ext cx="304800" cy="3704472"/>
+          </a:xfrm>
+          <a:prstGeom prst="downArrow">
+            <a:avLst/>
+          </a:prstGeom>
+        </p:spPr>
+        <p:style>
+          <a:lnRef idx="2">
+            <a:schemeClr val="accent1">
+              <a:shade val="50000"/>
+            </a:schemeClr>
+          </a:lnRef>
+          <a:fillRef idx="1">
+            <a:schemeClr val="accent1"/>
+          </a:fillRef>
+          <a:effectRef idx="0">
+            <a:schemeClr val="accent1"/>
+          </a:effectRef>
+          <a:fontRef idx="minor">
+            <a:schemeClr val="lt1"/>
+          </a:fontRef>
+        </p:style>
+        <p:txBody>
+          <a:bodyPr rtlCol="0" anchor="ctr"/>
+          <a:lstStyle/>
+          <a:p>
+            <a:pPr algn="ctr"/>
+            <a:endParaRPr lang="en-IN"/>
+          </a:p>
+        </p:txBody>
+      </p:sp>
+      <p:sp>
+        <p:nvSpPr>
+          <p:cNvPr id="9" name="TextBox 8">
+            <a:extLst>
+              <a:ext uri="{FF2B5EF4-FFF2-40B4-BE49-F238E27FC236}">
+                <a16:creationId xmlns:a16="http://schemas.microsoft.com/office/drawing/2014/main" id="{24904F0D-1F3A-4FF1-9F2A-1C4727497914}"/>
+              </a:ext>
+            </a:extLst>
+          </p:cNvPr>
+          <p:cNvSpPr txBox="1"/>
+          <p:nvPr/>
+        </p:nvSpPr>
+        <p:spPr>
+          <a:xfrm>
+            <a:off x="3528292" y="5560285"/>
+            <a:ext cx="4890762" cy="369332"/>
+          </a:xfrm>
+          <a:prstGeom prst="rect">
+            <a:avLst/>
+          </a:prstGeom>
+          <a:noFill/>
+        </p:spPr>
+        <p:txBody>
+          <a:bodyPr wrap="none" rtlCol="0">
+            <a:spAutoFit/>
+          </a:bodyPr>
+          <a:lstStyle/>
+          <a:p>
+            <a:r>
+              <a:rPr lang="en-IN" u="sng" dirty="0"/>
+              <a:t>Framework for which cue to use for visualizations</a:t>
+            </a:r>
+          </a:p>
+        </p:txBody>
+      </p:sp>
+      <p:graphicFrame>
+        <p:nvGraphicFramePr>
+          <p:cNvPr id="11" name="Table 10">
+            <a:extLst>
+              <a:ext uri="{FF2B5EF4-FFF2-40B4-BE49-F238E27FC236}">
+                <a16:creationId xmlns:a16="http://schemas.microsoft.com/office/drawing/2014/main" id="{F4A51A38-1507-4D9C-884E-F2F65EE8D442}"/>
+              </a:ext>
+            </a:extLst>
+          </p:cNvPr>
+          <p:cNvGraphicFramePr>
+            <a:graphicFrameLocks noGrp="1"/>
+          </p:cNvGraphicFramePr>
+          <p:nvPr>
+            <p:extLst>
+              <p:ext uri="{D42A27DB-BD31-4B8C-83A1-F6EECF244321}">
+                <p14:modId xmlns:p14="http://schemas.microsoft.com/office/powerpoint/2010/main" val="2292229165"/>
+              </p:ext>
+            </p:extLst>
+          </p:nvPr>
+        </p:nvGraphicFramePr>
+        <p:xfrm>
+          <a:off x="3966151" y="1113049"/>
+          <a:ext cx="4259698" cy="4351335"/>
+        </p:xfrm>
+        <a:graphic>
+          <a:graphicData uri="http://schemas.openxmlformats.org/drawingml/2006/table">
+            <a:tbl>
+              <a:tblPr/>
+              <a:tblGrid>
+                <a:gridCol w="291153">
+                  <a:extLst>
+                    <a:ext uri="{9D8B030D-6E8A-4147-A177-3AD203B41FA5}">
+                      <a16:colId xmlns:a16="http://schemas.microsoft.com/office/drawing/2014/main" val="1546100769"/>
+                    </a:ext>
+                  </a:extLst>
+                </a:gridCol>
+                <a:gridCol w="1291201">
+                  <a:extLst>
+                    <a:ext uri="{9D8B030D-6E8A-4147-A177-3AD203B41FA5}">
+                      <a16:colId xmlns:a16="http://schemas.microsoft.com/office/drawing/2014/main" val="2907717597"/>
+                    </a:ext>
+                  </a:extLst>
+                </a:gridCol>
+                <a:gridCol w="1338672">
+                  <a:extLst>
+                    <a:ext uri="{9D8B030D-6E8A-4147-A177-3AD203B41FA5}">
+                      <a16:colId xmlns:a16="http://schemas.microsoft.com/office/drawing/2014/main" val="3287223264"/>
+                    </a:ext>
+                  </a:extLst>
+                </a:gridCol>
+                <a:gridCol w="1338672">
+                  <a:extLst>
+                    <a:ext uri="{9D8B030D-6E8A-4147-A177-3AD203B41FA5}">
+                      <a16:colId xmlns:a16="http://schemas.microsoft.com/office/drawing/2014/main" val="4288525638"/>
+                    </a:ext>
+                  </a:extLst>
+                </a:gridCol>
+              </a:tblGrid>
+              <a:tr h="237001">
+                <a:tc>
+                  <a:txBody>
+                    <a:bodyPr/>
+                    <a:lstStyle/>
+                    <a:p>
+                      <a:pPr algn="l" fontAlgn="b"/>
+                      <a:r>
+                        <a:rPr lang="en-IN" sz="1100" b="0" i="0" u="none" strike="noStrike">
+                          <a:solidFill>
+                            <a:srgbClr val="000000"/>
+                          </a:solidFill>
+                          <a:effectLst/>
+                          <a:latin typeface="Calibri" panose="020F0502020204030204" pitchFamily="34" charset="0"/>
+                        </a:rPr>
+                        <a:t> </a:t>
+                      </a:r>
+                    </a:p>
+                  </a:txBody>
+                  <a:tcPr marL="9480" marR="9480" marT="9480" marB="0" anchor="b">
+                    <a:lnL w="6350" cap="flat" cmpd="sng" algn="ctr">
+                      <a:solidFill>
+                        <a:srgbClr val="000000"/>
+                      </a:solidFill>
+                      <a:prstDash val="solid"/>
+                      <a:round/>
+                      <a:headEnd type="none" w="med" len="med"/>
+                      <a:tailEnd type="none" w="med" len="med"/>
+                    </a:lnL>
+                    <a:lnR w="6350" cap="flat" cmpd="sng" algn="ctr">
+                      <a:solidFill>
+                        <a:srgbClr val="000000"/>
+                      </a:solidFill>
+                      <a:prstDash val="solid"/>
+                      <a:round/>
+                      <a:headEnd type="none" w="med" len="med"/>
+                      <a:tailEnd type="none" w="med" len="med"/>
+                    </a:lnR>
+                    <a:lnT w="6350" cap="flat" cmpd="sng" algn="ctr">
+                      <a:solidFill>
+                        <a:srgbClr val="000000"/>
+                      </a:solidFill>
+                      <a:prstDash val="solid"/>
+                      <a:round/>
+                      <a:headEnd type="none" w="med" len="med"/>
+                      <a:tailEnd type="none" w="med" len="med"/>
+                    </a:lnT>
+                    <a:lnB>
+                      <a:noFill/>
+                    </a:lnB>
+                  </a:tcPr>
+                </a:tc>
+                <a:tc gridSpan="3">
+                  <a:txBody>
+                    <a:bodyPr/>
+                    <a:lstStyle/>
+                    <a:p>
+                      <a:pPr algn="ctr" fontAlgn="b"/>
+                      <a:r>
+                        <a:rPr lang="en-IN" sz="1400" b="0" i="0" u="none" strike="noStrike">
+                          <a:solidFill>
+                            <a:srgbClr val="000000"/>
+                          </a:solidFill>
+                          <a:effectLst/>
+                          <a:latin typeface="Calibri" panose="020F0502020204030204" pitchFamily="34" charset="0"/>
+                        </a:rPr>
+                        <a:t>Type of Variable</a:t>
+                      </a:r>
+                    </a:p>
+                  </a:txBody>
+                  <a:tcPr marL="9480" marR="9480" marT="9480" marB="0" anchor="b">
+                    <a:lnL w="6350" cap="flat" cmpd="sng" algn="ctr">
+                      <a:solidFill>
+                        <a:srgbClr val="000000"/>
+                      </a:solidFill>
+                      <a:prstDash val="solid"/>
+                      <a:round/>
+                      <a:headEnd type="none" w="med" len="med"/>
+                      <a:tailEnd type="none" w="med" len="med"/>
+                    </a:lnL>
+                    <a:lnR w="6350" cap="flat" cmpd="sng" algn="ctr">
+                      <a:solidFill>
+                        <a:srgbClr val="000000"/>
+                      </a:solidFill>
+                      <a:prstDash val="solid"/>
+                      <a:round/>
+                      <a:headEnd type="none" w="med" len="med"/>
+                      <a:tailEnd type="none" w="med" len="med"/>
+                    </a:lnR>
+                    <a:lnT w="6350" cap="flat" cmpd="sng" algn="ctr">
+                      <a:solidFill>
+                        <a:srgbClr val="000000"/>
+                      </a:solidFill>
+                      <a:prstDash val="solid"/>
+                      <a:round/>
+                      <a:headEnd type="none" w="med" len="med"/>
+                      <a:tailEnd type="none" w="med" len="med"/>
+                    </a:lnT>
+                    <a:lnB w="6350" cap="flat" cmpd="sng" algn="ctr">
+                      <a:solidFill>
+                        <a:srgbClr val="000000"/>
+                      </a:solidFill>
+                      <a:prstDash val="solid"/>
+                      <a:round/>
+                      <a:headEnd type="none" w="med" len="med"/>
+                      <a:tailEnd type="none" w="med" len="med"/>
+                    </a:lnB>
+                  </a:tcPr>
+                </a:tc>
+                <a:tc hMerge="1">
+                  <a:txBody>
+                    <a:bodyPr/>
+                    <a:lstStyle/>
+                    <a:p>
+                      <a:endParaRPr lang="en-IN"/>
+                    </a:p>
+                  </a:txBody>
+                  <a:tcPr/>
+                </a:tc>
+                <a:tc hMerge="1">
+                  <a:txBody>
+                    <a:bodyPr/>
+                    <a:lstStyle/>
+                    <a:p>
+                      <a:endParaRPr lang="en-IN"/>
+                    </a:p>
+                  </a:txBody>
+                  <a:tcPr/>
+                </a:tc>
+                <a:extLst>
+                  <a:ext uri="{0D108BD9-81ED-4DB2-BD59-A6C34878D82A}">
+                    <a16:rowId xmlns:a16="http://schemas.microsoft.com/office/drawing/2014/main" val="1603087984"/>
+                  </a:ext>
+                </a:extLst>
+              </a:tr>
+              <a:tr h="293881">
+                <a:tc>
+                  <a:txBody>
+                    <a:bodyPr/>
+                    <a:lstStyle/>
+                    <a:p>
+                      <a:pPr algn="l" fontAlgn="b"/>
+                      <a:r>
+                        <a:rPr lang="en-IN" sz="1100" b="0" i="0" u="none" strike="noStrike">
+                          <a:solidFill>
+                            <a:srgbClr val="000000"/>
+                          </a:solidFill>
+                          <a:effectLst/>
+                          <a:latin typeface="Calibri" panose="020F0502020204030204" pitchFamily="34" charset="0"/>
+                        </a:rPr>
+                        <a:t> </a:t>
+                      </a:r>
+                    </a:p>
+                  </a:txBody>
+                  <a:tcPr marL="9480" marR="9480" marT="9480" marB="0" anchor="b">
+                    <a:lnL w="6350" cap="flat" cmpd="sng" algn="ctr">
+                      <a:solidFill>
+                        <a:srgbClr val="000000"/>
+                      </a:solidFill>
+                      <a:prstDash val="solid"/>
+                      <a:round/>
+                      <a:headEnd type="none" w="med" len="med"/>
+                      <a:tailEnd type="none" w="med" len="med"/>
+                    </a:lnL>
+                    <a:lnR>
+                      <a:noFill/>
+                    </a:lnR>
+                    <a:lnT>
+                      <a:noFill/>
+                    </a:lnT>
+                    <a:lnB w="6350" cap="flat" cmpd="sng" algn="ctr">
+                      <a:solidFill>
+                        <a:srgbClr val="000000"/>
+                      </a:solidFill>
+                      <a:prstDash val="solid"/>
+                      <a:round/>
+                      <a:headEnd type="none" w="med" len="med"/>
+                      <a:tailEnd type="none" w="med" len="med"/>
+                    </a:lnB>
+                  </a:tcPr>
+                </a:tc>
+                <a:tc>
+                  <a:txBody>
+                    <a:bodyPr/>
+                    <a:lstStyle/>
+                    <a:p>
+                      <a:pPr algn="l" fontAlgn="b"/>
+                      <a:r>
+                        <a:rPr lang="en-IN" sz="1800" b="1" i="0" u="none" strike="noStrike">
+                          <a:solidFill>
+                            <a:srgbClr val="FFFFFF"/>
+                          </a:solidFill>
+                          <a:effectLst/>
+                          <a:latin typeface="Calibri" panose="020F0502020204030204" pitchFamily="34" charset="0"/>
+                        </a:rPr>
+                        <a:t>Quantitative</a:t>
+                      </a:r>
+                    </a:p>
+                  </a:txBody>
+                  <a:tcPr marL="9480" marR="9480" marT="9480" marB="0" anchor="b">
+                    <a:lnL>
+                      <a:noFill/>
+                    </a:lnL>
+                    <a:lnR>
+                      <a:noFill/>
+                    </a:lnR>
+                    <a:lnT w="6350" cap="flat" cmpd="sng" algn="ctr">
+                      <a:solidFill>
+                        <a:srgbClr val="000000"/>
+                      </a:solidFill>
+                      <a:prstDash val="solid"/>
+                      <a:round/>
+                      <a:headEnd type="none" w="med" len="med"/>
+                      <a:tailEnd type="none" w="med" len="med"/>
+                    </a:lnT>
+                    <a:lnB>
+                      <a:noFill/>
+                    </a:lnB>
+                    <a:solidFill>
+                      <a:srgbClr val="4472C4"/>
+                    </a:solidFill>
+                  </a:tcPr>
+                </a:tc>
+                <a:tc>
+                  <a:txBody>
+                    <a:bodyPr/>
+                    <a:lstStyle/>
+                    <a:p>
+                      <a:pPr algn="l" fontAlgn="b"/>
+                      <a:r>
+                        <a:rPr lang="en-IN" sz="1800" b="1" i="0" u="none" strike="noStrike">
+                          <a:solidFill>
+                            <a:srgbClr val="FFFFFF"/>
+                          </a:solidFill>
+                          <a:effectLst/>
+                          <a:latin typeface="Calibri" panose="020F0502020204030204" pitchFamily="34" charset="0"/>
+                        </a:rPr>
+                        <a:t>Ordinal</a:t>
+                      </a:r>
+                    </a:p>
+                  </a:txBody>
+                  <a:tcPr marL="9480" marR="9480" marT="9480" marB="0" anchor="b">
+                    <a:lnL>
+                      <a:noFill/>
+                    </a:lnL>
+                    <a:lnR>
+                      <a:noFill/>
+                    </a:lnR>
+                    <a:lnT w="6350" cap="flat" cmpd="sng" algn="ctr">
+                      <a:solidFill>
+                        <a:srgbClr val="000000"/>
+                      </a:solidFill>
+                      <a:prstDash val="solid"/>
+                      <a:round/>
+                      <a:headEnd type="none" w="med" len="med"/>
+                      <a:tailEnd type="none" w="med" len="med"/>
+                    </a:lnT>
+                    <a:lnB>
+                      <a:noFill/>
+                    </a:lnB>
+                    <a:solidFill>
+                      <a:srgbClr val="4472C4"/>
+                    </a:solidFill>
+                  </a:tcPr>
+                </a:tc>
+                <a:tc>
+                  <a:txBody>
+                    <a:bodyPr/>
+                    <a:lstStyle/>
+                    <a:p>
+                      <a:pPr algn="l" fontAlgn="b"/>
+                      <a:r>
+                        <a:rPr lang="en-IN" sz="1800" b="1" i="0" u="none" strike="noStrike">
+                          <a:solidFill>
+                            <a:srgbClr val="FFFFFF"/>
+                          </a:solidFill>
+                          <a:effectLst/>
+                          <a:latin typeface="Calibri" panose="020F0502020204030204" pitchFamily="34" charset="0"/>
+                        </a:rPr>
+                        <a:t>Nominal</a:t>
+                      </a:r>
+                    </a:p>
+                  </a:txBody>
+                  <a:tcPr marL="9480" marR="9480" marT="9480" marB="0" anchor="b">
+                    <a:lnL>
+                      <a:noFill/>
+                    </a:lnL>
+                    <a:lnR w="6350" cap="flat" cmpd="sng" algn="ctr">
+                      <a:solidFill>
+                        <a:srgbClr val="000000"/>
+                      </a:solidFill>
+                      <a:prstDash val="solid"/>
+                      <a:round/>
+                      <a:headEnd type="none" w="med" len="med"/>
+                      <a:tailEnd type="none" w="med" len="med"/>
+                    </a:lnR>
+                    <a:lnT w="6350" cap="flat" cmpd="sng" algn="ctr">
+                      <a:solidFill>
+                        <a:srgbClr val="000000"/>
+                      </a:solidFill>
+                      <a:prstDash val="solid"/>
+                      <a:round/>
+                      <a:headEnd type="none" w="med" len="med"/>
+                      <a:tailEnd type="none" w="med" len="med"/>
+                    </a:lnT>
+                    <a:lnB>
+                      <a:noFill/>
+                    </a:lnB>
+                    <a:solidFill>
+                      <a:srgbClr val="4472C4"/>
+                    </a:solidFill>
+                  </a:tcPr>
+                </a:tc>
+                <a:extLst>
+                  <a:ext uri="{0D108BD9-81ED-4DB2-BD59-A6C34878D82A}">
+                    <a16:rowId xmlns:a16="http://schemas.microsoft.com/office/drawing/2014/main" val="358574482"/>
+                  </a:ext>
+                </a:extLst>
+              </a:tr>
+              <a:tr h="293881">
+                <a:tc rowSpan="13">
+                  <a:txBody>
+                    <a:bodyPr/>
+                    <a:lstStyle/>
+                    <a:p>
+                      <a:pPr algn="ctr" fontAlgn="ctr"/>
+                      <a:r>
+                        <a:rPr lang="en-IN" sz="1400" b="0" i="0" u="none" strike="noStrike">
+                          <a:solidFill>
+                            <a:srgbClr val="000000"/>
+                          </a:solidFill>
+                          <a:effectLst/>
+                          <a:latin typeface="Calibri" panose="020F0502020204030204" pitchFamily="34" charset="0"/>
+                        </a:rPr>
+                        <a:t>Visual Cue</a:t>
+                      </a:r>
+                    </a:p>
+                  </a:txBody>
+                  <a:tcPr marL="9480" marR="9480" marT="9480" marB="0" vert="vert270" anchor="ctr">
+                    <a:lnL w="6350" cap="flat" cmpd="sng" algn="ctr">
+                      <a:solidFill>
+                        <a:srgbClr val="000000"/>
+                      </a:solidFill>
+                      <a:prstDash val="solid"/>
+                      <a:round/>
+                      <a:headEnd type="none" w="med" len="med"/>
+                      <a:tailEnd type="none" w="med" len="med"/>
+                    </a:lnL>
+                    <a:lnR w="6350" cap="flat" cmpd="sng" algn="ctr">
+                      <a:solidFill>
+                        <a:srgbClr val="000000"/>
+                      </a:solidFill>
+                      <a:prstDash val="solid"/>
+                      <a:round/>
+                      <a:headEnd type="none" w="med" len="med"/>
+                      <a:tailEnd type="none" w="med" len="med"/>
+                    </a:lnR>
+                    <a:lnT w="6350" cap="flat" cmpd="sng" algn="ctr">
+                      <a:solidFill>
+                        <a:srgbClr val="000000"/>
+                      </a:solidFill>
+                      <a:prstDash val="solid"/>
+                      <a:round/>
+                      <a:headEnd type="none" w="med" len="med"/>
+                      <a:tailEnd type="none" w="med" len="med"/>
+                    </a:lnT>
+                    <a:lnB w="6350" cap="flat" cmpd="sng" algn="ctr">
+                      <a:solidFill>
+                        <a:srgbClr val="000000"/>
+                      </a:solidFill>
+                      <a:prstDash val="solid"/>
+                      <a:round/>
+                      <a:headEnd type="none" w="med" len="med"/>
+                      <a:tailEnd type="none" w="med" len="med"/>
+                    </a:lnB>
+                  </a:tcPr>
+                </a:tc>
+                <a:tc>
+                  <a:txBody>
+                    <a:bodyPr/>
+                    <a:lstStyle/>
+                    <a:p>
+                      <a:pPr algn="l" fontAlgn="b"/>
+                      <a:r>
+                        <a:rPr lang="en-IN" sz="1800" b="0" i="0" u="none" strike="noStrike">
+                          <a:solidFill>
+                            <a:srgbClr val="000000"/>
+                          </a:solidFill>
+                          <a:effectLst/>
+                          <a:latin typeface="Calibri" panose="020F0502020204030204" pitchFamily="34" charset="0"/>
+                        </a:rPr>
+                        <a:t>Position</a:t>
+                      </a:r>
+                    </a:p>
+                  </a:txBody>
+                  <a:tcPr marL="9480" marR="9480" marT="9480" marB="0" anchor="b">
+                    <a:lnL w="6350" cap="flat" cmpd="sng" algn="ctr">
+                      <a:solidFill>
+                        <a:srgbClr val="000000"/>
+                      </a:solidFill>
+                      <a:prstDash val="solid"/>
+                      <a:round/>
+                      <a:headEnd type="none" w="med" len="med"/>
+                      <a:tailEnd type="none" w="med" len="med"/>
+                    </a:lnL>
+                    <a:lnR>
+                      <a:noFill/>
+                    </a:lnR>
+                    <a:lnT>
+                      <a:noFill/>
+                    </a:lnT>
+                    <a:lnB>
+                      <a:noFill/>
+                    </a:lnB>
+                    <a:solidFill>
+                      <a:srgbClr val="ED7D31"/>
+                    </a:solidFill>
+                  </a:tcPr>
+                </a:tc>
+                <a:tc>
+                  <a:txBody>
+                    <a:bodyPr/>
+                    <a:lstStyle/>
+                    <a:p>
+                      <a:pPr algn="l" fontAlgn="b"/>
+                      <a:r>
+                        <a:rPr lang="en-IN" sz="1800" b="0" i="0" u="none" strike="noStrike">
+                          <a:solidFill>
+                            <a:srgbClr val="000000"/>
+                          </a:solidFill>
+                          <a:effectLst/>
+                          <a:latin typeface="Calibri" panose="020F0502020204030204" pitchFamily="34" charset="0"/>
+                        </a:rPr>
+                        <a:t>Position</a:t>
+                      </a:r>
+                    </a:p>
+                  </a:txBody>
+                  <a:tcPr marL="9480" marR="9480" marT="9480" marB="0" anchor="b">
+                    <a:lnL>
+                      <a:noFill/>
+                    </a:lnL>
+                    <a:lnR>
+                      <a:noFill/>
+                    </a:lnR>
+                    <a:lnT>
+                      <a:noFill/>
+                    </a:lnT>
+                    <a:lnB>
+                      <a:noFill/>
+                    </a:lnB>
+                    <a:solidFill>
+                      <a:srgbClr val="ED7D31"/>
+                    </a:solidFill>
+                  </a:tcPr>
+                </a:tc>
+                <a:tc>
+                  <a:txBody>
+                    <a:bodyPr/>
+                    <a:lstStyle/>
+                    <a:p>
+                      <a:pPr algn="l" fontAlgn="b"/>
+                      <a:r>
+                        <a:rPr lang="en-IN" sz="1800" b="0" i="0" u="none" strike="noStrike">
+                          <a:solidFill>
+                            <a:srgbClr val="000000"/>
+                          </a:solidFill>
+                          <a:effectLst/>
+                          <a:latin typeface="Calibri" panose="020F0502020204030204" pitchFamily="34" charset="0"/>
+                        </a:rPr>
+                        <a:t>Position</a:t>
+                      </a:r>
+                    </a:p>
+                  </a:txBody>
+                  <a:tcPr marL="9480" marR="9480" marT="9480" marB="0" anchor="b">
+                    <a:lnL>
+                      <a:noFill/>
+                    </a:lnL>
+                    <a:lnR w="6350" cap="flat" cmpd="sng" algn="ctr">
+                      <a:solidFill>
+                        <a:srgbClr val="000000"/>
+                      </a:solidFill>
+                      <a:prstDash val="solid"/>
+                      <a:round/>
+                      <a:headEnd type="none" w="med" len="med"/>
+                      <a:tailEnd type="none" w="med" len="med"/>
+                    </a:lnR>
+                    <a:lnT>
+                      <a:noFill/>
+                    </a:lnT>
+                    <a:lnB>
+                      <a:noFill/>
+                    </a:lnB>
+                    <a:solidFill>
+                      <a:srgbClr val="ED7D31"/>
+                    </a:solidFill>
+                  </a:tcPr>
+                </a:tc>
+                <a:extLst>
+                  <a:ext uri="{0D108BD9-81ED-4DB2-BD59-A6C34878D82A}">
+                    <a16:rowId xmlns:a16="http://schemas.microsoft.com/office/drawing/2014/main" val="262674043"/>
+                  </a:ext>
+                </a:extLst>
+              </a:tr>
+              <a:tr h="293881">
+                <a:tc vMerge="1">
+                  <a:txBody>
+                    <a:bodyPr/>
+                    <a:lstStyle/>
+                    <a:p>
+                      <a:endParaRPr lang="en-IN"/>
+                    </a:p>
+                  </a:txBody>
+                  <a:tcPr/>
+                </a:tc>
+                <a:tc>
+                  <a:txBody>
+                    <a:bodyPr/>
+                    <a:lstStyle/>
+                    <a:p>
+                      <a:pPr algn="l" fontAlgn="b"/>
+                      <a:r>
+                        <a:rPr lang="en-IN" sz="1800" b="0" i="0" u="none" strike="noStrike">
+                          <a:solidFill>
+                            <a:srgbClr val="000000"/>
+                          </a:solidFill>
+                          <a:effectLst/>
+                          <a:latin typeface="Calibri" panose="020F0502020204030204" pitchFamily="34" charset="0"/>
+                        </a:rPr>
+                        <a:t>Length</a:t>
+                      </a:r>
+                    </a:p>
+                  </a:txBody>
+                  <a:tcPr marL="9480" marR="9480" marT="9480" marB="0" anchor="b">
+                    <a:lnL w="6350" cap="flat" cmpd="sng" algn="ctr">
+                      <a:solidFill>
+                        <a:srgbClr val="000000"/>
+                      </a:solidFill>
+                      <a:prstDash val="solid"/>
+                      <a:round/>
+                      <a:headEnd type="none" w="med" len="med"/>
+                      <a:tailEnd type="none" w="med" len="med"/>
+                    </a:lnL>
+                    <a:lnR>
+                      <a:noFill/>
+                    </a:lnR>
+                    <a:lnT>
+                      <a:noFill/>
+                    </a:lnT>
+                    <a:lnB>
+                      <a:noFill/>
+                    </a:lnB>
+                    <a:solidFill>
+                      <a:srgbClr val="FCE4D6"/>
+                    </a:solidFill>
+                  </a:tcPr>
+                </a:tc>
+                <a:tc>
+                  <a:txBody>
+                    <a:bodyPr/>
+                    <a:lstStyle/>
+                    <a:p>
+                      <a:pPr algn="l" fontAlgn="b"/>
+                      <a:r>
+                        <a:rPr lang="en-IN" sz="1800" b="0" i="0" u="none" strike="noStrike">
+                          <a:solidFill>
+                            <a:srgbClr val="000000"/>
+                          </a:solidFill>
+                          <a:effectLst/>
+                          <a:latin typeface="Calibri" panose="020F0502020204030204" pitchFamily="34" charset="0"/>
+                        </a:rPr>
+                        <a:t>Density</a:t>
+                      </a:r>
+                    </a:p>
+                  </a:txBody>
+                  <a:tcPr marL="9480" marR="9480" marT="9480" marB="0" anchor="b">
+                    <a:lnL>
+                      <a:noFill/>
+                    </a:lnL>
+                    <a:lnR>
+                      <a:noFill/>
+                    </a:lnR>
+                    <a:lnT>
+                      <a:noFill/>
+                    </a:lnT>
+                    <a:lnB>
+                      <a:noFill/>
+                    </a:lnB>
+                    <a:solidFill>
+                      <a:srgbClr val="BDD7EE"/>
+                    </a:solidFill>
+                  </a:tcPr>
+                </a:tc>
+                <a:tc>
+                  <a:txBody>
+                    <a:bodyPr/>
+                    <a:lstStyle/>
+                    <a:p>
+                      <a:pPr algn="l" fontAlgn="b"/>
+                      <a:r>
+                        <a:rPr lang="en-IN" sz="1800" b="0" i="0" u="none" strike="noStrike">
+                          <a:solidFill>
+                            <a:srgbClr val="000000"/>
+                          </a:solidFill>
+                          <a:effectLst/>
+                          <a:latin typeface="Calibri" panose="020F0502020204030204" pitchFamily="34" charset="0"/>
+                        </a:rPr>
+                        <a:t>Hue</a:t>
+                      </a:r>
+                    </a:p>
+                  </a:txBody>
+                  <a:tcPr marL="9480" marR="9480" marT="9480" marB="0" anchor="b">
+                    <a:lnL>
+                      <a:noFill/>
+                    </a:lnL>
+                    <a:lnR w="6350" cap="flat" cmpd="sng" algn="ctr">
+                      <a:solidFill>
+                        <a:srgbClr val="000000"/>
+                      </a:solidFill>
+                      <a:prstDash val="solid"/>
+                      <a:round/>
+                      <a:headEnd type="none" w="med" len="med"/>
+                      <a:tailEnd type="none" w="med" len="med"/>
+                    </a:lnR>
+                    <a:lnT>
+                      <a:noFill/>
+                    </a:lnT>
+                    <a:lnB>
+                      <a:noFill/>
+                    </a:lnB>
+                    <a:pattFill prst="dkHorz">
+                      <a:fgClr>
+                        <a:srgbClr val="BDD7EE"/>
+                      </a:fgClr>
+                      <a:bgClr>
+                        <a:srgbClr val="FFFFFF"/>
+                      </a:bgClr>
+                    </a:pattFill>
+                  </a:tcPr>
+                </a:tc>
+                <a:extLst>
+                  <a:ext uri="{0D108BD9-81ED-4DB2-BD59-A6C34878D82A}">
+                    <a16:rowId xmlns:a16="http://schemas.microsoft.com/office/drawing/2014/main" val="1839565428"/>
+                  </a:ext>
+                </a:extLst>
+              </a:tr>
+              <a:tr h="293881">
+                <a:tc vMerge="1">
+                  <a:txBody>
+                    <a:bodyPr/>
+                    <a:lstStyle/>
+                    <a:p>
+                      <a:endParaRPr lang="en-IN"/>
+                    </a:p>
+                  </a:txBody>
+                  <a:tcPr/>
+                </a:tc>
+                <a:tc>
+                  <a:txBody>
+                    <a:bodyPr/>
+                    <a:lstStyle/>
+                    <a:p>
+                      <a:pPr algn="l" fontAlgn="b"/>
+                      <a:r>
+                        <a:rPr lang="en-IN" sz="1800" b="0" i="0" u="none" strike="noStrike">
+                          <a:solidFill>
+                            <a:srgbClr val="000000"/>
+                          </a:solidFill>
+                          <a:effectLst/>
+                          <a:latin typeface="Calibri" panose="020F0502020204030204" pitchFamily="34" charset="0"/>
+                        </a:rPr>
+                        <a:t>Angle</a:t>
+                      </a:r>
+                    </a:p>
+                  </a:txBody>
+                  <a:tcPr marL="9480" marR="9480" marT="9480" marB="0" anchor="b">
+                    <a:lnL w="6350" cap="flat" cmpd="sng" algn="ctr">
+                      <a:solidFill>
+                        <a:srgbClr val="000000"/>
+                      </a:solidFill>
+                      <a:prstDash val="solid"/>
+                      <a:round/>
+                      <a:headEnd type="none" w="med" len="med"/>
+                      <a:tailEnd type="none" w="med" len="med"/>
+                    </a:lnL>
+                    <a:lnR>
+                      <a:noFill/>
+                    </a:lnR>
+                    <a:lnT>
+                      <a:noFill/>
+                    </a:lnT>
+                    <a:lnB>
+                      <a:noFill/>
+                    </a:lnB>
+                    <a:solidFill>
+                      <a:srgbClr val="FCE4D6"/>
+                    </a:solidFill>
+                  </a:tcPr>
+                </a:tc>
+                <a:tc>
+                  <a:txBody>
+                    <a:bodyPr/>
+                    <a:lstStyle/>
+                    <a:p>
+                      <a:pPr algn="l" fontAlgn="b"/>
+                      <a:r>
+                        <a:rPr lang="en-IN" sz="1800" b="0" i="0" u="none" strike="noStrike">
+                          <a:solidFill>
+                            <a:srgbClr val="000000"/>
+                          </a:solidFill>
+                          <a:effectLst/>
+                          <a:latin typeface="Calibri" panose="020F0502020204030204" pitchFamily="34" charset="0"/>
+                        </a:rPr>
+                        <a:t>Saturation</a:t>
+                      </a:r>
+                    </a:p>
+                  </a:txBody>
+                  <a:tcPr marL="9480" marR="9480" marT="9480" marB="0" anchor="b">
+                    <a:lnL>
+                      <a:noFill/>
+                    </a:lnL>
+                    <a:lnR>
+                      <a:noFill/>
+                    </a:lnR>
+                    <a:lnT>
+                      <a:noFill/>
+                    </a:lnT>
+                    <a:lnB>
+                      <a:noFill/>
+                    </a:lnB>
+                    <a:solidFill>
+                      <a:srgbClr val="BDD7EE"/>
+                    </a:solidFill>
+                  </a:tcPr>
+                </a:tc>
+                <a:tc>
+                  <a:txBody>
+                    <a:bodyPr/>
+                    <a:lstStyle/>
+                    <a:p>
+                      <a:pPr algn="l" fontAlgn="b"/>
+                      <a:r>
+                        <a:rPr lang="en-IN" sz="1800" b="0" i="0" u="none" strike="noStrike">
+                          <a:solidFill>
+                            <a:srgbClr val="000000"/>
+                          </a:solidFill>
+                          <a:effectLst/>
+                          <a:latin typeface="Calibri" panose="020F0502020204030204" pitchFamily="34" charset="0"/>
+                        </a:rPr>
+                        <a:t>Texture</a:t>
+                      </a:r>
+                    </a:p>
+                  </a:txBody>
+                  <a:tcPr marL="9480" marR="9480" marT="9480" marB="0" anchor="b">
+                    <a:lnL>
+                      <a:noFill/>
+                    </a:lnL>
+                    <a:lnR w="6350" cap="flat" cmpd="sng" algn="ctr">
+                      <a:solidFill>
+                        <a:srgbClr val="000000"/>
+                      </a:solidFill>
+                      <a:prstDash val="solid"/>
+                      <a:round/>
+                      <a:headEnd type="none" w="med" len="med"/>
+                      <a:tailEnd type="none" w="med" len="med"/>
+                    </a:lnR>
+                    <a:lnT>
+                      <a:noFill/>
+                    </a:lnT>
+                    <a:lnB>
+                      <a:noFill/>
+                    </a:lnB>
+                    <a:pattFill prst="dkHorz">
+                      <a:fgClr>
+                        <a:srgbClr val="BDD7EE"/>
+                      </a:fgClr>
+                      <a:bgClr>
+                        <a:srgbClr val="FFFFFF"/>
+                      </a:bgClr>
+                    </a:pattFill>
+                  </a:tcPr>
+                </a:tc>
+                <a:extLst>
+                  <a:ext uri="{0D108BD9-81ED-4DB2-BD59-A6C34878D82A}">
+                    <a16:rowId xmlns:a16="http://schemas.microsoft.com/office/drawing/2014/main" val="4051744402"/>
+                  </a:ext>
+                </a:extLst>
+              </a:tr>
+              <a:tr h="293881">
+                <a:tc vMerge="1">
+                  <a:txBody>
+                    <a:bodyPr/>
+                    <a:lstStyle/>
+                    <a:p>
+                      <a:endParaRPr lang="en-IN"/>
+                    </a:p>
+                  </a:txBody>
+                  <a:tcPr/>
+                </a:tc>
+                <a:tc>
+                  <a:txBody>
+                    <a:bodyPr/>
+                    <a:lstStyle/>
+                    <a:p>
+                      <a:pPr algn="l" fontAlgn="b"/>
+                      <a:r>
+                        <a:rPr lang="en-IN" sz="1800" b="0" i="0" u="none" strike="noStrike">
+                          <a:solidFill>
+                            <a:srgbClr val="000000"/>
+                          </a:solidFill>
+                          <a:effectLst/>
+                          <a:latin typeface="Calibri" panose="020F0502020204030204" pitchFamily="34" charset="0"/>
+                        </a:rPr>
+                        <a:t>Slope</a:t>
+                      </a:r>
+                    </a:p>
+                  </a:txBody>
+                  <a:tcPr marL="9480" marR="9480" marT="9480" marB="0" anchor="b">
+                    <a:lnL w="6350" cap="flat" cmpd="sng" algn="ctr">
+                      <a:solidFill>
+                        <a:srgbClr val="000000"/>
+                      </a:solidFill>
+                      <a:prstDash val="solid"/>
+                      <a:round/>
+                      <a:headEnd type="none" w="med" len="med"/>
+                      <a:tailEnd type="none" w="med" len="med"/>
+                    </a:lnL>
+                    <a:lnR>
+                      <a:noFill/>
+                    </a:lnR>
+                    <a:lnT>
+                      <a:noFill/>
+                    </a:lnT>
+                    <a:lnB>
+                      <a:noFill/>
+                    </a:lnB>
+                    <a:solidFill>
+                      <a:srgbClr val="FCE4D6"/>
+                    </a:solidFill>
+                  </a:tcPr>
+                </a:tc>
+                <a:tc>
+                  <a:txBody>
+                    <a:bodyPr/>
+                    <a:lstStyle/>
+                    <a:p>
+                      <a:pPr algn="l" fontAlgn="b"/>
+                      <a:r>
+                        <a:rPr lang="en-IN" sz="1800" b="0" i="0" u="none" strike="noStrike">
+                          <a:solidFill>
+                            <a:srgbClr val="000000"/>
+                          </a:solidFill>
+                          <a:effectLst/>
+                          <a:latin typeface="Calibri" panose="020F0502020204030204" pitchFamily="34" charset="0"/>
+                        </a:rPr>
+                        <a:t>Hue</a:t>
+                      </a:r>
+                    </a:p>
+                  </a:txBody>
+                  <a:tcPr marL="9480" marR="9480" marT="9480" marB="0" anchor="b">
+                    <a:lnL>
+                      <a:noFill/>
+                    </a:lnL>
+                    <a:lnR>
+                      <a:noFill/>
+                    </a:lnR>
+                    <a:lnT>
+                      <a:noFill/>
+                    </a:lnT>
+                    <a:lnB>
+                      <a:noFill/>
+                    </a:lnB>
+                    <a:pattFill prst="dkHorz">
+                      <a:fgClr>
+                        <a:srgbClr val="BDD7EE"/>
+                      </a:fgClr>
+                      <a:bgClr>
+                        <a:srgbClr val="FFFFFF"/>
+                      </a:bgClr>
+                    </a:pattFill>
+                  </a:tcPr>
+                </a:tc>
+                <a:tc>
+                  <a:txBody>
+                    <a:bodyPr/>
+                    <a:lstStyle/>
+                    <a:p>
+                      <a:pPr algn="l" fontAlgn="b"/>
+                      <a:r>
+                        <a:rPr lang="en-IN" sz="1800" b="0" i="0" u="none" strike="noStrike">
+                          <a:solidFill>
+                            <a:srgbClr val="000000"/>
+                          </a:solidFill>
+                          <a:effectLst/>
+                          <a:latin typeface="Calibri" panose="020F0502020204030204" pitchFamily="34" charset="0"/>
+                        </a:rPr>
+                        <a:t>Connection</a:t>
+                      </a:r>
+                    </a:p>
+                  </a:txBody>
+                  <a:tcPr marL="9480" marR="9480" marT="9480" marB="0" anchor="b">
+                    <a:lnL>
+                      <a:noFill/>
+                    </a:lnL>
+                    <a:lnR w="6350" cap="flat" cmpd="sng" algn="ctr">
+                      <a:solidFill>
+                        <a:srgbClr val="000000"/>
+                      </a:solidFill>
+                      <a:prstDash val="solid"/>
+                      <a:round/>
+                      <a:headEnd type="none" w="med" len="med"/>
+                      <a:tailEnd type="none" w="med" len="med"/>
+                    </a:lnR>
+                    <a:lnT>
+                      <a:noFill/>
+                    </a:lnT>
+                    <a:lnB>
+                      <a:noFill/>
+                    </a:lnB>
+                    <a:pattFill prst="dkHorz">
+                      <a:fgClr>
+                        <a:srgbClr val="BDD7EE"/>
+                      </a:fgClr>
+                      <a:bgClr>
+                        <a:srgbClr val="FFFFFF"/>
+                      </a:bgClr>
+                    </a:pattFill>
+                  </a:tcPr>
+                </a:tc>
+                <a:extLst>
+                  <a:ext uri="{0D108BD9-81ED-4DB2-BD59-A6C34878D82A}">
+                    <a16:rowId xmlns:a16="http://schemas.microsoft.com/office/drawing/2014/main" val="2075964631"/>
+                  </a:ext>
+                </a:extLst>
+              </a:tr>
+              <a:tr h="293881">
+                <a:tc vMerge="1">
+                  <a:txBody>
+                    <a:bodyPr/>
+                    <a:lstStyle/>
+                    <a:p>
+                      <a:endParaRPr lang="en-IN"/>
+                    </a:p>
+                  </a:txBody>
+                  <a:tcPr/>
+                </a:tc>
+                <a:tc>
+                  <a:txBody>
+                    <a:bodyPr/>
+                    <a:lstStyle/>
+                    <a:p>
+                      <a:pPr algn="l" fontAlgn="b"/>
+                      <a:r>
+                        <a:rPr lang="en-IN" sz="1800" b="0" i="0" u="none" strike="noStrike">
+                          <a:solidFill>
+                            <a:srgbClr val="000000"/>
+                          </a:solidFill>
+                          <a:effectLst/>
+                          <a:latin typeface="Calibri" panose="020F0502020204030204" pitchFamily="34" charset="0"/>
+                        </a:rPr>
+                        <a:t>Area</a:t>
+                      </a:r>
+                    </a:p>
+                  </a:txBody>
+                  <a:tcPr marL="9480" marR="9480" marT="9480" marB="0" anchor="b">
+                    <a:lnL w="6350" cap="flat" cmpd="sng" algn="ctr">
+                      <a:solidFill>
+                        <a:srgbClr val="000000"/>
+                      </a:solidFill>
+                      <a:prstDash val="solid"/>
+                      <a:round/>
+                      <a:headEnd type="none" w="med" len="med"/>
+                      <a:tailEnd type="none" w="med" len="med"/>
+                    </a:lnL>
+                    <a:lnR>
+                      <a:noFill/>
+                    </a:lnR>
+                    <a:lnT>
+                      <a:noFill/>
+                    </a:lnT>
+                    <a:lnB>
+                      <a:noFill/>
+                    </a:lnB>
+                    <a:solidFill>
+                      <a:srgbClr val="FCE4D6"/>
+                    </a:solidFill>
+                  </a:tcPr>
+                </a:tc>
+                <a:tc>
+                  <a:txBody>
+                    <a:bodyPr/>
+                    <a:lstStyle/>
+                    <a:p>
+                      <a:pPr algn="l" fontAlgn="b"/>
+                      <a:r>
+                        <a:rPr lang="en-IN" sz="1800" b="0" i="0" u="none" strike="noStrike">
+                          <a:solidFill>
+                            <a:srgbClr val="000000"/>
+                          </a:solidFill>
+                          <a:effectLst/>
+                          <a:latin typeface="Calibri" panose="020F0502020204030204" pitchFamily="34" charset="0"/>
+                        </a:rPr>
+                        <a:t>Texture</a:t>
+                      </a:r>
+                    </a:p>
+                  </a:txBody>
+                  <a:tcPr marL="9480" marR="9480" marT="9480" marB="0" anchor="b">
+                    <a:lnL>
+                      <a:noFill/>
+                    </a:lnL>
+                    <a:lnR>
+                      <a:noFill/>
+                    </a:lnR>
+                    <a:lnT>
+                      <a:noFill/>
+                    </a:lnT>
+                    <a:lnB>
+                      <a:noFill/>
+                    </a:lnB>
+                    <a:pattFill prst="dkHorz">
+                      <a:fgClr>
+                        <a:srgbClr val="BDD7EE"/>
+                      </a:fgClr>
+                      <a:bgClr>
+                        <a:srgbClr val="FFFFFF"/>
+                      </a:bgClr>
+                    </a:pattFill>
+                  </a:tcPr>
+                </a:tc>
+                <a:tc>
+                  <a:txBody>
+                    <a:bodyPr/>
+                    <a:lstStyle/>
+                    <a:p>
+                      <a:pPr algn="l" fontAlgn="b"/>
+                      <a:r>
+                        <a:rPr lang="en-IN" sz="1800" b="0" i="0" u="none" strike="noStrike">
+                          <a:solidFill>
+                            <a:srgbClr val="000000"/>
+                          </a:solidFill>
+                          <a:effectLst/>
+                          <a:latin typeface="Calibri" panose="020F0502020204030204" pitchFamily="34" charset="0"/>
+                        </a:rPr>
+                        <a:t>Containment</a:t>
+                      </a:r>
+                    </a:p>
+                  </a:txBody>
+                  <a:tcPr marL="9480" marR="9480" marT="9480" marB="0" anchor="b">
+                    <a:lnL>
+                      <a:noFill/>
+                    </a:lnL>
+                    <a:lnR w="6350" cap="flat" cmpd="sng" algn="ctr">
+                      <a:solidFill>
+                        <a:srgbClr val="000000"/>
+                      </a:solidFill>
+                      <a:prstDash val="solid"/>
+                      <a:round/>
+                      <a:headEnd type="none" w="med" len="med"/>
+                      <a:tailEnd type="none" w="med" len="med"/>
+                    </a:lnR>
+                    <a:lnT>
+                      <a:noFill/>
+                    </a:lnT>
+                    <a:lnB>
+                      <a:noFill/>
+                    </a:lnB>
+                    <a:pattFill prst="dkHorz">
+                      <a:fgClr>
+                        <a:srgbClr val="BDD7EE"/>
+                      </a:fgClr>
+                      <a:bgClr>
+                        <a:srgbClr val="FFFFFF"/>
+                      </a:bgClr>
+                    </a:pattFill>
+                  </a:tcPr>
+                </a:tc>
+                <a:extLst>
+                  <a:ext uri="{0D108BD9-81ED-4DB2-BD59-A6C34878D82A}">
+                    <a16:rowId xmlns:a16="http://schemas.microsoft.com/office/drawing/2014/main" val="784909790"/>
+                  </a:ext>
+                </a:extLst>
+              </a:tr>
+              <a:tr h="293881">
+                <a:tc vMerge="1">
+                  <a:txBody>
+                    <a:bodyPr/>
+                    <a:lstStyle/>
+                    <a:p>
+                      <a:endParaRPr lang="en-IN"/>
+                    </a:p>
+                  </a:txBody>
+                  <a:tcPr/>
+                </a:tc>
+                <a:tc>
+                  <a:txBody>
+                    <a:bodyPr/>
+                    <a:lstStyle/>
+                    <a:p>
+                      <a:pPr algn="l" fontAlgn="b"/>
+                      <a:r>
+                        <a:rPr lang="en-IN" sz="1800" b="0" i="0" u="none" strike="noStrike">
+                          <a:solidFill>
+                            <a:srgbClr val="000000"/>
+                          </a:solidFill>
+                          <a:effectLst/>
+                          <a:latin typeface="Calibri" panose="020F0502020204030204" pitchFamily="34" charset="0"/>
+                        </a:rPr>
+                        <a:t>Volume</a:t>
+                      </a:r>
+                    </a:p>
+                  </a:txBody>
+                  <a:tcPr marL="9480" marR="9480" marT="9480" marB="0" anchor="b">
+                    <a:lnL w="6350" cap="flat" cmpd="sng" algn="ctr">
+                      <a:solidFill>
+                        <a:srgbClr val="000000"/>
+                      </a:solidFill>
+                      <a:prstDash val="solid"/>
+                      <a:round/>
+                      <a:headEnd type="none" w="med" len="med"/>
+                      <a:tailEnd type="none" w="med" len="med"/>
+                    </a:lnL>
+                    <a:lnR>
+                      <a:noFill/>
+                    </a:lnR>
+                    <a:lnT>
+                      <a:noFill/>
+                    </a:lnT>
+                    <a:lnB>
+                      <a:noFill/>
+                    </a:lnB>
+                    <a:solidFill>
+                      <a:srgbClr val="FCE4D6"/>
+                    </a:solidFill>
+                  </a:tcPr>
+                </a:tc>
+                <a:tc>
+                  <a:txBody>
+                    <a:bodyPr/>
+                    <a:lstStyle/>
+                    <a:p>
+                      <a:pPr algn="l" fontAlgn="b"/>
+                      <a:r>
+                        <a:rPr lang="en-IN" sz="1800" b="0" i="0" u="none" strike="noStrike">
+                          <a:solidFill>
+                            <a:srgbClr val="000000"/>
+                          </a:solidFill>
+                          <a:effectLst/>
+                          <a:latin typeface="Calibri" panose="020F0502020204030204" pitchFamily="34" charset="0"/>
+                        </a:rPr>
+                        <a:t>Connection</a:t>
+                      </a:r>
+                    </a:p>
+                  </a:txBody>
+                  <a:tcPr marL="9480" marR="9480" marT="9480" marB="0" anchor="b">
+                    <a:lnL>
+                      <a:noFill/>
+                    </a:lnL>
+                    <a:lnR>
+                      <a:noFill/>
+                    </a:lnR>
+                    <a:lnT>
+                      <a:noFill/>
+                    </a:lnT>
+                    <a:lnB>
+                      <a:noFill/>
+                    </a:lnB>
+                    <a:pattFill prst="dkHorz">
+                      <a:fgClr>
+                        <a:srgbClr val="BDD7EE"/>
+                      </a:fgClr>
+                      <a:bgClr>
+                        <a:srgbClr val="FFFFFF"/>
+                      </a:bgClr>
+                    </a:pattFill>
+                  </a:tcPr>
+                </a:tc>
+                <a:tc>
+                  <a:txBody>
+                    <a:bodyPr/>
+                    <a:lstStyle/>
+                    <a:p>
+                      <a:pPr algn="l" fontAlgn="b"/>
+                      <a:r>
+                        <a:rPr lang="en-IN" sz="1800" b="0" i="0" u="none" strike="noStrike">
+                          <a:solidFill>
+                            <a:srgbClr val="000000"/>
+                          </a:solidFill>
+                          <a:effectLst/>
+                          <a:latin typeface="Calibri" panose="020F0502020204030204" pitchFamily="34" charset="0"/>
+                        </a:rPr>
+                        <a:t>Density</a:t>
+                      </a:r>
+                    </a:p>
+                  </a:txBody>
+                  <a:tcPr marL="9480" marR="9480" marT="9480" marB="0" anchor="b">
+                    <a:lnL>
+                      <a:noFill/>
+                    </a:lnL>
+                    <a:lnR w="6350" cap="flat" cmpd="sng" algn="ctr">
+                      <a:solidFill>
+                        <a:srgbClr val="000000"/>
+                      </a:solidFill>
+                      <a:prstDash val="solid"/>
+                      <a:round/>
+                      <a:headEnd type="none" w="med" len="med"/>
+                      <a:tailEnd type="none" w="med" len="med"/>
+                    </a:lnR>
+                    <a:lnT>
+                      <a:noFill/>
+                    </a:lnT>
+                    <a:lnB>
+                      <a:noFill/>
+                    </a:lnB>
+                    <a:solidFill>
+                      <a:srgbClr val="BDD7EE"/>
+                    </a:solidFill>
+                  </a:tcPr>
+                </a:tc>
+                <a:extLst>
+                  <a:ext uri="{0D108BD9-81ED-4DB2-BD59-A6C34878D82A}">
+                    <a16:rowId xmlns:a16="http://schemas.microsoft.com/office/drawing/2014/main" val="352661884"/>
+                  </a:ext>
+                </a:extLst>
+              </a:tr>
+              <a:tr h="293881">
+                <a:tc vMerge="1">
+                  <a:txBody>
+                    <a:bodyPr/>
+                    <a:lstStyle/>
+                    <a:p>
+                      <a:endParaRPr lang="en-IN"/>
+                    </a:p>
+                  </a:txBody>
+                  <a:tcPr/>
+                </a:tc>
+                <a:tc>
+                  <a:txBody>
+                    <a:bodyPr/>
+                    <a:lstStyle/>
+                    <a:p>
+                      <a:pPr algn="l" fontAlgn="b"/>
+                      <a:r>
+                        <a:rPr lang="en-IN" sz="1800" b="0" i="0" u="none" strike="noStrike">
+                          <a:solidFill>
+                            <a:srgbClr val="000000"/>
+                          </a:solidFill>
+                          <a:effectLst/>
+                          <a:latin typeface="Calibri" panose="020F0502020204030204" pitchFamily="34" charset="0"/>
+                        </a:rPr>
+                        <a:t>Density</a:t>
+                      </a:r>
+                    </a:p>
+                  </a:txBody>
+                  <a:tcPr marL="9480" marR="9480" marT="9480" marB="0" anchor="b">
+                    <a:lnL w="6350" cap="flat" cmpd="sng" algn="ctr">
+                      <a:solidFill>
+                        <a:srgbClr val="000000"/>
+                      </a:solidFill>
+                      <a:prstDash val="solid"/>
+                      <a:round/>
+                      <a:headEnd type="none" w="med" len="med"/>
+                      <a:tailEnd type="none" w="med" len="med"/>
+                    </a:lnL>
+                    <a:lnR>
+                      <a:noFill/>
+                    </a:lnR>
+                    <a:lnT>
+                      <a:noFill/>
+                    </a:lnT>
+                    <a:lnB>
+                      <a:noFill/>
+                    </a:lnB>
+                    <a:solidFill>
+                      <a:srgbClr val="BDD7EE"/>
+                    </a:solidFill>
+                  </a:tcPr>
+                </a:tc>
+                <a:tc>
+                  <a:txBody>
+                    <a:bodyPr/>
+                    <a:lstStyle/>
+                    <a:p>
+                      <a:pPr algn="l" fontAlgn="b"/>
+                      <a:r>
+                        <a:rPr lang="en-IN" sz="1800" b="0" i="0" u="none" strike="noStrike">
+                          <a:solidFill>
+                            <a:srgbClr val="000000"/>
+                          </a:solidFill>
+                          <a:effectLst/>
+                          <a:latin typeface="Calibri" panose="020F0502020204030204" pitchFamily="34" charset="0"/>
+                        </a:rPr>
+                        <a:t>Containment</a:t>
+                      </a:r>
+                    </a:p>
+                  </a:txBody>
+                  <a:tcPr marL="9480" marR="9480" marT="9480" marB="0" anchor="b">
+                    <a:lnL>
+                      <a:noFill/>
+                    </a:lnL>
+                    <a:lnR>
+                      <a:noFill/>
+                    </a:lnR>
+                    <a:lnT>
+                      <a:noFill/>
+                    </a:lnT>
+                    <a:lnB>
+                      <a:noFill/>
+                    </a:lnB>
+                    <a:pattFill prst="dkHorz">
+                      <a:fgClr>
+                        <a:srgbClr val="BDD7EE"/>
+                      </a:fgClr>
+                      <a:bgClr>
+                        <a:srgbClr val="FFFFFF"/>
+                      </a:bgClr>
+                    </a:pattFill>
+                  </a:tcPr>
+                </a:tc>
+                <a:tc>
+                  <a:txBody>
+                    <a:bodyPr/>
+                    <a:lstStyle/>
+                    <a:p>
+                      <a:pPr algn="l" fontAlgn="b"/>
+                      <a:r>
+                        <a:rPr lang="en-IN" sz="1800" b="0" i="0" u="none" strike="noStrike">
+                          <a:solidFill>
+                            <a:srgbClr val="000000"/>
+                          </a:solidFill>
+                          <a:effectLst/>
+                          <a:latin typeface="Calibri" panose="020F0502020204030204" pitchFamily="34" charset="0"/>
+                        </a:rPr>
+                        <a:t>Saturation</a:t>
+                      </a:r>
+                    </a:p>
+                  </a:txBody>
+                  <a:tcPr marL="9480" marR="9480" marT="9480" marB="0" anchor="b">
+                    <a:lnL>
+                      <a:noFill/>
+                    </a:lnL>
+                    <a:lnR w="6350" cap="flat" cmpd="sng" algn="ctr">
+                      <a:solidFill>
+                        <a:srgbClr val="000000"/>
+                      </a:solidFill>
+                      <a:prstDash val="solid"/>
+                      <a:round/>
+                      <a:headEnd type="none" w="med" len="med"/>
+                      <a:tailEnd type="none" w="med" len="med"/>
+                    </a:lnR>
+                    <a:lnT>
+                      <a:noFill/>
+                    </a:lnT>
+                    <a:lnB>
+                      <a:noFill/>
+                    </a:lnB>
+                    <a:solidFill>
+                      <a:srgbClr val="BDD7EE"/>
+                    </a:solidFill>
+                  </a:tcPr>
+                </a:tc>
+                <a:extLst>
+                  <a:ext uri="{0D108BD9-81ED-4DB2-BD59-A6C34878D82A}">
+                    <a16:rowId xmlns:a16="http://schemas.microsoft.com/office/drawing/2014/main" val="3355959222"/>
+                  </a:ext>
+                </a:extLst>
+              </a:tr>
+              <a:tr h="293881">
+                <a:tc vMerge="1">
+                  <a:txBody>
+                    <a:bodyPr/>
+                    <a:lstStyle/>
+                    <a:p>
+                      <a:endParaRPr lang="en-IN"/>
+                    </a:p>
+                  </a:txBody>
+                  <a:tcPr/>
+                </a:tc>
+                <a:tc>
+                  <a:txBody>
+                    <a:bodyPr/>
+                    <a:lstStyle/>
+                    <a:p>
+                      <a:pPr algn="l" fontAlgn="b"/>
+                      <a:r>
+                        <a:rPr lang="en-IN" sz="1800" b="0" i="0" u="none" strike="noStrike">
+                          <a:solidFill>
+                            <a:srgbClr val="000000"/>
+                          </a:solidFill>
+                          <a:effectLst/>
+                          <a:latin typeface="Calibri" panose="020F0502020204030204" pitchFamily="34" charset="0"/>
+                        </a:rPr>
+                        <a:t>Saturation</a:t>
+                      </a:r>
+                    </a:p>
+                  </a:txBody>
+                  <a:tcPr marL="9480" marR="9480" marT="9480" marB="0" anchor="b">
+                    <a:lnL w="6350" cap="flat" cmpd="sng" algn="ctr">
+                      <a:solidFill>
+                        <a:srgbClr val="000000"/>
+                      </a:solidFill>
+                      <a:prstDash val="solid"/>
+                      <a:round/>
+                      <a:headEnd type="none" w="med" len="med"/>
+                      <a:tailEnd type="none" w="med" len="med"/>
+                    </a:lnL>
+                    <a:lnR>
+                      <a:noFill/>
+                    </a:lnR>
+                    <a:lnT>
+                      <a:noFill/>
+                    </a:lnT>
+                    <a:lnB>
+                      <a:noFill/>
+                    </a:lnB>
+                    <a:solidFill>
+                      <a:srgbClr val="BDD7EE"/>
+                    </a:solidFill>
+                  </a:tcPr>
+                </a:tc>
+                <a:tc>
+                  <a:txBody>
+                    <a:bodyPr/>
+                    <a:lstStyle/>
+                    <a:p>
+                      <a:pPr algn="l" fontAlgn="b"/>
+                      <a:r>
+                        <a:rPr lang="en-IN" sz="1800" b="0" i="0" u="none" strike="noStrike">
+                          <a:solidFill>
+                            <a:srgbClr val="000000"/>
+                          </a:solidFill>
+                          <a:effectLst/>
+                          <a:latin typeface="Calibri" panose="020F0502020204030204" pitchFamily="34" charset="0"/>
+                        </a:rPr>
+                        <a:t>Length</a:t>
+                      </a:r>
+                    </a:p>
+                  </a:txBody>
+                  <a:tcPr marL="9480" marR="9480" marT="9480" marB="0" anchor="b">
+                    <a:lnL>
+                      <a:noFill/>
+                    </a:lnL>
+                    <a:lnR>
+                      <a:noFill/>
+                    </a:lnR>
+                    <a:lnT>
+                      <a:noFill/>
+                    </a:lnT>
+                    <a:lnB>
+                      <a:noFill/>
+                    </a:lnB>
+                    <a:solidFill>
+                      <a:srgbClr val="FCE4D6"/>
+                    </a:solidFill>
+                  </a:tcPr>
+                </a:tc>
+                <a:tc>
+                  <a:txBody>
+                    <a:bodyPr/>
+                    <a:lstStyle/>
+                    <a:p>
+                      <a:pPr algn="l" fontAlgn="b"/>
+                      <a:r>
+                        <a:rPr lang="en-IN" sz="1800" b="0" i="0" u="none" strike="noStrike">
+                          <a:solidFill>
+                            <a:srgbClr val="000000"/>
+                          </a:solidFill>
+                          <a:effectLst/>
+                          <a:latin typeface="Calibri" panose="020F0502020204030204" pitchFamily="34" charset="0"/>
+                        </a:rPr>
+                        <a:t>Shape</a:t>
+                      </a:r>
+                    </a:p>
+                  </a:txBody>
+                  <a:tcPr marL="9480" marR="9480" marT="9480" marB="0" anchor="b">
+                    <a:lnL>
+                      <a:noFill/>
+                    </a:lnL>
+                    <a:lnR w="6350" cap="flat" cmpd="sng" algn="ctr">
+                      <a:solidFill>
+                        <a:srgbClr val="000000"/>
+                      </a:solidFill>
+                      <a:prstDash val="solid"/>
+                      <a:round/>
+                      <a:headEnd type="none" w="med" len="med"/>
+                      <a:tailEnd type="none" w="med" len="med"/>
+                    </a:lnR>
+                    <a:lnT>
+                      <a:noFill/>
+                    </a:lnT>
+                    <a:lnB>
+                      <a:noFill/>
+                    </a:lnB>
+                  </a:tcPr>
+                </a:tc>
+                <a:extLst>
+                  <a:ext uri="{0D108BD9-81ED-4DB2-BD59-A6C34878D82A}">
+                    <a16:rowId xmlns:a16="http://schemas.microsoft.com/office/drawing/2014/main" val="368053811"/>
+                  </a:ext>
+                </a:extLst>
+              </a:tr>
+              <a:tr h="293881">
+                <a:tc vMerge="1">
+                  <a:txBody>
+                    <a:bodyPr/>
+                    <a:lstStyle/>
+                    <a:p>
+                      <a:endParaRPr lang="en-IN"/>
+                    </a:p>
+                  </a:txBody>
+                  <a:tcPr/>
+                </a:tc>
+                <a:tc>
+                  <a:txBody>
+                    <a:bodyPr/>
+                    <a:lstStyle/>
+                    <a:p>
+                      <a:pPr algn="l" fontAlgn="b"/>
+                      <a:r>
+                        <a:rPr lang="en-IN" sz="1800" b="0" i="0" u="none" strike="noStrike">
+                          <a:solidFill>
+                            <a:srgbClr val="000000"/>
+                          </a:solidFill>
+                          <a:effectLst/>
+                          <a:latin typeface="Calibri" panose="020F0502020204030204" pitchFamily="34" charset="0"/>
+                        </a:rPr>
+                        <a:t>Hue</a:t>
+                      </a:r>
+                    </a:p>
+                  </a:txBody>
+                  <a:tcPr marL="9480" marR="9480" marT="9480" marB="0" anchor="b">
+                    <a:lnL w="6350" cap="flat" cmpd="sng" algn="ctr">
+                      <a:solidFill>
+                        <a:srgbClr val="000000"/>
+                      </a:solidFill>
+                      <a:prstDash val="solid"/>
+                      <a:round/>
+                      <a:headEnd type="none" w="med" len="med"/>
+                      <a:tailEnd type="none" w="med" len="med"/>
+                    </a:lnL>
+                    <a:lnR>
+                      <a:noFill/>
+                    </a:lnR>
+                    <a:lnT>
+                      <a:noFill/>
+                    </a:lnT>
+                    <a:lnB>
+                      <a:noFill/>
+                    </a:lnB>
+                    <a:pattFill prst="dkHorz">
+                      <a:fgClr>
+                        <a:srgbClr val="BDD7EE"/>
+                      </a:fgClr>
+                      <a:bgClr>
+                        <a:srgbClr val="FFFFFF"/>
+                      </a:bgClr>
+                    </a:pattFill>
+                  </a:tcPr>
+                </a:tc>
+                <a:tc>
+                  <a:txBody>
+                    <a:bodyPr/>
+                    <a:lstStyle/>
+                    <a:p>
+                      <a:pPr algn="l" fontAlgn="b"/>
+                      <a:r>
+                        <a:rPr lang="en-IN" sz="1800" b="0" i="0" u="none" strike="noStrike">
+                          <a:solidFill>
+                            <a:srgbClr val="000000"/>
+                          </a:solidFill>
+                          <a:effectLst/>
+                          <a:latin typeface="Calibri" panose="020F0502020204030204" pitchFamily="34" charset="0"/>
+                        </a:rPr>
+                        <a:t>Angle</a:t>
+                      </a:r>
+                    </a:p>
+                  </a:txBody>
+                  <a:tcPr marL="9480" marR="9480" marT="9480" marB="0" anchor="b">
+                    <a:lnL>
+                      <a:noFill/>
+                    </a:lnL>
+                    <a:lnR>
+                      <a:noFill/>
+                    </a:lnR>
+                    <a:lnT>
+                      <a:noFill/>
+                    </a:lnT>
+                    <a:lnB>
+                      <a:noFill/>
+                    </a:lnB>
+                    <a:solidFill>
+                      <a:srgbClr val="FCE4D6"/>
+                    </a:solidFill>
+                  </a:tcPr>
+                </a:tc>
+                <a:tc>
+                  <a:txBody>
+                    <a:bodyPr/>
+                    <a:lstStyle/>
+                    <a:p>
+                      <a:pPr algn="l" fontAlgn="b"/>
+                      <a:r>
+                        <a:rPr lang="en-IN" sz="1800" b="0" i="0" u="none" strike="noStrike">
+                          <a:solidFill>
+                            <a:srgbClr val="000000"/>
+                          </a:solidFill>
+                          <a:effectLst/>
+                          <a:latin typeface="Calibri" panose="020F0502020204030204" pitchFamily="34" charset="0"/>
+                        </a:rPr>
+                        <a:t>Length</a:t>
+                      </a:r>
+                    </a:p>
+                  </a:txBody>
+                  <a:tcPr marL="9480" marR="9480" marT="9480" marB="0" anchor="b">
+                    <a:lnL>
+                      <a:noFill/>
+                    </a:lnL>
+                    <a:lnR w="6350" cap="flat" cmpd="sng" algn="ctr">
+                      <a:solidFill>
+                        <a:srgbClr val="000000"/>
+                      </a:solidFill>
+                      <a:prstDash val="solid"/>
+                      <a:round/>
+                      <a:headEnd type="none" w="med" len="med"/>
+                      <a:tailEnd type="none" w="med" len="med"/>
+                    </a:lnR>
+                    <a:lnT>
+                      <a:noFill/>
+                    </a:lnT>
+                    <a:lnB>
+                      <a:noFill/>
+                    </a:lnB>
+                    <a:solidFill>
+                      <a:srgbClr val="FCE4D6"/>
+                    </a:solidFill>
+                  </a:tcPr>
+                </a:tc>
+                <a:extLst>
+                  <a:ext uri="{0D108BD9-81ED-4DB2-BD59-A6C34878D82A}">
+                    <a16:rowId xmlns:a16="http://schemas.microsoft.com/office/drawing/2014/main" val="2158278155"/>
+                  </a:ext>
+                </a:extLst>
+              </a:tr>
+              <a:tr h="293881">
+                <a:tc vMerge="1">
+                  <a:txBody>
+                    <a:bodyPr/>
+                    <a:lstStyle/>
+                    <a:p>
+                      <a:endParaRPr lang="en-IN"/>
+                    </a:p>
+                  </a:txBody>
+                  <a:tcPr/>
+                </a:tc>
+                <a:tc>
+                  <a:txBody>
+                    <a:bodyPr/>
+                    <a:lstStyle/>
+                    <a:p>
+                      <a:pPr algn="l" fontAlgn="b"/>
+                      <a:endParaRPr lang="en-IN" sz="1800" b="0" i="0" u="none" strike="noStrike">
+                        <a:solidFill>
+                          <a:srgbClr val="000000"/>
+                        </a:solidFill>
+                        <a:effectLst/>
+                        <a:latin typeface="Calibri" panose="020F0502020204030204" pitchFamily="34" charset="0"/>
+                      </a:endParaRPr>
+                    </a:p>
+                  </a:txBody>
+                  <a:tcPr marL="9480" marR="9480" marT="9480" marB="0" anchor="b">
+                    <a:lnL w="6350" cap="flat" cmpd="sng" algn="ctr">
+                      <a:solidFill>
+                        <a:srgbClr val="000000"/>
+                      </a:solidFill>
+                      <a:prstDash val="solid"/>
+                      <a:round/>
+                      <a:headEnd type="none" w="med" len="med"/>
+                      <a:tailEnd type="none" w="med" len="med"/>
+                    </a:lnL>
+                    <a:lnR>
+                      <a:noFill/>
+                    </a:lnR>
+                    <a:lnT>
+                      <a:noFill/>
+                    </a:lnT>
+                    <a:lnB>
+                      <a:noFill/>
+                    </a:lnB>
+                  </a:tcPr>
+                </a:tc>
+                <a:tc>
+                  <a:txBody>
+                    <a:bodyPr/>
+                    <a:lstStyle/>
+                    <a:p>
+                      <a:pPr algn="l" fontAlgn="b"/>
+                      <a:r>
+                        <a:rPr lang="en-IN" sz="1800" b="0" i="0" u="none" strike="noStrike">
+                          <a:solidFill>
+                            <a:srgbClr val="000000"/>
+                          </a:solidFill>
+                          <a:effectLst/>
+                          <a:latin typeface="Calibri" panose="020F0502020204030204" pitchFamily="34" charset="0"/>
+                        </a:rPr>
+                        <a:t>Slope</a:t>
+                      </a:r>
+                    </a:p>
+                  </a:txBody>
+                  <a:tcPr marL="9480" marR="9480" marT="9480" marB="0" anchor="b">
+                    <a:lnL>
+                      <a:noFill/>
+                    </a:lnL>
+                    <a:lnR>
+                      <a:noFill/>
+                    </a:lnR>
+                    <a:lnT>
+                      <a:noFill/>
+                    </a:lnT>
+                    <a:lnB>
+                      <a:noFill/>
+                    </a:lnB>
+                    <a:solidFill>
+                      <a:srgbClr val="FCE4D6"/>
+                    </a:solidFill>
+                  </a:tcPr>
+                </a:tc>
+                <a:tc>
+                  <a:txBody>
+                    <a:bodyPr/>
+                    <a:lstStyle/>
+                    <a:p>
+                      <a:pPr algn="l" fontAlgn="b"/>
+                      <a:r>
+                        <a:rPr lang="en-IN" sz="1800" b="0" i="0" u="none" strike="noStrike">
+                          <a:solidFill>
+                            <a:srgbClr val="000000"/>
+                          </a:solidFill>
+                          <a:effectLst/>
+                          <a:latin typeface="Calibri" panose="020F0502020204030204" pitchFamily="34" charset="0"/>
+                        </a:rPr>
+                        <a:t>Angle</a:t>
+                      </a:r>
+                    </a:p>
+                  </a:txBody>
+                  <a:tcPr marL="9480" marR="9480" marT="9480" marB="0" anchor="b">
+                    <a:lnL>
+                      <a:noFill/>
+                    </a:lnL>
+                    <a:lnR w="6350" cap="flat" cmpd="sng" algn="ctr">
+                      <a:solidFill>
+                        <a:srgbClr val="000000"/>
+                      </a:solidFill>
+                      <a:prstDash val="solid"/>
+                      <a:round/>
+                      <a:headEnd type="none" w="med" len="med"/>
+                      <a:tailEnd type="none" w="med" len="med"/>
+                    </a:lnR>
+                    <a:lnT>
+                      <a:noFill/>
+                    </a:lnT>
+                    <a:lnB>
+                      <a:noFill/>
+                    </a:lnB>
+                    <a:solidFill>
+                      <a:srgbClr val="FCE4D6"/>
+                    </a:solidFill>
+                  </a:tcPr>
+                </a:tc>
+                <a:extLst>
+                  <a:ext uri="{0D108BD9-81ED-4DB2-BD59-A6C34878D82A}">
+                    <a16:rowId xmlns:a16="http://schemas.microsoft.com/office/drawing/2014/main" val="1770929867"/>
+                  </a:ext>
+                </a:extLst>
+              </a:tr>
+              <a:tr h="293881">
+                <a:tc vMerge="1">
+                  <a:txBody>
+                    <a:bodyPr/>
+                    <a:lstStyle/>
+                    <a:p>
+                      <a:endParaRPr lang="en-IN"/>
+                    </a:p>
+                  </a:txBody>
+                  <a:tcPr/>
+                </a:tc>
+                <a:tc>
+                  <a:txBody>
+                    <a:bodyPr/>
+                    <a:lstStyle/>
+                    <a:p>
+                      <a:pPr algn="l" fontAlgn="b"/>
+                      <a:endParaRPr lang="en-IN" sz="1800" b="0" i="0" u="none" strike="noStrike">
+                        <a:solidFill>
+                          <a:srgbClr val="000000"/>
+                        </a:solidFill>
+                        <a:effectLst/>
+                        <a:latin typeface="Calibri" panose="020F0502020204030204" pitchFamily="34" charset="0"/>
+                      </a:endParaRPr>
+                    </a:p>
+                  </a:txBody>
+                  <a:tcPr marL="9480" marR="9480" marT="9480" marB="0" anchor="b">
+                    <a:lnL w="6350" cap="flat" cmpd="sng" algn="ctr">
+                      <a:solidFill>
+                        <a:srgbClr val="000000"/>
+                      </a:solidFill>
+                      <a:prstDash val="solid"/>
+                      <a:round/>
+                      <a:headEnd type="none" w="med" len="med"/>
+                      <a:tailEnd type="none" w="med" len="med"/>
+                    </a:lnL>
+                    <a:lnR>
+                      <a:noFill/>
+                    </a:lnR>
+                    <a:lnT>
+                      <a:noFill/>
+                    </a:lnT>
+                    <a:lnB>
+                      <a:noFill/>
+                    </a:lnB>
+                  </a:tcPr>
+                </a:tc>
+                <a:tc>
+                  <a:txBody>
+                    <a:bodyPr/>
+                    <a:lstStyle/>
+                    <a:p>
+                      <a:pPr algn="l" fontAlgn="b"/>
+                      <a:r>
+                        <a:rPr lang="en-IN" sz="1800" b="0" i="0" u="none" strike="noStrike">
+                          <a:solidFill>
+                            <a:srgbClr val="000000"/>
+                          </a:solidFill>
+                          <a:effectLst/>
+                          <a:latin typeface="Calibri" panose="020F0502020204030204" pitchFamily="34" charset="0"/>
+                        </a:rPr>
+                        <a:t>Area</a:t>
+                      </a:r>
+                    </a:p>
+                  </a:txBody>
+                  <a:tcPr marL="9480" marR="9480" marT="9480" marB="0" anchor="b">
+                    <a:lnL>
+                      <a:noFill/>
+                    </a:lnL>
+                    <a:lnR>
+                      <a:noFill/>
+                    </a:lnR>
+                    <a:lnT>
+                      <a:noFill/>
+                    </a:lnT>
+                    <a:lnB>
+                      <a:noFill/>
+                    </a:lnB>
+                    <a:solidFill>
+                      <a:srgbClr val="FCE4D6"/>
+                    </a:solidFill>
+                  </a:tcPr>
+                </a:tc>
+                <a:tc>
+                  <a:txBody>
+                    <a:bodyPr/>
+                    <a:lstStyle/>
+                    <a:p>
+                      <a:pPr algn="l" fontAlgn="b"/>
+                      <a:r>
+                        <a:rPr lang="en-IN" sz="1800" b="0" i="0" u="none" strike="noStrike">
+                          <a:solidFill>
+                            <a:srgbClr val="000000"/>
+                          </a:solidFill>
+                          <a:effectLst/>
+                          <a:latin typeface="Calibri" panose="020F0502020204030204" pitchFamily="34" charset="0"/>
+                        </a:rPr>
+                        <a:t>Slope</a:t>
+                      </a:r>
+                    </a:p>
+                  </a:txBody>
+                  <a:tcPr marL="9480" marR="9480" marT="9480" marB="0" anchor="b">
+                    <a:lnL>
+                      <a:noFill/>
+                    </a:lnL>
+                    <a:lnR w="6350" cap="flat" cmpd="sng" algn="ctr">
+                      <a:solidFill>
+                        <a:srgbClr val="000000"/>
+                      </a:solidFill>
+                      <a:prstDash val="solid"/>
+                      <a:round/>
+                      <a:headEnd type="none" w="med" len="med"/>
+                      <a:tailEnd type="none" w="med" len="med"/>
+                    </a:lnR>
+                    <a:lnT>
+                      <a:noFill/>
+                    </a:lnT>
+                    <a:lnB>
+                      <a:noFill/>
+                    </a:lnB>
+                    <a:solidFill>
+                      <a:srgbClr val="FCE4D6"/>
+                    </a:solidFill>
+                  </a:tcPr>
+                </a:tc>
+                <a:extLst>
+                  <a:ext uri="{0D108BD9-81ED-4DB2-BD59-A6C34878D82A}">
+                    <a16:rowId xmlns:a16="http://schemas.microsoft.com/office/drawing/2014/main" val="900732717"/>
+                  </a:ext>
+                </a:extLst>
+              </a:tr>
+              <a:tr h="293881">
+                <a:tc vMerge="1">
+                  <a:txBody>
+                    <a:bodyPr/>
+                    <a:lstStyle/>
+                    <a:p>
+                      <a:endParaRPr lang="en-IN"/>
+                    </a:p>
+                  </a:txBody>
+                  <a:tcPr/>
+                </a:tc>
+                <a:tc>
+                  <a:txBody>
+                    <a:bodyPr/>
+                    <a:lstStyle/>
+                    <a:p>
+                      <a:pPr algn="l" fontAlgn="b"/>
+                      <a:endParaRPr lang="en-IN" sz="1800" b="0" i="0" u="none" strike="noStrike">
+                        <a:solidFill>
+                          <a:srgbClr val="000000"/>
+                        </a:solidFill>
+                        <a:effectLst/>
+                        <a:latin typeface="Calibri" panose="020F0502020204030204" pitchFamily="34" charset="0"/>
+                      </a:endParaRPr>
+                    </a:p>
+                  </a:txBody>
+                  <a:tcPr marL="9480" marR="9480" marT="9480" marB="0" anchor="b">
+                    <a:lnL w="6350" cap="flat" cmpd="sng" algn="ctr">
+                      <a:solidFill>
+                        <a:srgbClr val="000000"/>
+                      </a:solidFill>
+                      <a:prstDash val="solid"/>
+                      <a:round/>
+                      <a:headEnd type="none" w="med" len="med"/>
+                      <a:tailEnd type="none" w="med" len="med"/>
+                    </a:lnL>
+                    <a:lnR>
+                      <a:noFill/>
+                    </a:lnR>
+                    <a:lnT>
+                      <a:noFill/>
+                    </a:lnT>
+                    <a:lnB>
+                      <a:noFill/>
+                    </a:lnB>
+                  </a:tcPr>
+                </a:tc>
+                <a:tc>
+                  <a:txBody>
+                    <a:bodyPr/>
+                    <a:lstStyle/>
+                    <a:p>
+                      <a:pPr algn="l" fontAlgn="b"/>
+                      <a:r>
+                        <a:rPr lang="en-IN" sz="1800" b="0" i="0" u="none" strike="noStrike">
+                          <a:solidFill>
+                            <a:srgbClr val="000000"/>
+                          </a:solidFill>
+                          <a:effectLst/>
+                          <a:latin typeface="Calibri" panose="020F0502020204030204" pitchFamily="34" charset="0"/>
+                        </a:rPr>
+                        <a:t>Volume</a:t>
+                      </a:r>
+                    </a:p>
+                  </a:txBody>
+                  <a:tcPr marL="9480" marR="9480" marT="9480" marB="0" anchor="b">
+                    <a:lnL>
+                      <a:noFill/>
+                    </a:lnL>
+                    <a:lnR>
+                      <a:noFill/>
+                    </a:lnR>
+                    <a:lnT>
+                      <a:noFill/>
+                    </a:lnT>
+                    <a:lnB>
+                      <a:noFill/>
+                    </a:lnB>
+                    <a:solidFill>
+                      <a:srgbClr val="FCE4D6"/>
+                    </a:solidFill>
+                  </a:tcPr>
+                </a:tc>
+                <a:tc>
+                  <a:txBody>
+                    <a:bodyPr/>
+                    <a:lstStyle/>
+                    <a:p>
+                      <a:pPr algn="l" fontAlgn="b"/>
+                      <a:r>
+                        <a:rPr lang="en-IN" sz="1800" b="0" i="0" u="none" strike="noStrike">
+                          <a:solidFill>
+                            <a:srgbClr val="000000"/>
+                          </a:solidFill>
+                          <a:effectLst/>
+                          <a:latin typeface="Calibri" panose="020F0502020204030204" pitchFamily="34" charset="0"/>
+                        </a:rPr>
+                        <a:t>Area</a:t>
+                      </a:r>
+                    </a:p>
+                  </a:txBody>
+                  <a:tcPr marL="9480" marR="9480" marT="9480" marB="0" anchor="b">
+                    <a:lnL>
+                      <a:noFill/>
+                    </a:lnL>
+                    <a:lnR w="6350" cap="flat" cmpd="sng" algn="ctr">
+                      <a:solidFill>
+                        <a:srgbClr val="000000"/>
+                      </a:solidFill>
+                      <a:prstDash val="solid"/>
+                      <a:round/>
+                      <a:headEnd type="none" w="med" len="med"/>
+                      <a:tailEnd type="none" w="med" len="med"/>
+                    </a:lnR>
+                    <a:lnT>
+                      <a:noFill/>
+                    </a:lnT>
+                    <a:lnB>
+                      <a:noFill/>
+                    </a:lnB>
+                    <a:solidFill>
+                      <a:srgbClr val="FCE4D6"/>
+                    </a:solidFill>
+                  </a:tcPr>
+                </a:tc>
+                <a:extLst>
+                  <a:ext uri="{0D108BD9-81ED-4DB2-BD59-A6C34878D82A}">
+                    <a16:rowId xmlns:a16="http://schemas.microsoft.com/office/drawing/2014/main" val="3589257874"/>
+                  </a:ext>
+                </a:extLst>
+              </a:tr>
+              <a:tr h="293881">
+                <a:tc vMerge="1">
+                  <a:txBody>
+                    <a:bodyPr/>
+                    <a:lstStyle/>
+                    <a:p>
+                      <a:endParaRPr lang="en-IN"/>
+                    </a:p>
+                  </a:txBody>
+                  <a:tcPr/>
+                </a:tc>
+                <a:tc>
+                  <a:txBody>
+                    <a:bodyPr/>
+                    <a:lstStyle/>
+                    <a:p>
+                      <a:pPr algn="l" fontAlgn="b"/>
+                      <a:r>
+                        <a:rPr lang="en-IN" sz="1800" b="0" i="0" u="none" strike="noStrike">
+                          <a:solidFill>
+                            <a:srgbClr val="000000"/>
+                          </a:solidFill>
+                          <a:effectLst/>
+                          <a:latin typeface="Calibri" panose="020F0502020204030204" pitchFamily="34" charset="0"/>
+                        </a:rPr>
+                        <a:t> </a:t>
+                      </a:r>
+                    </a:p>
+                  </a:txBody>
+                  <a:tcPr marL="9480" marR="9480" marT="9480" marB="0" anchor="b">
+                    <a:lnL w="6350" cap="flat" cmpd="sng" algn="ctr">
+                      <a:solidFill>
+                        <a:srgbClr val="000000"/>
+                      </a:solidFill>
+                      <a:prstDash val="solid"/>
+                      <a:round/>
+                      <a:headEnd type="none" w="med" len="med"/>
+                      <a:tailEnd type="none" w="med" len="med"/>
+                    </a:lnL>
+                    <a:lnR>
+                      <a:noFill/>
+                    </a:lnR>
+                    <a:lnT>
+                      <a:noFill/>
+                    </a:lnT>
+                    <a:lnB w="6350" cap="flat" cmpd="sng" algn="ctr">
+                      <a:solidFill>
+                        <a:srgbClr val="000000"/>
+                      </a:solidFill>
+                      <a:prstDash val="solid"/>
+                      <a:round/>
+                      <a:headEnd type="none" w="med" len="med"/>
+                      <a:tailEnd type="none" w="med" len="med"/>
+                    </a:lnB>
+                  </a:tcPr>
+                </a:tc>
+                <a:tc>
+                  <a:txBody>
+                    <a:bodyPr/>
+                    <a:lstStyle/>
+                    <a:p>
+                      <a:pPr algn="l" fontAlgn="b"/>
+                      <a:r>
+                        <a:rPr lang="en-IN" sz="1800" b="0" i="0" u="none" strike="noStrike">
+                          <a:solidFill>
+                            <a:srgbClr val="000000"/>
+                          </a:solidFill>
+                          <a:effectLst/>
+                          <a:latin typeface="Calibri" panose="020F0502020204030204" pitchFamily="34" charset="0"/>
+                        </a:rPr>
+                        <a:t> </a:t>
+                      </a:r>
+                    </a:p>
+                  </a:txBody>
+                  <a:tcPr marL="9480" marR="9480" marT="9480" marB="0" anchor="b">
+                    <a:lnL>
+                      <a:noFill/>
+                    </a:lnL>
+                    <a:lnR>
+                      <a:noFill/>
+                    </a:lnR>
+                    <a:lnT>
+                      <a:noFill/>
+                    </a:lnT>
+                    <a:lnB w="6350" cap="flat" cmpd="sng" algn="ctr">
+                      <a:solidFill>
+                        <a:srgbClr val="000000"/>
+                      </a:solidFill>
+                      <a:prstDash val="solid"/>
+                      <a:round/>
+                      <a:headEnd type="none" w="med" len="med"/>
+                      <a:tailEnd type="none" w="med" len="med"/>
+                    </a:lnB>
+                  </a:tcPr>
+                </a:tc>
+                <a:tc>
+                  <a:txBody>
+                    <a:bodyPr/>
+                    <a:lstStyle/>
+                    <a:p>
+                      <a:pPr algn="l" fontAlgn="b"/>
+                      <a:r>
+                        <a:rPr lang="en-IN" sz="1800" b="0" i="0" u="none" strike="noStrike" dirty="0">
+                          <a:solidFill>
+                            <a:srgbClr val="000000"/>
+                          </a:solidFill>
+                          <a:effectLst/>
+                          <a:latin typeface="Calibri" panose="020F0502020204030204" pitchFamily="34" charset="0"/>
+                        </a:rPr>
+                        <a:t>Volume</a:t>
+                      </a:r>
+                    </a:p>
+                  </a:txBody>
+                  <a:tcPr marL="9480" marR="9480" marT="9480" marB="0" anchor="b">
+                    <a:lnL>
+                      <a:noFill/>
+                    </a:lnL>
+                    <a:lnR w="6350" cap="flat" cmpd="sng" algn="ctr">
+                      <a:solidFill>
+                        <a:srgbClr val="000000"/>
+                      </a:solidFill>
+                      <a:prstDash val="solid"/>
+                      <a:round/>
+                      <a:headEnd type="none" w="med" len="med"/>
+                      <a:tailEnd type="none" w="med" len="med"/>
+                    </a:lnR>
+                    <a:lnT>
+                      <a:noFill/>
+                    </a:lnT>
+                    <a:lnB w="6350" cap="flat" cmpd="sng" algn="ctr">
+                      <a:solidFill>
+                        <a:srgbClr val="000000"/>
+                      </a:solidFill>
+                      <a:prstDash val="solid"/>
+                      <a:round/>
+                      <a:headEnd type="none" w="med" len="med"/>
+                      <a:tailEnd type="none" w="med" len="med"/>
+                    </a:lnB>
+                    <a:solidFill>
+                      <a:srgbClr val="FCE4D6"/>
+                    </a:solidFill>
+                  </a:tcPr>
+                </a:tc>
+                <a:extLst>
+                  <a:ext uri="{0D108BD9-81ED-4DB2-BD59-A6C34878D82A}">
+                    <a16:rowId xmlns:a16="http://schemas.microsoft.com/office/drawing/2014/main" val="809082713"/>
+                  </a:ext>
+                </a:extLst>
+              </a:tr>
+            </a:tbl>
+          </a:graphicData>
+        </a:graphic>
+      </p:graphicFrame>
     </p:spTree>
     <p:extLst>
       <p:ext uri="{BB962C8B-B14F-4D97-AF65-F5344CB8AC3E}">
         <p14:creationId xmlns:p14="http://schemas.microsoft.com/office/powerpoint/2010/main" val="3062005082"/>
+      </p:ext>
+    </p:extLst>
+  </p:cSld>
+  <p:clrMapOvr>
+    <a:masterClrMapping/>
+  </p:clrMapOvr>
+</p:sld>
+</file>
+
+<file path=ppt/slides/slide5.xml><?xml version="1.0" encoding="utf-8"?>
+<p:sld xmlns:a="http://schemas.openxmlformats.org/drawingml/2006/main" xmlns:r="http://schemas.openxmlformats.org/officeDocument/2006/relationships" xmlns:p="http://schemas.openxmlformats.org/presentationml/2006/main">
+  <p:cSld>
+    <p:bg>
+      <p:bgPr>
+        <a:solidFill>
+          <a:schemeClr val="bg1"/>
+        </a:solidFill>
+        <a:effectLst/>
+      </p:bgPr>
+    </p:bg>
+    <p:spTree>
+      <p:nvGrpSpPr>
+        <p:cNvPr id="1" name=""/>
+        <p:cNvGrpSpPr/>
+        <p:nvPr/>
+      </p:nvGrpSpPr>
+      <p:grpSpPr>
+        <a:xfrm>
+          <a:off x="0" y="0"/>
+          <a:ext cx="0" cy="0"/>
+          <a:chOff x="0" y="0"/>
+          <a:chExt cx="0" cy="0"/>
+        </a:xfrm>
+      </p:grpSpPr>
+      <p:sp>
+        <p:nvSpPr>
+          <p:cNvPr id="43" name="Rectangle 30">
+            <a:extLst>
+              <a:ext uri="{FF2B5EF4-FFF2-40B4-BE49-F238E27FC236}">
+                <a16:creationId xmlns:a16="http://schemas.microsoft.com/office/drawing/2014/main" id="{E1750109-3B91-4506-B997-0CD8E35A1488}"/>
+              </a:ext>
+              <a:ext uri="{C183D7F6-B498-43B3-948B-1728B52AA6E4}">
+                <adec:decorative xmlns:adec="http://schemas.microsoft.com/office/drawing/2017/decorative" val="1"/>
+              </a:ext>
+            </a:extLst>
+          </p:cNvPr>
+          <p:cNvSpPr>
+            <a:spLocks noGrp="1" noRot="1" noChangeAspect="1" noMove="1" noResize="1" noEditPoints="1" noAdjustHandles="1" noChangeArrowheads="1" noChangeShapeType="1" noTextEdit="1"/>
+          </p:cNvSpPr>
+          <p:nvPr>
+            <p:extLst>
+              <p:ext uri="{386F3935-93C4-4BCD-93E2-E3B085C9AB24}">
+                <p16:designElem xmlns:p16="http://schemas.microsoft.com/office/powerpoint/2015/main" val="1"/>
+              </p:ext>
+            </p:extLst>
+          </p:nvPr>
+        </p:nvSpPr>
+        <p:spPr>
+          <a:xfrm>
+            <a:off x="0" y="0"/>
+            <a:ext cx="12192000" cy="6858000"/>
+          </a:xfrm>
+          <a:prstGeom prst="rect">
+            <a:avLst/>
+          </a:prstGeom>
+          <a:solidFill>
+            <a:srgbClr val="3A618C"/>
+          </a:solidFill>
+          <a:ln>
+            <a:noFill/>
+          </a:ln>
+        </p:spPr>
+        <p:style>
+          <a:lnRef idx="2">
+            <a:schemeClr val="accent1">
+              <a:shade val="50000"/>
+            </a:schemeClr>
+          </a:lnRef>
+          <a:fillRef idx="1">
+            <a:schemeClr val="accent1"/>
+          </a:fillRef>
+          <a:effectRef idx="0">
+            <a:schemeClr val="accent1"/>
+          </a:effectRef>
+          <a:fontRef idx="minor">
+            <a:schemeClr val="lt1"/>
+          </a:fontRef>
+        </p:style>
+        <p:txBody>
+          <a:bodyPr rtlCol="0" anchor="ctr"/>
+          <a:lstStyle/>
+          <a:p>
+            <a:pPr algn="ctr"/>
+            <a:endParaRPr lang="en-US"/>
+          </a:p>
+        </p:txBody>
+      </p:sp>
+      <p:sp>
+        <p:nvSpPr>
+          <p:cNvPr id="44" name="Rectangle 32">
+            <a:extLst>
+              <a:ext uri="{FF2B5EF4-FFF2-40B4-BE49-F238E27FC236}">
+                <a16:creationId xmlns:a16="http://schemas.microsoft.com/office/drawing/2014/main" id="{E72D8D1B-59F6-4FF3-8547-9BBB6129F2FA}"/>
+              </a:ext>
+              <a:ext uri="{C183D7F6-B498-43B3-948B-1728B52AA6E4}">
+                <adec:decorative xmlns:adec="http://schemas.microsoft.com/office/drawing/2017/decorative" val="1"/>
+              </a:ext>
+            </a:extLst>
+          </p:cNvPr>
+          <p:cNvSpPr>
+            <a:spLocks noGrp="1" noRot="1" noChangeAspect="1" noMove="1" noResize="1" noEditPoints="1" noAdjustHandles="1" noChangeArrowheads="1" noChangeShapeType="1" noTextEdit="1"/>
+          </p:cNvSpPr>
+          <p:nvPr>
+            <p:extLst>
+              <p:ext uri="{386F3935-93C4-4BCD-93E2-E3B085C9AB24}">
+                <p16:designElem xmlns:p16="http://schemas.microsoft.com/office/powerpoint/2015/main" val="1"/>
+              </p:ext>
+            </p:extLst>
+          </p:nvPr>
+        </p:nvSpPr>
+        <p:spPr>
+          <a:xfrm>
+            <a:off x="461331" y="480060"/>
+            <a:ext cx="3442553" cy="2788074"/>
+          </a:xfrm>
+          <a:prstGeom prst="rect">
+            <a:avLst/>
+          </a:prstGeom>
+          <a:solidFill>
+            <a:schemeClr val="bg1"/>
+          </a:solidFill>
+          <a:ln w="19050">
+            <a:noFill/>
+          </a:ln>
+        </p:spPr>
+        <p:style>
+          <a:lnRef idx="2">
+            <a:schemeClr val="accent1">
+              <a:shade val="50000"/>
+            </a:schemeClr>
+          </a:lnRef>
+          <a:fillRef idx="1">
+            <a:schemeClr val="accent1"/>
+          </a:fillRef>
+          <a:effectRef idx="0">
+            <a:schemeClr val="accent1"/>
+          </a:effectRef>
+          <a:fontRef idx="minor">
+            <a:schemeClr val="lt1"/>
+          </a:fontRef>
+        </p:style>
+        <p:txBody>
+          <a:bodyPr rtlCol="0" anchor="ctr"/>
+          <a:lstStyle/>
+          <a:p>
+            <a:pPr algn="ctr"/>
+            <a:endParaRPr lang="en-US"/>
+          </a:p>
+        </p:txBody>
+      </p:sp>
+      <p:pic>
+        <p:nvPicPr>
+          <p:cNvPr id="7" name="Picture 6">
+            <a:extLst>
+              <a:ext uri="{FF2B5EF4-FFF2-40B4-BE49-F238E27FC236}">
+                <a16:creationId xmlns:a16="http://schemas.microsoft.com/office/drawing/2014/main" id="{068F70CB-1BCB-4B61-AC65-3748916AF5CA}"/>
+              </a:ext>
+            </a:extLst>
+          </p:cNvPr>
+          <p:cNvPicPr>
+            <a:picLocks noChangeAspect="1"/>
+          </p:cNvPicPr>
+          <p:nvPr/>
+        </p:nvPicPr>
+        <p:blipFill>
+          <a:blip r:embed="rId2">
+            <a:extLst>
+              <a:ext uri="{28A0092B-C50C-407E-A947-70E740481C1C}">
+                <a14:useLocalDpi xmlns:a14="http://schemas.microsoft.com/office/drawing/2010/main" val="0"/>
+              </a:ext>
+            </a:extLst>
+          </a:blip>
+          <a:stretch/>
+        </p:blipFill>
+        <p:spPr>
+          <a:xfrm>
+            <a:off x="622549" y="1096855"/>
+            <a:ext cx="3122143" cy="1568876"/>
+          </a:xfrm>
+          <a:prstGeom prst="rect">
+            <a:avLst/>
+          </a:prstGeom>
+        </p:spPr>
+      </p:pic>
+      <p:sp>
+        <p:nvSpPr>
+          <p:cNvPr id="45" name="Rectangle 34">
+            <a:extLst>
+              <a:ext uri="{FF2B5EF4-FFF2-40B4-BE49-F238E27FC236}">
+                <a16:creationId xmlns:a16="http://schemas.microsoft.com/office/drawing/2014/main" id="{14044C96-7CFD-44DB-A579-D77B0D37C681}"/>
+              </a:ext>
+              <a:ext uri="{C183D7F6-B498-43B3-948B-1728B52AA6E4}">
+                <adec:decorative xmlns:adec="http://schemas.microsoft.com/office/drawing/2017/decorative" val="1"/>
+              </a:ext>
+            </a:extLst>
+          </p:cNvPr>
+          <p:cNvSpPr>
+            <a:spLocks noGrp="1" noRot="1" noChangeAspect="1" noMove="1" noResize="1" noEditPoints="1" noAdjustHandles="1" noChangeArrowheads="1" noChangeShapeType="1" noTextEdit="1"/>
+          </p:cNvSpPr>
+          <p:nvPr>
+            <p:extLst>
+              <p:ext uri="{386F3935-93C4-4BCD-93E2-E3B085C9AB24}">
+                <p16:designElem xmlns:p16="http://schemas.microsoft.com/office/powerpoint/2015/main" val="1"/>
+              </p:ext>
+            </p:extLst>
+          </p:nvPr>
+        </p:nvSpPr>
+        <p:spPr>
+          <a:xfrm>
+            <a:off x="8135998" y="487090"/>
+            <a:ext cx="3588174" cy="2781044"/>
+          </a:xfrm>
+          <a:prstGeom prst="rect">
+            <a:avLst/>
+          </a:prstGeom>
+          <a:solidFill>
+            <a:schemeClr val="bg1"/>
+          </a:solidFill>
+          <a:ln w="19050">
+            <a:noFill/>
+          </a:ln>
+        </p:spPr>
+        <p:style>
+          <a:lnRef idx="2">
+            <a:schemeClr val="accent1">
+              <a:shade val="50000"/>
+            </a:schemeClr>
+          </a:lnRef>
+          <a:fillRef idx="1">
+            <a:schemeClr val="accent1"/>
+          </a:fillRef>
+          <a:effectRef idx="0">
+            <a:schemeClr val="accent1"/>
+          </a:effectRef>
+          <a:fontRef idx="minor">
+            <a:schemeClr val="lt1"/>
+          </a:fontRef>
+        </p:style>
+        <p:txBody>
+          <a:bodyPr rtlCol="0" anchor="ctr"/>
+          <a:lstStyle/>
+          <a:p>
+            <a:pPr algn="ctr"/>
+            <a:endParaRPr lang="en-US"/>
+          </a:p>
+        </p:txBody>
+      </p:sp>
+      <p:pic>
+        <p:nvPicPr>
+          <p:cNvPr id="9" name="Picture 8">
+            <a:extLst>
+              <a:ext uri="{FF2B5EF4-FFF2-40B4-BE49-F238E27FC236}">
+                <a16:creationId xmlns:a16="http://schemas.microsoft.com/office/drawing/2014/main" id="{D858340A-033E-4E68-9E78-EC3FDD4B4D1C}"/>
+              </a:ext>
+            </a:extLst>
+          </p:cNvPr>
+          <p:cNvPicPr>
+            <a:picLocks noChangeAspect="1"/>
+          </p:cNvPicPr>
+          <p:nvPr/>
+        </p:nvPicPr>
+        <p:blipFill>
+          <a:blip r:embed="rId3">
+            <a:extLst>
+              <a:ext uri="{28A0092B-C50C-407E-A947-70E740481C1C}">
+                <a14:useLocalDpi xmlns:a14="http://schemas.microsoft.com/office/drawing/2010/main" val="0"/>
+              </a:ext>
+            </a:extLst>
+          </a:blip>
+          <a:srcRect/>
+          <a:stretch/>
+        </p:blipFill>
+        <p:spPr>
+          <a:xfrm>
+            <a:off x="8313518" y="1017459"/>
+            <a:ext cx="3252903" cy="1734699"/>
+          </a:xfrm>
+          <a:prstGeom prst="rect">
+            <a:avLst/>
+          </a:prstGeom>
+        </p:spPr>
+      </p:pic>
+      <p:sp>
+        <p:nvSpPr>
+          <p:cNvPr id="46" name="Rectangle 36">
+            <a:extLst>
+              <a:ext uri="{FF2B5EF4-FFF2-40B4-BE49-F238E27FC236}">
+                <a16:creationId xmlns:a16="http://schemas.microsoft.com/office/drawing/2014/main" id="{8FC8C21F-9484-4A71-ABFA-6C10682FAC3E}"/>
+              </a:ext>
+              <a:ext uri="{C183D7F6-B498-43B3-948B-1728B52AA6E4}">
+                <adec:decorative xmlns:adec="http://schemas.microsoft.com/office/drawing/2017/decorative" val="1"/>
+              </a:ext>
+            </a:extLst>
+          </p:cNvPr>
+          <p:cNvSpPr>
+            <a:spLocks noGrp="1" noRot="1" noChangeAspect="1" noMove="1" noResize="1" noEditPoints="1" noAdjustHandles="1" noChangeArrowheads="1" noChangeShapeType="1" noTextEdit="1"/>
+          </p:cNvSpPr>
+          <p:nvPr>
+            <p:extLst>
+              <p:ext uri="{386F3935-93C4-4BCD-93E2-E3B085C9AB24}">
+                <p16:designElem xmlns:p16="http://schemas.microsoft.com/office/powerpoint/2015/main" val="1"/>
+              </p:ext>
+            </p:extLst>
+          </p:nvPr>
+        </p:nvSpPr>
+        <p:spPr>
+          <a:xfrm>
+            <a:off x="461331" y="3603670"/>
+            <a:ext cx="3442553" cy="2788074"/>
+          </a:xfrm>
+          <a:prstGeom prst="rect">
+            <a:avLst/>
+          </a:prstGeom>
+          <a:solidFill>
+            <a:schemeClr val="bg1"/>
+          </a:solidFill>
+          <a:ln w="19050">
+            <a:noFill/>
+          </a:ln>
+        </p:spPr>
+        <p:style>
+          <a:lnRef idx="2">
+            <a:schemeClr val="accent1">
+              <a:shade val="50000"/>
+            </a:schemeClr>
+          </a:lnRef>
+          <a:fillRef idx="1">
+            <a:schemeClr val="accent1"/>
+          </a:fillRef>
+          <a:effectRef idx="0">
+            <a:schemeClr val="accent1"/>
+          </a:effectRef>
+          <a:fontRef idx="minor">
+            <a:schemeClr val="lt1"/>
+          </a:fontRef>
+        </p:style>
+        <p:txBody>
+          <a:bodyPr rtlCol="0" anchor="ctr"/>
+          <a:lstStyle/>
+          <a:p>
+            <a:pPr algn="ctr"/>
+            <a:endParaRPr lang="en-US"/>
+          </a:p>
+        </p:txBody>
+      </p:sp>
+      <p:pic>
+        <p:nvPicPr>
+          <p:cNvPr id="11" name="Picture 10">
+            <a:extLst>
+              <a:ext uri="{FF2B5EF4-FFF2-40B4-BE49-F238E27FC236}">
+                <a16:creationId xmlns:a16="http://schemas.microsoft.com/office/drawing/2014/main" id="{CD96689C-7C31-405E-A45D-88FD1259420C}"/>
+              </a:ext>
+            </a:extLst>
+          </p:cNvPr>
+          <p:cNvPicPr>
+            <a:picLocks noChangeAspect="1"/>
+          </p:cNvPicPr>
+          <p:nvPr/>
+        </p:nvPicPr>
+        <p:blipFill>
+          <a:blip r:embed="rId4">
+            <a:extLst>
+              <a:ext uri="{28A0092B-C50C-407E-A947-70E740481C1C}">
+                <a14:useLocalDpi xmlns:a14="http://schemas.microsoft.com/office/drawing/2010/main" val="0"/>
+              </a:ext>
+            </a:extLst>
+          </a:blip>
+          <a:srcRect/>
+          <a:stretch/>
+        </p:blipFill>
+        <p:spPr>
+          <a:xfrm>
+            <a:off x="717639" y="4146387"/>
+            <a:ext cx="2914763" cy="1675245"/>
+          </a:xfrm>
+          <a:prstGeom prst="rect">
+            <a:avLst/>
+          </a:prstGeom>
+        </p:spPr>
+      </p:pic>
+      <p:sp>
+        <p:nvSpPr>
+          <p:cNvPr id="47" name="Rectangle 38">
+            <a:extLst>
+              <a:ext uri="{FF2B5EF4-FFF2-40B4-BE49-F238E27FC236}">
+                <a16:creationId xmlns:a16="http://schemas.microsoft.com/office/drawing/2014/main" id="{2C444748-5A8D-4B53-89FE-42B455DFA2D1}"/>
+              </a:ext>
+              <a:ext uri="{C183D7F6-B498-43B3-948B-1728B52AA6E4}">
+                <adec:decorative xmlns:adec="http://schemas.microsoft.com/office/drawing/2017/decorative" val="1"/>
+              </a:ext>
+            </a:extLst>
+          </p:cNvPr>
+          <p:cNvSpPr>
+            <a:spLocks noGrp="1" noRot="1" noChangeAspect="1" noMove="1" noResize="1" noEditPoints="1" noAdjustHandles="1" noChangeArrowheads="1" noChangeShapeType="1" noTextEdit="1"/>
+          </p:cNvSpPr>
+          <p:nvPr>
+            <p:extLst>
+              <p:ext uri="{386F3935-93C4-4BCD-93E2-E3B085C9AB24}">
+                <p16:designElem xmlns:p16="http://schemas.microsoft.com/office/powerpoint/2015/main" val="1"/>
+              </p:ext>
+            </p:extLst>
+          </p:nvPr>
+        </p:nvSpPr>
+        <p:spPr>
+          <a:xfrm>
+            <a:off x="4225618" y="487090"/>
+            <a:ext cx="3588171" cy="5897880"/>
+          </a:xfrm>
+          <a:prstGeom prst="rect">
+            <a:avLst/>
+          </a:prstGeom>
+          <a:solidFill>
+            <a:schemeClr val="bg1"/>
+          </a:solidFill>
+          <a:ln w="19050">
+            <a:noFill/>
+          </a:ln>
+        </p:spPr>
+        <p:style>
+          <a:lnRef idx="2">
+            <a:schemeClr val="accent1">
+              <a:shade val="50000"/>
+            </a:schemeClr>
+          </a:lnRef>
+          <a:fillRef idx="1">
+            <a:schemeClr val="accent1"/>
+          </a:fillRef>
+          <a:effectRef idx="0">
+            <a:schemeClr val="accent1"/>
+          </a:effectRef>
+          <a:fontRef idx="minor">
+            <a:schemeClr val="lt1"/>
+          </a:fontRef>
+        </p:style>
+        <p:txBody>
+          <a:bodyPr rtlCol="0" anchor="ctr"/>
+          <a:lstStyle/>
+          <a:p>
+            <a:pPr algn="ctr"/>
+            <a:endParaRPr lang="en-US"/>
+          </a:p>
+        </p:txBody>
+      </p:sp>
+      <p:pic>
+        <p:nvPicPr>
+          <p:cNvPr id="5" name="Picture 4">
+            <a:extLst>
+              <a:ext uri="{FF2B5EF4-FFF2-40B4-BE49-F238E27FC236}">
+                <a16:creationId xmlns:a16="http://schemas.microsoft.com/office/drawing/2014/main" id="{B206EFBB-39E1-418E-AEBF-61E85F1FF710}"/>
+              </a:ext>
+            </a:extLst>
+          </p:cNvPr>
+          <p:cNvPicPr>
+            <a:picLocks noChangeAspect="1"/>
+          </p:cNvPicPr>
+          <p:nvPr/>
+        </p:nvPicPr>
+        <p:blipFill>
+          <a:blip r:embed="rId5">
+            <a:extLst>
+              <a:ext uri="{28A0092B-C50C-407E-A947-70E740481C1C}">
+                <a14:useLocalDpi xmlns:a14="http://schemas.microsoft.com/office/drawing/2010/main" val="0"/>
+              </a:ext>
+            </a:extLst>
+          </a:blip>
+          <a:srcRect/>
+          <a:stretch/>
+        </p:blipFill>
+        <p:spPr>
+          <a:xfrm>
+            <a:off x="4563205" y="2604760"/>
+            <a:ext cx="2889845" cy="1662540"/>
+          </a:xfrm>
+          <a:prstGeom prst="rect">
+            <a:avLst/>
+          </a:prstGeom>
+        </p:spPr>
+      </p:pic>
+      <p:sp>
+        <p:nvSpPr>
+          <p:cNvPr id="48" name="Rectangle 40">
+            <a:extLst>
+              <a:ext uri="{FF2B5EF4-FFF2-40B4-BE49-F238E27FC236}">
+                <a16:creationId xmlns:a16="http://schemas.microsoft.com/office/drawing/2014/main" id="{F4FFA271-A10A-4AC3-8F06-E3313A197A80}"/>
+              </a:ext>
+              <a:ext uri="{C183D7F6-B498-43B3-948B-1728B52AA6E4}">
+                <adec:decorative xmlns:adec="http://schemas.microsoft.com/office/drawing/2017/decorative" val="1"/>
+              </a:ext>
+            </a:extLst>
+          </p:cNvPr>
+          <p:cNvSpPr>
+            <a:spLocks noGrp="1" noRot="1" noChangeAspect="1" noMove="1" noResize="1" noEditPoints="1" noAdjustHandles="1" noChangeArrowheads="1" noChangeShapeType="1" noTextEdit="1"/>
+          </p:cNvSpPr>
+          <p:nvPr>
+            <p:extLst>
+              <p:ext uri="{386F3935-93C4-4BCD-93E2-E3B085C9AB24}">
+                <p16:designElem xmlns:p16="http://schemas.microsoft.com/office/powerpoint/2015/main" val="1"/>
+              </p:ext>
+            </p:extLst>
+          </p:nvPr>
+        </p:nvSpPr>
+        <p:spPr>
+          <a:xfrm>
+            <a:off x="8129502" y="3603670"/>
+            <a:ext cx="3601167" cy="2788074"/>
+          </a:xfrm>
+          <a:prstGeom prst="rect">
+            <a:avLst/>
+          </a:prstGeom>
+          <a:solidFill>
+            <a:schemeClr val="bg1"/>
+          </a:solidFill>
+          <a:ln w="19050">
+            <a:noFill/>
+          </a:ln>
+        </p:spPr>
+        <p:style>
+          <a:lnRef idx="2">
+            <a:schemeClr val="accent1">
+              <a:shade val="50000"/>
+            </a:schemeClr>
+          </a:lnRef>
+          <a:fillRef idx="1">
+            <a:schemeClr val="accent1"/>
+          </a:fillRef>
+          <a:effectRef idx="0">
+            <a:schemeClr val="accent1"/>
+          </a:effectRef>
+          <a:fontRef idx="minor">
+            <a:schemeClr val="lt1"/>
+          </a:fontRef>
+        </p:style>
+        <p:txBody>
+          <a:bodyPr rtlCol="0" anchor="ctr"/>
+          <a:lstStyle/>
+          <a:p>
+            <a:pPr algn="ctr"/>
+            <a:endParaRPr lang="en-US"/>
+          </a:p>
+        </p:txBody>
+      </p:sp>
+      <p:pic>
+        <p:nvPicPr>
+          <p:cNvPr id="3" name="Picture 2">
+            <a:extLst>
+              <a:ext uri="{FF2B5EF4-FFF2-40B4-BE49-F238E27FC236}">
+                <a16:creationId xmlns:a16="http://schemas.microsoft.com/office/drawing/2014/main" id="{14BFFD69-E2A3-4A6B-ADC4-69BE4BAAAD6B}"/>
+              </a:ext>
+            </a:extLst>
+          </p:cNvPr>
+          <p:cNvPicPr>
+            <a:picLocks noChangeAspect="1"/>
+          </p:cNvPicPr>
+          <p:nvPr/>
+        </p:nvPicPr>
+        <p:blipFill>
+          <a:blip r:embed="rId6">
+            <a:extLst>
+              <a:ext uri="{28A0092B-C50C-407E-A947-70E740481C1C}">
+                <a14:useLocalDpi xmlns:a14="http://schemas.microsoft.com/office/drawing/2010/main" val="0"/>
+              </a:ext>
+            </a:extLst>
+          </a:blip>
+          <a:srcRect/>
+          <a:stretch/>
+        </p:blipFill>
+        <p:spPr>
+          <a:xfrm>
+            <a:off x="8470979" y="4231225"/>
+            <a:ext cx="2937980" cy="1512599"/>
+          </a:xfrm>
+          <a:prstGeom prst="rect">
+            <a:avLst/>
+          </a:prstGeom>
+        </p:spPr>
+      </p:pic>
+    </p:spTree>
+    <p:extLst>
+      <p:ext uri="{BB962C8B-B14F-4D97-AF65-F5344CB8AC3E}">
+        <p14:creationId xmlns:p14="http://schemas.microsoft.com/office/powerpoint/2010/main" val="1854350634"/>
+      </p:ext>
+    </p:extLst>
+  </p:cSld>
+  <p:clrMapOvr>
+    <a:masterClrMapping/>
+  </p:clrMapOvr>
+</p:sld>
+</file>
+
+<file path=ppt/slides/slide6.xml><?xml version="1.0" encoding="utf-8"?>
+<p:sld xmlns:a="http://schemas.openxmlformats.org/drawingml/2006/main" xmlns:r="http://schemas.openxmlformats.org/officeDocument/2006/relationships" xmlns:p="http://schemas.openxmlformats.org/presentationml/2006/main">
+  <p:cSld>
+    <p:spTree>
+      <p:nvGrpSpPr>
+        <p:cNvPr id="1" name=""/>
+        <p:cNvGrpSpPr/>
+        <p:nvPr/>
+      </p:nvGrpSpPr>
+      <p:grpSpPr>
+        <a:xfrm>
+          <a:off x="0" y="0"/>
+          <a:ext cx="0" cy="0"/>
+          <a:chOff x="0" y="0"/>
+          <a:chExt cx="0" cy="0"/>
+        </a:xfrm>
+      </p:grpSpPr>
+    </p:spTree>
+    <p:extLst>
+      <p:ext uri="{BB962C8B-B14F-4D97-AF65-F5344CB8AC3E}">
+        <p14:creationId xmlns:p14="http://schemas.microsoft.com/office/powerpoint/2010/main" val="596145228"/>
       </p:ext>
     </p:extLst>
   </p:cSld>
